--- a/LocalDB_chubecode.pptx
+++ b/LocalDB_chubecode.pptx
@@ -7,12 +7,15 @@
     <p:sldMasterId id="2147483776" r:id="rId3"/>
   </p:sldMasterIdLst>
   <p:notesMasterIdLst>
-    <p:notesMasterId r:id="rId7"/>
+    <p:notesMasterId r:id="rId10"/>
   </p:notesMasterIdLst>
   <p:sldIdLst>
     <p:sldId id="270" r:id="rId4"/>
     <p:sldId id="271" r:id="rId5"/>
     <p:sldId id="264" r:id="rId6"/>
+    <p:sldId id="272" r:id="rId7"/>
+    <p:sldId id="273" r:id="rId8"/>
+    <p:sldId id="274" r:id="rId9"/>
   </p:sldIdLst>
   <p:sldSz cx="12192000" cy="6858000"/>
   <p:notesSz cx="6858000" cy="9144000"/>
@@ -130,6 +133,3018 @@
 </p:presentation>
 </file>
 
+<file path=ppt/diagrams/colors1.xml><?xml version="1.0" encoding="utf-8"?>
+<dgm:colorsDef xmlns:dgm="http://schemas.openxmlformats.org/drawingml/2006/diagram" xmlns:a="http://schemas.openxmlformats.org/drawingml/2006/main" uniqueId="urn:microsoft.com/office/officeart/2005/8/colors/accent1_2">
+  <dgm:title val=""/>
+  <dgm:desc val=""/>
+  <dgm:catLst>
+    <dgm:cat type="accent1" pri="11200"/>
+  </dgm:catLst>
+  <dgm:styleLbl name="node0">
+    <dgm:fillClrLst meth="repeat">
+      <a:schemeClr val="accent1"/>
+    </dgm:fillClrLst>
+    <dgm:linClrLst meth="repeat">
+      <a:schemeClr val="lt1"/>
+    </dgm:linClrLst>
+    <dgm:effectClrLst/>
+    <dgm:txLinClrLst/>
+    <dgm:txFillClrLst/>
+    <dgm:txEffectClrLst/>
+  </dgm:styleLbl>
+  <dgm:styleLbl name="alignNode1">
+    <dgm:fillClrLst meth="repeat">
+      <a:schemeClr val="accent1"/>
+    </dgm:fillClrLst>
+    <dgm:linClrLst meth="repeat">
+      <a:schemeClr val="accent1"/>
+    </dgm:linClrLst>
+    <dgm:effectClrLst/>
+    <dgm:txLinClrLst/>
+    <dgm:txFillClrLst/>
+    <dgm:txEffectClrLst/>
+  </dgm:styleLbl>
+  <dgm:styleLbl name="node1">
+    <dgm:fillClrLst meth="repeat">
+      <a:schemeClr val="accent1"/>
+    </dgm:fillClrLst>
+    <dgm:linClrLst meth="repeat">
+      <a:schemeClr val="lt1"/>
+    </dgm:linClrLst>
+    <dgm:effectClrLst/>
+    <dgm:txLinClrLst/>
+    <dgm:txFillClrLst/>
+    <dgm:txEffectClrLst/>
+  </dgm:styleLbl>
+  <dgm:styleLbl name="lnNode1">
+    <dgm:fillClrLst meth="repeat">
+      <a:schemeClr val="accent1"/>
+    </dgm:fillClrLst>
+    <dgm:linClrLst meth="repeat">
+      <a:schemeClr val="lt1"/>
+    </dgm:linClrLst>
+    <dgm:effectClrLst/>
+    <dgm:txLinClrLst/>
+    <dgm:txFillClrLst/>
+    <dgm:txEffectClrLst/>
+  </dgm:styleLbl>
+  <dgm:styleLbl name="vennNode1">
+    <dgm:fillClrLst meth="repeat">
+      <a:schemeClr val="accent1">
+        <a:alpha val="50000"/>
+      </a:schemeClr>
+    </dgm:fillClrLst>
+    <dgm:linClrLst meth="repeat">
+      <a:schemeClr val="lt1"/>
+    </dgm:linClrLst>
+    <dgm:effectClrLst/>
+    <dgm:txLinClrLst/>
+    <dgm:txFillClrLst/>
+    <dgm:txEffectClrLst/>
+  </dgm:styleLbl>
+  <dgm:styleLbl name="node2">
+    <dgm:fillClrLst meth="repeat">
+      <a:schemeClr val="accent1"/>
+    </dgm:fillClrLst>
+    <dgm:linClrLst meth="repeat">
+      <a:schemeClr val="lt1"/>
+    </dgm:linClrLst>
+    <dgm:effectClrLst/>
+    <dgm:txLinClrLst/>
+    <dgm:txFillClrLst/>
+    <dgm:txEffectClrLst/>
+  </dgm:styleLbl>
+  <dgm:styleLbl name="node3">
+    <dgm:fillClrLst meth="repeat">
+      <a:schemeClr val="accent1"/>
+    </dgm:fillClrLst>
+    <dgm:linClrLst meth="repeat">
+      <a:schemeClr val="lt1"/>
+    </dgm:linClrLst>
+    <dgm:effectClrLst/>
+    <dgm:txLinClrLst/>
+    <dgm:txFillClrLst/>
+    <dgm:txEffectClrLst/>
+  </dgm:styleLbl>
+  <dgm:styleLbl name="node4">
+    <dgm:fillClrLst meth="repeat">
+      <a:schemeClr val="accent1"/>
+    </dgm:fillClrLst>
+    <dgm:linClrLst meth="repeat">
+      <a:schemeClr val="lt1"/>
+    </dgm:linClrLst>
+    <dgm:effectClrLst/>
+    <dgm:txLinClrLst/>
+    <dgm:txFillClrLst/>
+    <dgm:txEffectClrLst/>
+  </dgm:styleLbl>
+  <dgm:styleLbl name="fgImgPlace1">
+    <dgm:fillClrLst meth="repeat">
+      <a:schemeClr val="accent1">
+        <a:tint val="50000"/>
+      </a:schemeClr>
+    </dgm:fillClrLst>
+    <dgm:linClrLst meth="repeat">
+      <a:schemeClr val="lt1"/>
+    </dgm:linClrLst>
+    <dgm:effectClrLst/>
+    <dgm:txLinClrLst/>
+    <dgm:txFillClrLst meth="repeat">
+      <a:schemeClr val="lt1"/>
+    </dgm:txFillClrLst>
+    <dgm:txEffectClrLst/>
+  </dgm:styleLbl>
+  <dgm:styleLbl name="alignImgPlace1">
+    <dgm:fillClrLst meth="repeat">
+      <a:schemeClr val="accent1">
+        <a:tint val="50000"/>
+      </a:schemeClr>
+    </dgm:fillClrLst>
+    <dgm:linClrLst meth="repeat">
+      <a:schemeClr val="lt1"/>
+    </dgm:linClrLst>
+    <dgm:effectClrLst/>
+    <dgm:txLinClrLst/>
+    <dgm:txFillClrLst meth="repeat">
+      <a:schemeClr val="lt1"/>
+    </dgm:txFillClrLst>
+    <dgm:txEffectClrLst/>
+  </dgm:styleLbl>
+  <dgm:styleLbl name="bgImgPlace1">
+    <dgm:fillClrLst meth="repeat">
+      <a:schemeClr val="accent1">
+        <a:tint val="50000"/>
+      </a:schemeClr>
+    </dgm:fillClrLst>
+    <dgm:linClrLst meth="repeat">
+      <a:schemeClr val="lt1"/>
+    </dgm:linClrLst>
+    <dgm:effectClrLst/>
+    <dgm:txLinClrLst/>
+    <dgm:txFillClrLst meth="repeat">
+      <a:schemeClr val="lt1"/>
+    </dgm:txFillClrLst>
+    <dgm:txEffectClrLst/>
+  </dgm:styleLbl>
+  <dgm:styleLbl name="sibTrans2D1">
+    <dgm:fillClrLst meth="repeat">
+      <a:schemeClr val="accent1">
+        <a:tint val="60000"/>
+      </a:schemeClr>
+    </dgm:fillClrLst>
+    <dgm:linClrLst meth="repeat">
+      <a:schemeClr val="accent1">
+        <a:tint val="60000"/>
+      </a:schemeClr>
+    </dgm:linClrLst>
+    <dgm:effectClrLst/>
+    <dgm:txLinClrLst/>
+    <dgm:txFillClrLst/>
+    <dgm:txEffectClrLst/>
+  </dgm:styleLbl>
+  <dgm:styleLbl name="fgSibTrans2D1">
+    <dgm:fillClrLst meth="repeat">
+      <a:schemeClr val="accent1">
+        <a:tint val="60000"/>
+      </a:schemeClr>
+    </dgm:fillClrLst>
+    <dgm:linClrLst meth="repeat">
+      <a:schemeClr val="accent1">
+        <a:tint val="60000"/>
+      </a:schemeClr>
+    </dgm:linClrLst>
+    <dgm:effectClrLst/>
+    <dgm:txLinClrLst/>
+    <dgm:txFillClrLst/>
+    <dgm:txEffectClrLst/>
+  </dgm:styleLbl>
+  <dgm:styleLbl name="bgSibTrans2D1">
+    <dgm:fillClrLst meth="repeat">
+      <a:schemeClr val="accent1">
+        <a:tint val="60000"/>
+      </a:schemeClr>
+    </dgm:fillClrLst>
+    <dgm:linClrLst meth="repeat">
+      <a:schemeClr val="accent1">
+        <a:tint val="60000"/>
+      </a:schemeClr>
+    </dgm:linClrLst>
+    <dgm:effectClrLst/>
+    <dgm:txLinClrLst/>
+    <dgm:txFillClrLst/>
+    <dgm:txEffectClrLst/>
+  </dgm:styleLbl>
+  <dgm:styleLbl name="sibTrans1D1">
+    <dgm:fillClrLst meth="repeat">
+      <a:schemeClr val="accent1"/>
+    </dgm:fillClrLst>
+    <dgm:linClrLst meth="repeat">
+      <a:schemeClr val="accent1"/>
+    </dgm:linClrLst>
+    <dgm:effectClrLst/>
+    <dgm:txLinClrLst/>
+    <dgm:txFillClrLst meth="repeat">
+      <a:schemeClr val="tx1"/>
+    </dgm:txFillClrLst>
+    <dgm:txEffectClrLst/>
+  </dgm:styleLbl>
+  <dgm:styleLbl name="callout">
+    <dgm:fillClrLst meth="repeat">
+      <a:schemeClr val="accent1"/>
+    </dgm:fillClrLst>
+    <dgm:linClrLst meth="repeat">
+      <a:schemeClr val="accent1">
+        <a:tint val="50000"/>
+      </a:schemeClr>
+    </dgm:linClrLst>
+    <dgm:effectClrLst/>
+    <dgm:txLinClrLst/>
+    <dgm:txFillClrLst meth="repeat">
+      <a:schemeClr val="tx1"/>
+    </dgm:txFillClrLst>
+    <dgm:txEffectClrLst/>
+  </dgm:styleLbl>
+  <dgm:styleLbl name="asst0">
+    <dgm:fillClrLst meth="repeat">
+      <a:schemeClr val="accent1"/>
+    </dgm:fillClrLst>
+    <dgm:linClrLst meth="repeat">
+      <a:schemeClr val="lt1"/>
+    </dgm:linClrLst>
+    <dgm:effectClrLst/>
+    <dgm:txLinClrLst/>
+    <dgm:txFillClrLst/>
+    <dgm:txEffectClrLst/>
+  </dgm:styleLbl>
+  <dgm:styleLbl name="asst1">
+    <dgm:fillClrLst meth="repeat">
+      <a:schemeClr val="accent1"/>
+    </dgm:fillClrLst>
+    <dgm:linClrLst meth="repeat">
+      <a:schemeClr val="lt1"/>
+    </dgm:linClrLst>
+    <dgm:effectClrLst/>
+    <dgm:txLinClrLst/>
+    <dgm:txFillClrLst/>
+    <dgm:txEffectClrLst/>
+  </dgm:styleLbl>
+  <dgm:styleLbl name="asst2">
+    <dgm:fillClrLst meth="repeat">
+      <a:schemeClr val="accent1"/>
+    </dgm:fillClrLst>
+    <dgm:linClrLst meth="repeat">
+      <a:schemeClr val="lt1"/>
+    </dgm:linClrLst>
+    <dgm:effectClrLst/>
+    <dgm:txLinClrLst/>
+    <dgm:txFillClrLst/>
+    <dgm:txEffectClrLst/>
+  </dgm:styleLbl>
+  <dgm:styleLbl name="asst3">
+    <dgm:fillClrLst meth="repeat">
+      <a:schemeClr val="accent1"/>
+    </dgm:fillClrLst>
+    <dgm:linClrLst meth="repeat">
+      <a:schemeClr val="lt1"/>
+    </dgm:linClrLst>
+    <dgm:effectClrLst/>
+    <dgm:txLinClrLst/>
+    <dgm:txFillClrLst/>
+    <dgm:txEffectClrLst/>
+  </dgm:styleLbl>
+  <dgm:styleLbl name="asst4">
+    <dgm:fillClrLst meth="repeat">
+      <a:schemeClr val="accent1"/>
+    </dgm:fillClrLst>
+    <dgm:linClrLst meth="repeat">
+      <a:schemeClr val="lt1"/>
+    </dgm:linClrLst>
+    <dgm:effectClrLst/>
+    <dgm:txLinClrLst/>
+    <dgm:txFillClrLst/>
+    <dgm:txEffectClrLst/>
+  </dgm:styleLbl>
+  <dgm:styleLbl name="parChTrans2D1">
+    <dgm:fillClrLst meth="repeat">
+      <a:schemeClr val="accent1">
+        <a:tint val="60000"/>
+      </a:schemeClr>
+    </dgm:fillClrLst>
+    <dgm:linClrLst meth="repeat">
+      <a:schemeClr val="accent1">
+        <a:tint val="60000"/>
+      </a:schemeClr>
+    </dgm:linClrLst>
+    <dgm:effectClrLst/>
+    <dgm:txLinClrLst/>
+    <dgm:txFillClrLst meth="repeat">
+      <a:schemeClr val="lt1"/>
+    </dgm:txFillClrLst>
+    <dgm:txEffectClrLst/>
+  </dgm:styleLbl>
+  <dgm:styleLbl name="parChTrans2D2">
+    <dgm:fillClrLst meth="repeat">
+      <a:schemeClr val="accent1"/>
+    </dgm:fillClrLst>
+    <dgm:linClrLst meth="repeat">
+      <a:schemeClr val="accent1"/>
+    </dgm:linClrLst>
+    <dgm:effectClrLst/>
+    <dgm:txLinClrLst/>
+    <dgm:txFillClrLst meth="repeat">
+      <a:schemeClr val="lt1"/>
+    </dgm:txFillClrLst>
+    <dgm:txEffectClrLst/>
+  </dgm:styleLbl>
+  <dgm:styleLbl name="parChTrans2D3">
+    <dgm:fillClrLst meth="repeat">
+      <a:schemeClr val="accent1"/>
+    </dgm:fillClrLst>
+    <dgm:linClrLst meth="repeat">
+      <a:schemeClr val="accent1"/>
+    </dgm:linClrLst>
+    <dgm:effectClrLst/>
+    <dgm:txLinClrLst/>
+    <dgm:txFillClrLst meth="repeat">
+      <a:schemeClr val="lt1"/>
+    </dgm:txFillClrLst>
+    <dgm:txEffectClrLst/>
+  </dgm:styleLbl>
+  <dgm:styleLbl name="parChTrans2D4">
+    <dgm:fillClrLst meth="repeat">
+      <a:schemeClr val="accent1"/>
+    </dgm:fillClrLst>
+    <dgm:linClrLst meth="repeat">
+      <a:schemeClr val="accent1"/>
+    </dgm:linClrLst>
+    <dgm:effectClrLst/>
+    <dgm:txLinClrLst/>
+    <dgm:txFillClrLst meth="repeat">
+      <a:schemeClr val="lt1"/>
+    </dgm:txFillClrLst>
+    <dgm:txEffectClrLst/>
+  </dgm:styleLbl>
+  <dgm:styleLbl name="parChTrans1D1">
+    <dgm:fillClrLst meth="repeat">
+      <a:schemeClr val="accent1"/>
+    </dgm:fillClrLst>
+    <dgm:linClrLst meth="repeat">
+      <a:schemeClr val="accent1">
+        <a:shade val="60000"/>
+      </a:schemeClr>
+    </dgm:linClrLst>
+    <dgm:effectClrLst/>
+    <dgm:txLinClrLst/>
+    <dgm:txFillClrLst meth="repeat">
+      <a:schemeClr val="tx1"/>
+    </dgm:txFillClrLst>
+    <dgm:txEffectClrLst/>
+  </dgm:styleLbl>
+  <dgm:styleLbl name="parChTrans1D2">
+    <dgm:fillClrLst meth="repeat">
+      <a:schemeClr val="accent1"/>
+    </dgm:fillClrLst>
+    <dgm:linClrLst meth="repeat">
+      <a:schemeClr val="accent1">
+        <a:shade val="60000"/>
+      </a:schemeClr>
+    </dgm:linClrLst>
+    <dgm:effectClrLst/>
+    <dgm:txLinClrLst/>
+    <dgm:txFillClrLst meth="repeat">
+      <a:schemeClr val="tx1"/>
+    </dgm:txFillClrLst>
+    <dgm:txEffectClrLst/>
+  </dgm:styleLbl>
+  <dgm:styleLbl name="parChTrans1D3">
+    <dgm:fillClrLst meth="repeat">
+      <a:schemeClr val="accent1"/>
+    </dgm:fillClrLst>
+    <dgm:linClrLst meth="repeat">
+      <a:schemeClr val="accent1">
+        <a:shade val="80000"/>
+      </a:schemeClr>
+    </dgm:linClrLst>
+    <dgm:effectClrLst/>
+    <dgm:txLinClrLst/>
+    <dgm:txFillClrLst meth="repeat">
+      <a:schemeClr val="tx1"/>
+    </dgm:txFillClrLst>
+    <dgm:txEffectClrLst/>
+  </dgm:styleLbl>
+  <dgm:styleLbl name="parChTrans1D4">
+    <dgm:fillClrLst meth="repeat">
+      <a:schemeClr val="accent1"/>
+    </dgm:fillClrLst>
+    <dgm:linClrLst meth="repeat">
+      <a:schemeClr val="accent1">
+        <a:shade val="80000"/>
+      </a:schemeClr>
+    </dgm:linClrLst>
+    <dgm:effectClrLst/>
+    <dgm:txLinClrLst/>
+    <dgm:txFillClrLst meth="repeat">
+      <a:schemeClr val="tx1"/>
+    </dgm:txFillClrLst>
+    <dgm:txEffectClrLst/>
+  </dgm:styleLbl>
+  <dgm:styleLbl name="fgAcc1">
+    <dgm:fillClrLst meth="repeat">
+      <a:schemeClr val="lt1">
+        <a:alpha val="90000"/>
+      </a:schemeClr>
+    </dgm:fillClrLst>
+    <dgm:linClrLst meth="repeat">
+      <a:schemeClr val="accent1"/>
+    </dgm:linClrLst>
+    <dgm:effectClrLst/>
+    <dgm:txLinClrLst/>
+    <dgm:txFillClrLst meth="repeat">
+      <a:schemeClr val="dk1"/>
+    </dgm:txFillClrLst>
+    <dgm:txEffectClrLst/>
+  </dgm:styleLbl>
+  <dgm:styleLbl name="conFgAcc1">
+    <dgm:fillClrLst meth="repeat">
+      <a:schemeClr val="lt1">
+        <a:alpha val="90000"/>
+      </a:schemeClr>
+    </dgm:fillClrLst>
+    <dgm:linClrLst meth="repeat">
+      <a:schemeClr val="accent1"/>
+    </dgm:linClrLst>
+    <dgm:effectClrLst/>
+    <dgm:txLinClrLst/>
+    <dgm:txFillClrLst meth="repeat">
+      <a:schemeClr val="dk1"/>
+    </dgm:txFillClrLst>
+    <dgm:txEffectClrLst/>
+  </dgm:styleLbl>
+  <dgm:styleLbl name="alignAcc1">
+    <dgm:fillClrLst meth="repeat">
+      <a:schemeClr val="lt1">
+        <a:alpha val="90000"/>
+      </a:schemeClr>
+    </dgm:fillClrLst>
+    <dgm:linClrLst meth="repeat">
+      <a:schemeClr val="accent1"/>
+    </dgm:linClrLst>
+    <dgm:effectClrLst/>
+    <dgm:txLinClrLst/>
+    <dgm:txFillClrLst meth="repeat">
+      <a:schemeClr val="dk1"/>
+    </dgm:txFillClrLst>
+    <dgm:txEffectClrLst/>
+  </dgm:styleLbl>
+  <dgm:styleLbl name="trAlignAcc1">
+    <dgm:fillClrLst meth="repeat">
+      <a:schemeClr val="lt1">
+        <a:alpha val="40000"/>
+      </a:schemeClr>
+    </dgm:fillClrLst>
+    <dgm:linClrLst meth="repeat">
+      <a:schemeClr val="accent1"/>
+    </dgm:linClrLst>
+    <dgm:effectClrLst/>
+    <dgm:txLinClrLst/>
+    <dgm:txFillClrLst meth="repeat">
+      <a:schemeClr val="dk1"/>
+    </dgm:txFillClrLst>
+    <dgm:txEffectClrLst/>
+  </dgm:styleLbl>
+  <dgm:styleLbl name="bgAcc1">
+    <dgm:fillClrLst meth="repeat">
+      <a:schemeClr val="lt1">
+        <a:alpha val="90000"/>
+      </a:schemeClr>
+    </dgm:fillClrLst>
+    <dgm:linClrLst meth="repeat">
+      <a:schemeClr val="accent1"/>
+    </dgm:linClrLst>
+    <dgm:effectClrLst/>
+    <dgm:txLinClrLst/>
+    <dgm:txFillClrLst meth="repeat">
+      <a:schemeClr val="dk1"/>
+    </dgm:txFillClrLst>
+    <dgm:txEffectClrLst/>
+  </dgm:styleLbl>
+  <dgm:styleLbl name="solidFgAcc1">
+    <dgm:fillClrLst meth="repeat">
+      <a:schemeClr val="lt1"/>
+    </dgm:fillClrLst>
+    <dgm:linClrLst meth="repeat">
+      <a:schemeClr val="accent1"/>
+    </dgm:linClrLst>
+    <dgm:effectClrLst/>
+    <dgm:txLinClrLst/>
+    <dgm:txFillClrLst meth="repeat">
+      <a:schemeClr val="dk1"/>
+    </dgm:txFillClrLst>
+    <dgm:txEffectClrLst/>
+  </dgm:styleLbl>
+  <dgm:styleLbl name="solidAlignAcc1">
+    <dgm:fillClrLst meth="repeat">
+      <a:schemeClr val="lt1"/>
+    </dgm:fillClrLst>
+    <dgm:linClrLst meth="repeat">
+      <a:schemeClr val="accent1"/>
+    </dgm:linClrLst>
+    <dgm:effectClrLst/>
+    <dgm:txLinClrLst/>
+    <dgm:txFillClrLst meth="repeat">
+      <a:schemeClr val="dk1"/>
+    </dgm:txFillClrLst>
+    <dgm:txEffectClrLst/>
+  </dgm:styleLbl>
+  <dgm:styleLbl name="solidBgAcc1">
+    <dgm:fillClrLst meth="repeat">
+      <a:schemeClr val="lt1"/>
+    </dgm:fillClrLst>
+    <dgm:linClrLst meth="repeat">
+      <a:schemeClr val="accent1"/>
+    </dgm:linClrLst>
+    <dgm:effectClrLst/>
+    <dgm:txLinClrLst/>
+    <dgm:txFillClrLst meth="repeat">
+      <a:schemeClr val="dk1"/>
+    </dgm:txFillClrLst>
+    <dgm:txEffectClrLst/>
+  </dgm:styleLbl>
+  <dgm:styleLbl name="fgAccFollowNode1">
+    <dgm:fillClrLst meth="repeat">
+      <a:schemeClr val="accent1">
+        <a:alpha val="90000"/>
+        <a:tint val="40000"/>
+      </a:schemeClr>
+    </dgm:fillClrLst>
+    <dgm:linClrLst meth="repeat">
+      <a:schemeClr val="accent1">
+        <a:alpha val="90000"/>
+        <a:tint val="40000"/>
+      </a:schemeClr>
+    </dgm:linClrLst>
+    <dgm:effectClrLst/>
+    <dgm:txLinClrLst/>
+    <dgm:txFillClrLst meth="repeat">
+      <a:schemeClr val="dk1"/>
+    </dgm:txFillClrLst>
+    <dgm:txEffectClrLst/>
+  </dgm:styleLbl>
+  <dgm:styleLbl name="alignAccFollowNode1">
+    <dgm:fillClrLst meth="repeat">
+      <a:schemeClr val="accent1">
+        <a:alpha val="90000"/>
+        <a:tint val="40000"/>
+      </a:schemeClr>
+    </dgm:fillClrLst>
+    <dgm:linClrLst meth="repeat">
+      <a:schemeClr val="accent1">
+        <a:alpha val="90000"/>
+        <a:tint val="40000"/>
+      </a:schemeClr>
+    </dgm:linClrLst>
+    <dgm:effectClrLst/>
+    <dgm:txLinClrLst/>
+    <dgm:txFillClrLst meth="repeat">
+      <a:schemeClr val="dk1"/>
+    </dgm:txFillClrLst>
+    <dgm:txEffectClrLst/>
+  </dgm:styleLbl>
+  <dgm:styleLbl name="bgAccFollowNode1">
+    <dgm:fillClrLst meth="repeat">
+      <a:schemeClr val="accent1">
+        <a:alpha val="90000"/>
+        <a:tint val="40000"/>
+      </a:schemeClr>
+    </dgm:fillClrLst>
+    <dgm:linClrLst meth="repeat">
+      <a:schemeClr val="accent1">
+        <a:alpha val="90000"/>
+        <a:tint val="40000"/>
+      </a:schemeClr>
+    </dgm:linClrLst>
+    <dgm:effectClrLst/>
+    <dgm:txLinClrLst/>
+    <dgm:txFillClrLst meth="repeat">
+      <a:schemeClr val="dk1"/>
+    </dgm:txFillClrLst>
+    <dgm:txEffectClrLst/>
+  </dgm:styleLbl>
+  <dgm:styleLbl name="fgAcc0">
+    <dgm:fillClrLst meth="repeat">
+      <a:schemeClr val="lt1">
+        <a:alpha val="90000"/>
+      </a:schemeClr>
+    </dgm:fillClrLst>
+    <dgm:linClrLst meth="repeat">
+      <a:schemeClr val="accent1"/>
+    </dgm:linClrLst>
+    <dgm:effectClrLst/>
+    <dgm:txLinClrLst/>
+    <dgm:txFillClrLst meth="repeat">
+      <a:schemeClr val="dk1"/>
+    </dgm:txFillClrLst>
+    <dgm:txEffectClrLst/>
+  </dgm:styleLbl>
+  <dgm:styleLbl name="fgAcc2">
+    <dgm:fillClrLst meth="repeat">
+      <a:schemeClr val="lt1">
+        <a:alpha val="90000"/>
+      </a:schemeClr>
+    </dgm:fillClrLst>
+    <dgm:linClrLst meth="repeat">
+      <a:schemeClr val="accent1"/>
+    </dgm:linClrLst>
+    <dgm:effectClrLst/>
+    <dgm:txLinClrLst/>
+    <dgm:txFillClrLst meth="repeat">
+      <a:schemeClr val="dk1"/>
+    </dgm:txFillClrLst>
+    <dgm:txEffectClrLst/>
+  </dgm:styleLbl>
+  <dgm:styleLbl name="fgAcc3">
+    <dgm:fillClrLst meth="repeat">
+      <a:schemeClr val="lt1">
+        <a:alpha val="90000"/>
+      </a:schemeClr>
+    </dgm:fillClrLst>
+    <dgm:linClrLst meth="repeat">
+      <a:schemeClr val="accent1"/>
+    </dgm:linClrLst>
+    <dgm:effectClrLst/>
+    <dgm:txLinClrLst/>
+    <dgm:txFillClrLst meth="repeat">
+      <a:schemeClr val="dk1"/>
+    </dgm:txFillClrLst>
+    <dgm:txEffectClrLst/>
+  </dgm:styleLbl>
+  <dgm:styleLbl name="fgAcc4">
+    <dgm:fillClrLst meth="repeat">
+      <a:schemeClr val="lt1">
+        <a:alpha val="90000"/>
+      </a:schemeClr>
+    </dgm:fillClrLst>
+    <dgm:linClrLst meth="repeat">
+      <a:schemeClr val="accent1"/>
+    </dgm:linClrLst>
+    <dgm:effectClrLst/>
+    <dgm:txLinClrLst/>
+    <dgm:txFillClrLst meth="repeat">
+      <a:schemeClr val="dk1"/>
+    </dgm:txFillClrLst>
+    <dgm:txEffectClrLst/>
+  </dgm:styleLbl>
+  <dgm:styleLbl name="bgShp">
+    <dgm:fillClrLst meth="repeat">
+      <a:schemeClr val="accent1">
+        <a:tint val="40000"/>
+      </a:schemeClr>
+    </dgm:fillClrLst>
+    <dgm:linClrLst meth="repeat">
+      <a:schemeClr val="accent1"/>
+    </dgm:linClrLst>
+    <dgm:effectClrLst/>
+    <dgm:txLinClrLst/>
+    <dgm:txFillClrLst meth="repeat">
+      <a:schemeClr val="dk1"/>
+    </dgm:txFillClrLst>
+    <dgm:txEffectClrLst/>
+  </dgm:styleLbl>
+  <dgm:styleLbl name="dkBgShp">
+    <dgm:fillClrLst meth="repeat">
+      <a:schemeClr val="accent1">
+        <a:shade val="80000"/>
+      </a:schemeClr>
+    </dgm:fillClrLst>
+    <dgm:linClrLst meth="repeat">
+      <a:schemeClr val="accent1"/>
+    </dgm:linClrLst>
+    <dgm:effectClrLst/>
+    <dgm:txLinClrLst/>
+    <dgm:txFillClrLst meth="repeat">
+      <a:schemeClr val="lt1"/>
+    </dgm:txFillClrLst>
+    <dgm:txEffectClrLst/>
+  </dgm:styleLbl>
+  <dgm:styleLbl name="trBgShp">
+    <dgm:fillClrLst meth="repeat">
+      <a:schemeClr val="accent1">
+        <a:tint val="50000"/>
+        <a:alpha val="40000"/>
+      </a:schemeClr>
+    </dgm:fillClrLst>
+    <dgm:linClrLst meth="repeat">
+      <a:schemeClr val="accent1"/>
+    </dgm:linClrLst>
+    <dgm:effectClrLst/>
+    <dgm:txLinClrLst/>
+    <dgm:txFillClrLst meth="repeat">
+      <a:schemeClr val="lt1"/>
+    </dgm:txFillClrLst>
+    <dgm:txEffectClrLst/>
+  </dgm:styleLbl>
+  <dgm:styleLbl name="fgShp">
+    <dgm:fillClrLst meth="repeat">
+      <a:schemeClr val="accent1">
+        <a:tint val="60000"/>
+      </a:schemeClr>
+    </dgm:fillClrLst>
+    <dgm:linClrLst meth="repeat">
+      <a:schemeClr val="lt1"/>
+    </dgm:linClrLst>
+    <dgm:effectClrLst/>
+    <dgm:txLinClrLst/>
+    <dgm:txFillClrLst meth="repeat">
+      <a:schemeClr val="dk1"/>
+    </dgm:txFillClrLst>
+    <dgm:txEffectClrLst/>
+  </dgm:styleLbl>
+  <dgm:styleLbl name="revTx">
+    <dgm:fillClrLst meth="repeat">
+      <a:schemeClr val="lt1">
+        <a:alpha val="0"/>
+      </a:schemeClr>
+    </dgm:fillClrLst>
+    <dgm:linClrLst meth="repeat">
+      <a:schemeClr val="dk1">
+        <a:alpha val="0"/>
+      </a:schemeClr>
+    </dgm:linClrLst>
+    <dgm:effectClrLst/>
+    <dgm:txLinClrLst/>
+    <dgm:txFillClrLst meth="repeat">
+      <a:schemeClr val="tx1"/>
+    </dgm:txFillClrLst>
+    <dgm:txEffectClrLst/>
+  </dgm:styleLbl>
+</dgm:colorsDef>
+</file>
+
+<file path=ppt/diagrams/data1.xml><?xml version="1.0" encoding="utf-8"?>
+<dgm:dataModel xmlns:dgm="http://schemas.openxmlformats.org/drawingml/2006/diagram" xmlns:a="http://schemas.openxmlformats.org/drawingml/2006/main">
+  <dgm:ptLst>
+    <dgm:pt modelId="{9699E665-C088-4653-819B-3B8443C87E12}" type="doc">
+      <dgm:prSet loTypeId="urn:microsoft.com/office/officeart/2005/8/layout/list1" loCatId="list" qsTypeId="urn:microsoft.com/office/officeart/2005/8/quickstyle/simple1" qsCatId="simple" csTypeId="urn:microsoft.com/office/officeart/2005/8/colors/accent1_2" csCatId="accent1" phldr="1"/>
+      <dgm:spPr/>
+      <dgm:t>
+        <a:bodyPr/>
+        <a:lstStyle/>
+        <a:p>
+          <a:endParaRPr lang="en-US"/>
+        </a:p>
+      </dgm:t>
+    </dgm:pt>
+    <dgm:pt modelId="{098D8084-D39D-4FA5-BBAF-D5AF20FF5A1B}">
+      <dgm:prSet phldrT="[Text]"/>
+      <dgm:spPr/>
+      <dgm:t>
+        <a:bodyPr/>
+        <a:lstStyle/>
+        <a:p>
+          <a:r>
+            <a:rPr lang="en-US" dirty="0"/>
+            <a:t>Realm</a:t>
+          </a:r>
+        </a:p>
+      </dgm:t>
+    </dgm:pt>
+    <dgm:pt modelId="{733161FD-C9FD-4663-B9EB-9DA685800A50}" type="parTrans" cxnId="{0B53194F-6CEB-47FC-8BA9-709951DE5F7A}">
+      <dgm:prSet/>
+      <dgm:spPr/>
+      <dgm:t>
+        <a:bodyPr/>
+        <a:lstStyle/>
+        <a:p>
+          <a:endParaRPr lang="en-US"/>
+        </a:p>
+      </dgm:t>
+    </dgm:pt>
+    <dgm:pt modelId="{415B9204-A02C-4607-8011-50143D217C2F}" type="sibTrans" cxnId="{0B53194F-6CEB-47FC-8BA9-709951DE5F7A}">
+      <dgm:prSet/>
+      <dgm:spPr/>
+      <dgm:t>
+        <a:bodyPr/>
+        <a:lstStyle/>
+        <a:p>
+          <a:endParaRPr lang="en-US"/>
+        </a:p>
+      </dgm:t>
+    </dgm:pt>
+    <dgm:pt modelId="{3CA2AE3B-326D-42B1-BDBC-E21DB81DB72B}">
+      <dgm:prSet phldrT="[Text]"/>
+      <dgm:spPr/>
+      <dgm:t>
+        <a:bodyPr/>
+        <a:lstStyle/>
+        <a:p>
+          <a:r>
+            <a:rPr lang="en-US" dirty="0"/>
+            <a:t>Room</a:t>
+          </a:r>
+        </a:p>
+      </dgm:t>
+    </dgm:pt>
+    <dgm:pt modelId="{41576902-9CE0-44CF-80F7-EFC5765325C5}" type="parTrans" cxnId="{2444C013-A5C1-4F27-89BB-430C3BBFC881}">
+      <dgm:prSet/>
+      <dgm:spPr/>
+      <dgm:t>
+        <a:bodyPr/>
+        <a:lstStyle/>
+        <a:p>
+          <a:endParaRPr lang="en-US"/>
+        </a:p>
+      </dgm:t>
+    </dgm:pt>
+    <dgm:pt modelId="{7A847BEE-05D3-411C-B2ED-61658A534AB0}" type="sibTrans" cxnId="{2444C013-A5C1-4F27-89BB-430C3BBFC881}">
+      <dgm:prSet/>
+      <dgm:spPr/>
+      <dgm:t>
+        <a:bodyPr/>
+        <a:lstStyle/>
+        <a:p>
+          <a:endParaRPr lang="en-US"/>
+        </a:p>
+      </dgm:t>
+    </dgm:pt>
+    <dgm:pt modelId="{0773FB70-DB5D-4C92-A74C-F7FD952EA457}">
+      <dgm:prSet phldrT="[Text]"/>
+      <dgm:spPr/>
+      <dgm:t>
+        <a:bodyPr/>
+        <a:lstStyle/>
+        <a:p>
+          <a:r>
+            <a:rPr lang="en-US" dirty="0"/>
+            <a:t>Object Box</a:t>
+          </a:r>
+        </a:p>
+      </dgm:t>
+    </dgm:pt>
+    <dgm:pt modelId="{80347DB5-CF86-4967-BC29-1BB2B1DA650F}" type="parTrans" cxnId="{986430FA-05C6-4CD2-BCEC-A4DA551F017D}">
+      <dgm:prSet/>
+      <dgm:spPr/>
+      <dgm:t>
+        <a:bodyPr/>
+        <a:lstStyle/>
+        <a:p>
+          <a:endParaRPr lang="en-US"/>
+        </a:p>
+      </dgm:t>
+    </dgm:pt>
+    <dgm:pt modelId="{DBB7136E-E011-43B6-85DE-3FF7F6C8071F}" type="sibTrans" cxnId="{986430FA-05C6-4CD2-BCEC-A4DA551F017D}">
+      <dgm:prSet/>
+      <dgm:spPr/>
+      <dgm:t>
+        <a:bodyPr/>
+        <a:lstStyle/>
+        <a:p>
+          <a:endParaRPr lang="en-US"/>
+        </a:p>
+      </dgm:t>
+    </dgm:pt>
+    <dgm:pt modelId="{1726DA5D-9A03-493B-A927-47C5A1C6072A}">
+      <dgm:prSet/>
+      <dgm:spPr/>
+      <dgm:t>
+        <a:bodyPr/>
+        <a:lstStyle/>
+        <a:p>
+          <a:r>
+            <a:rPr lang="en-US" dirty="0"/>
+            <a:t>Not fastest , not smaller</a:t>
+          </a:r>
+          <a:br>
+            <a:rPr lang="en-US" dirty="0"/>
+          </a:br>
+          <a:r>
+            <a:rPr lang="en-US" dirty="0"/>
+            <a:t>but stable and less bug</a:t>
+          </a:r>
+        </a:p>
+      </dgm:t>
+    </dgm:pt>
+    <dgm:pt modelId="{46FF5399-A4E5-4312-9FB7-04C34232CAF9}" type="parTrans" cxnId="{E0B298DC-C099-4ABA-A56C-0FA91E322000}">
+      <dgm:prSet/>
+      <dgm:spPr/>
+      <dgm:t>
+        <a:bodyPr/>
+        <a:lstStyle/>
+        <a:p>
+          <a:endParaRPr lang="en-US"/>
+        </a:p>
+      </dgm:t>
+    </dgm:pt>
+    <dgm:pt modelId="{ED5D71D2-051F-4A6F-862C-2A952E717B24}" type="sibTrans" cxnId="{E0B298DC-C099-4ABA-A56C-0FA91E322000}">
+      <dgm:prSet/>
+      <dgm:spPr/>
+      <dgm:t>
+        <a:bodyPr/>
+        <a:lstStyle/>
+        <a:p>
+          <a:endParaRPr lang="en-US"/>
+        </a:p>
+      </dgm:t>
+    </dgm:pt>
+    <dgm:pt modelId="{D5948324-2BC5-408E-9A23-2F69E3DC0E22}">
+      <dgm:prSet/>
+      <dgm:spPr/>
+      <dgm:t>
+        <a:bodyPr/>
+        <a:lstStyle/>
+        <a:p>
+          <a:r>
+            <a:rPr lang="en-US" dirty="0"/>
+            <a:t>Ready to fight with SQL</a:t>
+          </a:r>
+        </a:p>
+      </dgm:t>
+    </dgm:pt>
+    <dgm:pt modelId="{82AA3F0D-6192-496B-825E-27770C0C4715}" type="parTrans" cxnId="{79C8795D-DFAA-44EA-B2F8-847995AF5A2E}">
+      <dgm:prSet/>
+      <dgm:spPr/>
+      <dgm:t>
+        <a:bodyPr/>
+        <a:lstStyle/>
+        <a:p>
+          <a:endParaRPr lang="en-US"/>
+        </a:p>
+      </dgm:t>
+    </dgm:pt>
+    <dgm:pt modelId="{0ADEEB38-BC49-428C-A36C-6D44174DD42A}" type="sibTrans" cxnId="{79C8795D-DFAA-44EA-B2F8-847995AF5A2E}">
+      <dgm:prSet/>
+      <dgm:spPr/>
+      <dgm:t>
+        <a:bodyPr/>
+        <a:lstStyle/>
+        <a:p>
+          <a:endParaRPr lang="en-US"/>
+        </a:p>
+      </dgm:t>
+    </dgm:pt>
+    <dgm:pt modelId="{9750E2DB-3DAF-490A-9473-793CD0F1C12A}">
+      <dgm:prSet/>
+      <dgm:spPr/>
+      <dgm:t>
+        <a:bodyPr/>
+        <a:lstStyle/>
+        <a:p>
+          <a:r>
+            <a:rPr lang="en-US" dirty="0"/>
+            <a:t>App size limitation</a:t>
+          </a:r>
+        </a:p>
+      </dgm:t>
+    </dgm:pt>
+    <dgm:pt modelId="{73FB98F5-B889-4D13-B002-201731FD3222}" type="parTrans" cxnId="{51CDBDE7-FF73-4B00-82AD-C2E2BC074C80}">
+      <dgm:prSet/>
+      <dgm:spPr/>
+      <dgm:t>
+        <a:bodyPr/>
+        <a:lstStyle/>
+        <a:p>
+          <a:endParaRPr lang="en-US"/>
+        </a:p>
+      </dgm:t>
+    </dgm:pt>
+    <dgm:pt modelId="{A7A3E26D-3ACF-425E-AE8F-AC702BC8AAF2}" type="sibTrans" cxnId="{51CDBDE7-FF73-4B00-82AD-C2E2BC074C80}">
+      <dgm:prSet/>
+      <dgm:spPr/>
+      <dgm:t>
+        <a:bodyPr/>
+        <a:lstStyle/>
+        <a:p>
+          <a:endParaRPr lang="en-US"/>
+        </a:p>
+      </dgm:t>
+    </dgm:pt>
+    <dgm:pt modelId="{76B63C53-EB79-436D-8589-770423C906E8}">
+      <dgm:prSet/>
+      <dgm:spPr/>
+      <dgm:t>
+        <a:bodyPr/>
+        <a:lstStyle/>
+        <a:p>
+          <a:r>
+            <a:rPr lang="en-US" dirty="0"/>
+            <a:t>Need for SPEED and effective</a:t>
+          </a:r>
+        </a:p>
+      </dgm:t>
+    </dgm:pt>
+    <dgm:pt modelId="{39A7CC83-CA58-44C9-9FB1-DA4AED0F212A}" type="parTrans" cxnId="{63EDA5F0-A8DF-4540-9E77-73BEE7971AA1}">
+      <dgm:prSet/>
+      <dgm:spPr/>
+      <dgm:t>
+        <a:bodyPr/>
+        <a:lstStyle/>
+        <a:p>
+          <a:endParaRPr lang="en-US"/>
+        </a:p>
+      </dgm:t>
+    </dgm:pt>
+    <dgm:pt modelId="{FE25BBE3-F099-46B8-A602-976AD28A5226}" type="sibTrans" cxnId="{63EDA5F0-A8DF-4540-9E77-73BEE7971AA1}">
+      <dgm:prSet/>
+      <dgm:spPr/>
+      <dgm:t>
+        <a:bodyPr/>
+        <a:lstStyle/>
+        <a:p>
+          <a:endParaRPr lang="en-US"/>
+        </a:p>
+      </dgm:t>
+    </dgm:pt>
+    <dgm:pt modelId="{82684084-15C1-4D62-A115-94D1F2B7436F}">
+      <dgm:prSet/>
+      <dgm:spPr/>
+      <dgm:t>
+        <a:bodyPr/>
+        <a:lstStyle/>
+        <a:p>
+          <a:r>
+            <a:rPr lang="en-US" dirty="0"/>
+            <a:t>Recommend by Google</a:t>
+          </a:r>
+        </a:p>
+      </dgm:t>
+    </dgm:pt>
+    <dgm:pt modelId="{0F68B1B0-FD2C-4684-97BE-7F0D0136D3EE}" type="parTrans" cxnId="{3EC9F667-A960-4332-A96E-AB549B768A28}">
+      <dgm:prSet/>
+      <dgm:spPr/>
+    </dgm:pt>
+    <dgm:pt modelId="{DAA87B2B-A5E4-4255-A1F7-714260D72FF1}" type="sibTrans" cxnId="{3EC9F667-A960-4332-A96E-AB549B768A28}">
+      <dgm:prSet/>
+      <dgm:spPr/>
+    </dgm:pt>
+    <dgm:pt modelId="{85BF4BCC-E7B5-4EAB-B8D3-F6F9F7608C42}">
+      <dgm:prSet/>
+      <dgm:spPr/>
+      <dgm:t>
+        <a:bodyPr/>
+        <a:lstStyle/>
+        <a:p>
+          <a:r>
+            <a:rPr lang="en-US" dirty="0"/>
+            <a:t>Without migration by hand</a:t>
+          </a:r>
+        </a:p>
+      </dgm:t>
+    </dgm:pt>
+    <dgm:pt modelId="{8A3F8B23-2474-4AD3-9AB5-0A0AF0147ED4}" type="parTrans" cxnId="{C6ACBF94-CAB2-4D33-BE30-B2ADDEE1022C}">
+      <dgm:prSet/>
+      <dgm:spPr/>
+    </dgm:pt>
+    <dgm:pt modelId="{149EC1B3-6D67-48D5-BD90-5AC65038B317}" type="sibTrans" cxnId="{C6ACBF94-CAB2-4D33-BE30-B2ADDEE1022C}">
+      <dgm:prSet/>
+      <dgm:spPr/>
+    </dgm:pt>
+    <dgm:pt modelId="{0EDF73F0-823F-4836-B9DD-1D3448842F3F}" type="pres">
+      <dgm:prSet presAssocID="{9699E665-C088-4653-819B-3B8443C87E12}" presName="linear" presStyleCnt="0">
+        <dgm:presLayoutVars>
+          <dgm:dir/>
+          <dgm:animLvl val="lvl"/>
+          <dgm:resizeHandles val="exact"/>
+        </dgm:presLayoutVars>
+      </dgm:prSet>
+      <dgm:spPr/>
+    </dgm:pt>
+    <dgm:pt modelId="{0A6CB480-0B02-41B8-92DC-FCE9A8048C7C}" type="pres">
+      <dgm:prSet presAssocID="{098D8084-D39D-4FA5-BBAF-D5AF20FF5A1B}" presName="parentLin" presStyleCnt="0"/>
+      <dgm:spPr/>
+    </dgm:pt>
+    <dgm:pt modelId="{D2D2194C-2B07-491B-ADE0-80266797844B}" type="pres">
+      <dgm:prSet presAssocID="{098D8084-D39D-4FA5-BBAF-D5AF20FF5A1B}" presName="parentLeftMargin" presStyleLbl="node1" presStyleIdx="0" presStyleCnt="3"/>
+      <dgm:spPr/>
+    </dgm:pt>
+    <dgm:pt modelId="{4B2CDC90-D8EC-4287-8F05-55801A72C372}" type="pres">
+      <dgm:prSet presAssocID="{098D8084-D39D-4FA5-BBAF-D5AF20FF5A1B}" presName="parentText" presStyleLbl="node1" presStyleIdx="0" presStyleCnt="3">
+        <dgm:presLayoutVars>
+          <dgm:chMax val="0"/>
+          <dgm:bulletEnabled val="1"/>
+        </dgm:presLayoutVars>
+      </dgm:prSet>
+      <dgm:spPr/>
+    </dgm:pt>
+    <dgm:pt modelId="{DBD593AE-40E7-45A8-A75D-8C406E3FE897}" type="pres">
+      <dgm:prSet presAssocID="{098D8084-D39D-4FA5-BBAF-D5AF20FF5A1B}" presName="negativeSpace" presStyleCnt="0"/>
+      <dgm:spPr/>
+    </dgm:pt>
+    <dgm:pt modelId="{C0E0C017-1D1E-4796-8AE9-5EE9AAB4F424}" type="pres">
+      <dgm:prSet presAssocID="{098D8084-D39D-4FA5-BBAF-D5AF20FF5A1B}" presName="childText" presStyleLbl="conFgAcc1" presStyleIdx="0" presStyleCnt="3">
+        <dgm:presLayoutVars>
+          <dgm:bulletEnabled val="1"/>
+        </dgm:presLayoutVars>
+      </dgm:prSet>
+      <dgm:spPr/>
+    </dgm:pt>
+    <dgm:pt modelId="{333103B7-AED1-436A-9FB1-7BB79547A366}" type="pres">
+      <dgm:prSet presAssocID="{415B9204-A02C-4607-8011-50143D217C2F}" presName="spaceBetweenRectangles" presStyleCnt="0"/>
+      <dgm:spPr/>
+    </dgm:pt>
+    <dgm:pt modelId="{D26A9014-DB0F-4767-8C73-3AC7ECF1DCA3}" type="pres">
+      <dgm:prSet presAssocID="{3CA2AE3B-326D-42B1-BDBC-E21DB81DB72B}" presName="parentLin" presStyleCnt="0"/>
+      <dgm:spPr/>
+    </dgm:pt>
+    <dgm:pt modelId="{970BCABB-0D96-403E-B236-190935865135}" type="pres">
+      <dgm:prSet presAssocID="{3CA2AE3B-326D-42B1-BDBC-E21DB81DB72B}" presName="parentLeftMargin" presStyleLbl="node1" presStyleIdx="0" presStyleCnt="3"/>
+      <dgm:spPr/>
+    </dgm:pt>
+    <dgm:pt modelId="{121DE7E9-88D5-4E01-A909-EE71FAE3748E}" type="pres">
+      <dgm:prSet presAssocID="{3CA2AE3B-326D-42B1-BDBC-E21DB81DB72B}" presName="parentText" presStyleLbl="node1" presStyleIdx="1" presStyleCnt="3">
+        <dgm:presLayoutVars>
+          <dgm:chMax val="0"/>
+          <dgm:bulletEnabled val="1"/>
+        </dgm:presLayoutVars>
+      </dgm:prSet>
+      <dgm:spPr/>
+    </dgm:pt>
+    <dgm:pt modelId="{1C8553BD-AD39-438B-B953-FAD943FE373D}" type="pres">
+      <dgm:prSet presAssocID="{3CA2AE3B-326D-42B1-BDBC-E21DB81DB72B}" presName="negativeSpace" presStyleCnt="0"/>
+      <dgm:spPr/>
+    </dgm:pt>
+    <dgm:pt modelId="{80BFCC0B-0E33-4FD5-9AC7-E048CD4FB0BF}" type="pres">
+      <dgm:prSet presAssocID="{3CA2AE3B-326D-42B1-BDBC-E21DB81DB72B}" presName="childText" presStyleLbl="conFgAcc1" presStyleIdx="1" presStyleCnt="3">
+        <dgm:presLayoutVars>
+          <dgm:bulletEnabled val="1"/>
+        </dgm:presLayoutVars>
+      </dgm:prSet>
+      <dgm:spPr/>
+    </dgm:pt>
+    <dgm:pt modelId="{76A641F0-3C07-42EB-A9EB-D0F76D77011C}" type="pres">
+      <dgm:prSet presAssocID="{7A847BEE-05D3-411C-B2ED-61658A534AB0}" presName="spaceBetweenRectangles" presStyleCnt="0"/>
+      <dgm:spPr/>
+    </dgm:pt>
+    <dgm:pt modelId="{E47D2FE6-1327-4DBD-8D47-9BB2304F06E1}" type="pres">
+      <dgm:prSet presAssocID="{0773FB70-DB5D-4C92-A74C-F7FD952EA457}" presName="parentLin" presStyleCnt="0"/>
+      <dgm:spPr/>
+    </dgm:pt>
+    <dgm:pt modelId="{56A739AF-D6FB-48E7-8059-1AF04CB926E4}" type="pres">
+      <dgm:prSet presAssocID="{0773FB70-DB5D-4C92-A74C-F7FD952EA457}" presName="parentLeftMargin" presStyleLbl="node1" presStyleIdx="1" presStyleCnt="3"/>
+      <dgm:spPr/>
+    </dgm:pt>
+    <dgm:pt modelId="{F7BC4D40-4419-4672-A629-0737D06A1F5D}" type="pres">
+      <dgm:prSet presAssocID="{0773FB70-DB5D-4C92-A74C-F7FD952EA457}" presName="parentText" presStyleLbl="node1" presStyleIdx="2" presStyleCnt="3">
+        <dgm:presLayoutVars>
+          <dgm:chMax val="0"/>
+          <dgm:bulletEnabled val="1"/>
+        </dgm:presLayoutVars>
+      </dgm:prSet>
+      <dgm:spPr/>
+    </dgm:pt>
+    <dgm:pt modelId="{A496F4B9-2050-43A2-A11C-D7C8B23F9EC1}" type="pres">
+      <dgm:prSet presAssocID="{0773FB70-DB5D-4C92-A74C-F7FD952EA457}" presName="negativeSpace" presStyleCnt="0"/>
+      <dgm:spPr/>
+    </dgm:pt>
+    <dgm:pt modelId="{5C522DF5-C64D-4D9E-ABF8-6B48C51CA317}" type="pres">
+      <dgm:prSet presAssocID="{0773FB70-DB5D-4C92-A74C-F7FD952EA457}" presName="childText" presStyleLbl="conFgAcc1" presStyleIdx="2" presStyleCnt="3">
+        <dgm:presLayoutVars>
+          <dgm:bulletEnabled val="1"/>
+        </dgm:presLayoutVars>
+      </dgm:prSet>
+      <dgm:spPr/>
+    </dgm:pt>
+  </dgm:ptLst>
+  <dgm:cxnLst>
+    <dgm:cxn modelId="{8D80F60A-D399-467E-A04E-D451A5C7B54A}" type="presOf" srcId="{0773FB70-DB5D-4C92-A74C-F7FD952EA457}" destId="{56A739AF-D6FB-48E7-8059-1AF04CB926E4}" srcOrd="0" destOrd="0" presId="urn:microsoft.com/office/officeart/2005/8/layout/list1"/>
+    <dgm:cxn modelId="{2444C013-A5C1-4F27-89BB-430C3BBFC881}" srcId="{9699E665-C088-4653-819B-3B8443C87E12}" destId="{3CA2AE3B-326D-42B1-BDBC-E21DB81DB72B}" srcOrd="1" destOrd="0" parTransId="{41576902-9CE0-44CF-80F7-EFC5765325C5}" sibTransId="{7A847BEE-05D3-411C-B2ED-61658A534AB0}"/>
+    <dgm:cxn modelId="{53BB791B-3DED-49F3-86FD-406225CF17FB}" type="presOf" srcId="{D5948324-2BC5-408E-9A23-2F69E3DC0E22}" destId="{80BFCC0B-0E33-4FD5-9AC7-E048CD4FB0BF}" srcOrd="0" destOrd="0" presId="urn:microsoft.com/office/officeart/2005/8/layout/list1"/>
+    <dgm:cxn modelId="{0D250729-21B5-4D3B-AAD1-B43DE711C9B1}" type="presOf" srcId="{1726DA5D-9A03-493B-A927-47C5A1C6072A}" destId="{C0E0C017-1D1E-4796-8AE9-5EE9AAB4F424}" srcOrd="0" destOrd="0" presId="urn:microsoft.com/office/officeart/2005/8/layout/list1"/>
+    <dgm:cxn modelId="{99359833-5874-4B9F-89C6-39E1D9531578}" type="presOf" srcId="{3CA2AE3B-326D-42B1-BDBC-E21DB81DB72B}" destId="{970BCABB-0D96-403E-B236-190935865135}" srcOrd="0" destOrd="0" presId="urn:microsoft.com/office/officeart/2005/8/layout/list1"/>
+    <dgm:cxn modelId="{134A3C3C-A614-47AD-947E-CCB6CEC86C74}" type="presOf" srcId="{76B63C53-EB79-436D-8589-770423C906E8}" destId="{5C522DF5-C64D-4D9E-ABF8-6B48C51CA317}" srcOrd="0" destOrd="0" presId="urn:microsoft.com/office/officeart/2005/8/layout/list1"/>
+    <dgm:cxn modelId="{7F9F2840-80D8-4C53-9666-EF918789F510}" type="presOf" srcId="{9699E665-C088-4653-819B-3B8443C87E12}" destId="{0EDF73F0-823F-4836-B9DD-1D3448842F3F}" srcOrd="0" destOrd="0" presId="urn:microsoft.com/office/officeart/2005/8/layout/list1"/>
+    <dgm:cxn modelId="{6FCF4640-DC51-424C-9109-7505F21DC923}" type="presOf" srcId="{3CA2AE3B-326D-42B1-BDBC-E21DB81DB72B}" destId="{121DE7E9-88D5-4E01-A909-EE71FAE3748E}" srcOrd="1" destOrd="0" presId="urn:microsoft.com/office/officeart/2005/8/layout/list1"/>
+    <dgm:cxn modelId="{79C8795D-DFAA-44EA-B2F8-847995AF5A2E}" srcId="{3CA2AE3B-326D-42B1-BDBC-E21DB81DB72B}" destId="{D5948324-2BC5-408E-9A23-2F69E3DC0E22}" srcOrd="0" destOrd="0" parTransId="{82AA3F0D-6192-496B-825E-27770C0C4715}" sibTransId="{0ADEEB38-BC49-428C-A36C-6D44174DD42A}"/>
+    <dgm:cxn modelId="{3EC9F667-A960-4332-A96E-AB549B768A28}" srcId="{3CA2AE3B-326D-42B1-BDBC-E21DB81DB72B}" destId="{82684084-15C1-4D62-A115-94D1F2B7436F}" srcOrd="2" destOrd="0" parTransId="{0F68B1B0-FD2C-4684-97BE-7F0D0136D3EE}" sibTransId="{DAA87B2B-A5E4-4255-A1F7-714260D72FF1}"/>
+    <dgm:cxn modelId="{0B53194F-6CEB-47FC-8BA9-709951DE5F7A}" srcId="{9699E665-C088-4653-819B-3B8443C87E12}" destId="{098D8084-D39D-4FA5-BBAF-D5AF20FF5A1B}" srcOrd="0" destOrd="0" parTransId="{733161FD-C9FD-4663-B9EB-9DA685800A50}" sibTransId="{415B9204-A02C-4607-8011-50143D217C2F}"/>
+    <dgm:cxn modelId="{35E6B47B-1A2F-4085-9404-AB88C59D2D26}" type="presOf" srcId="{82684084-15C1-4D62-A115-94D1F2B7436F}" destId="{80BFCC0B-0E33-4FD5-9AC7-E048CD4FB0BF}" srcOrd="0" destOrd="2" presId="urn:microsoft.com/office/officeart/2005/8/layout/list1"/>
+    <dgm:cxn modelId="{1FE02F80-B1ED-474C-8C50-297A4E306B7E}" type="presOf" srcId="{85BF4BCC-E7B5-4EAB-B8D3-F6F9F7608C42}" destId="{5C522DF5-C64D-4D9E-ABF8-6B48C51CA317}" srcOrd="0" destOrd="1" presId="urn:microsoft.com/office/officeart/2005/8/layout/list1"/>
+    <dgm:cxn modelId="{C6ACBF94-CAB2-4D33-BE30-B2ADDEE1022C}" srcId="{0773FB70-DB5D-4C92-A74C-F7FD952EA457}" destId="{85BF4BCC-E7B5-4EAB-B8D3-F6F9F7608C42}" srcOrd="1" destOrd="0" parTransId="{8A3F8B23-2474-4AD3-9AB5-0A0AF0147ED4}" sibTransId="{149EC1B3-6D67-48D5-BD90-5AC65038B317}"/>
+    <dgm:cxn modelId="{40CE1BB5-6E91-4654-A59B-644B8A2C22A5}" type="presOf" srcId="{9750E2DB-3DAF-490A-9473-793CD0F1C12A}" destId="{80BFCC0B-0E33-4FD5-9AC7-E048CD4FB0BF}" srcOrd="0" destOrd="1" presId="urn:microsoft.com/office/officeart/2005/8/layout/list1"/>
+    <dgm:cxn modelId="{B236ACB5-EE09-4AA0-9CFF-F0B9A1F4EEF4}" type="presOf" srcId="{098D8084-D39D-4FA5-BBAF-D5AF20FF5A1B}" destId="{4B2CDC90-D8EC-4287-8F05-55801A72C372}" srcOrd="1" destOrd="0" presId="urn:microsoft.com/office/officeart/2005/8/layout/list1"/>
+    <dgm:cxn modelId="{ED4DA0D8-8CAA-452B-B07E-29123E7C5F81}" type="presOf" srcId="{0773FB70-DB5D-4C92-A74C-F7FD952EA457}" destId="{F7BC4D40-4419-4672-A629-0737D06A1F5D}" srcOrd="1" destOrd="0" presId="urn:microsoft.com/office/officeart/2005/8/layout/list1"/>
+    <dgm:cxn modelId="{E0B298DC-C099-4ABA-A56C-0FA91E322000}" srcId="{098D8084-D39D-4FA5-BBAF-D5AF20FF5A1B}" destId="{1726DA5D-9A03-493B-A927-47C5A1C6072A}" srcOrd="0" destOrd="0" parTransId="{46FF5399-A4E5-4312-9FB7-04C34232CAF9}" sibTransId="{ED5D71D2-051F-4A6F-862C-2A952E717B24}"/>
+    <dgm:cxn modelId="{938285DE-1878-4129-81BD-A40896F2C546}" type="presOf" srcId="{098D8084-D39D-4FA5-BBAF-D5AF20FF5A1B}" destId="{D2D2194C-2B07-491B-ADE0-80266797844B}" srcOrd="0" destOrd="0" presId="urn:microsoft.com/office/officeart/2005/8/layout/list1"/>
+    <dgm:cxn modelId="{51CDBDE7-FF73-4B00-82AD-C2E2BC074C80}" srcId="{3CA2AE3B-326D-42B1-BDBC-E21DB81DB72B}" destId="{9750E2DB-3DAF-490A-9473-793CD0F1C12A}" srcOrd="1" destOrd="0" parTransId="{73FB98F5-B889-4D13-B002-201731FD3222}" sibTransId="{A7A3E26D-3ACF-425E-AE8F-AC702BC8AAF2}"/>
+    <dgm:cxn modelId="{63EDA5F0-A8DF-4540-9E77-73BEE7971AA1}" srcId="{0773FB70-DB5D-4C92-A74C-F7FD952EA457}" destId="{76B63C53-EB79-436D-8589-770423C906E8}" srcOrd="0" destOrd="0" parTransId="{39A7CC83-CA58-44C9-9FB1-DA4AED0F212A}" sibTransId="{FE25BBE3-F099-46B8-A602-976AD28A5226}"/>
+    <dgm:cxn modelId="{986430FA-05C6-4CD2-BCEC-A4DA551F017D}" srcId="{9699E665-C088-4653-819B-3B8443C87E12}" destId="{0773FB70-DB5D-4C92-A74C-F7FD952EA457}" srcOrd="2" destOrd="0" parTransId="{80347DB5-CF86-4967-BC29-1BB2B1DA650F}" sibTransId="{DBB7136E-E011-43B6-85DE-3FF7F6C8071F}"/>
+    <dgm:cxn modelId="{9BE025EF-1DBD-4D67-9024-64A1FDC5AC79}" type="presParOf" srcId="{0EDF73F0-823F-4836-B9DD-1D3448842F3F}" destId="{0A6CB480-0B02-41B8-92DC-FCE9A8048C7C}" srcOrd="0" destOrd="0" presId="urn:microsoft.com/office/officeart/2005/8/layout/list1"/>
+    <dgm:cxn modelId="{9AFEC7E2-1352-40F8-B6B2-3F1C9C77EF19}" type="presParOf" srcId="{0A6CB480-0B02-41B8-92DC-FCE9A8048C7C}" destId="{D2D2194C-2B07-491B-ADE0-80266797844B}" srcOrd="0" destOrd="0" presId="urn:microsoft.com/office/officeart/2005/8/layout/list1"/>
+    <dgm:cxn modelId="{953594E0-4491-4EB0-B70B-9999B51A1865}" type="presParOf" srcId="{0A6CB480-0B02-41B8-92DC-FCE9A8048C7C}" destId="{4B2CDC90-D8EC-4287-8F05-55801A72C372}" srcOrd="1" destOrd="0" presId="urn:microsoft.com/office/officeart/2005/8/layout/list1"/>
+    <dgm:cxn modelId="{5544DFF3-D776-4761-B01F-ED5EC5A37FE8}" type="presParOf" srcId="{0EDF73F0-823F-4836-B9DD-1D3448842F3F}" destId="{DBD593AE-40E7-45A8-A75D-8C406E3FE897}" srcOrd="1" destOrd="0" presId="urn:microsoft.com/office/officeart/2005/8/layout/list1"/>
+    <dgm:cxn modelId="{0017F007-458E-41A4-82B4-2038391A7995}" type="presParOf" srcId="{0EDF73F0-823F-4836-B9DD-1D3448842F3F}" destId="{C0E0C017-1D1E-4796-8AE9-5EE9AAB4F424}" srcOrd="2" destOrd="0" presId="urn:microsoft.com/office/officeart/2005/8/layout/list1"/>
+    <dgm:cxn modelId="{090BBEA4-AB0D-4821-B3D9-436084BD30B5}" type="presParOf" srcId="{0EDF73F0-823F-4836-B9DD-1D3448842F3F}" destId="{333103B7-AED1-436A-9FB1-7BB79547A366}" srcOrd="3" destOrd="0" presId="urn:microsoft.com/office/officeart/2005/8/layout/list1"/>
+    <dgm:cxn modelId="{5D771A67-F7C2-47B5-8C83-50C7E654F73E}" type="presParOf" srcId="{0EDF73F0-823F-4836-B9DD-1D3448842F3F}" destId="{D26A9014-DB0F-4767-8C73-3AC7ECF1DCA3}" srcOrd="4" destOrd="0" presId="urn:microsoft.com/office/officeart/2005/8/layout/list1"/>
+    <dgm:cxn modelId="{2D8038B6-FF0F-4369-B71D-8F2017308398}" type="presParOf" srcId="{D26A9014-DB0F-4767-8C73-3AC7ECF1DCA3}" destId="{970BCABB-0D96-403E-B236-190935865135}" srcOrd="0" destOrd="0" presId="urn:microsoft.com/office/officeart/2005/8/layout/list1"/>
+    <dgm:cxn modelId="{94151322-97C9-4E8A-9BB9-369457DBC768}" type="presParOf" srcId="{D26A9014-DB0F-4767-8C73-3AC7ECF1DCA3}" destId="{121DE7E9-88D5-4E01-A909-EE71FAE3748E}" srcOrd="1" destOrd="0" presId="urn:microsoft.com/office/officeart/2005/8/layout/list1"/>
+    <dgm:cxn modelId="{C51F00DB-6CE3-44AB-957F-850CF11E4B89}" type="presParOf" srcId="{0EDF73F0-823F-4836-B9DD-1D3448842F3F}" destId="{1C8553BD-AD39-438B-B953-FAD943FE373D}" srcOrd="5" destOrd="0" presId="urn:microsoft.com/office/officeart/2005/8/layout/list1"/>
+    <dgm:cxn modelId="{C8BF8BC7-1F29-4335-9C00-42CA52F5F9E6}" type="presParOf" srcId="{0EDF73F0-823F-4836-B9DD-1D3448842F3F}" destId="{80BFCC0B-0E33-4FD5-9AC7-E048CD4FB0BF}" srcOrd="6" destOrd="0" presId="urn:microsoft.com/office/officeart/2005/8/layout/list1"/>
+    <dgm:cxn modelId="{DA58BE5D-82E1-4B5A-AD2F-9D62396F38C1}" type="presParOf" srcId="{0EDF73F0-823F-4836-B9DD-1D3448842F3F}" destId="{76A641F0-3C07-42EB-A9EB-D0F76D77011C}" srcOrd="7" destOrd="0" presId="urn:microsoft.com/office/officeart/2005/8/layout/list1"/>
+    <dgm:cxn modelId="{C5E63FB2-EEBD-4F11-9D72-9EE58B907644}" type="presParOf" srcId="{0EDF73F0-823F-4836-B9DD-1D3448842F3F}" destId="{E47D2FE6-1327-4DBD-8D47-9BB2304F06E1}" srcOrd="8" destOrd="0" presId="urn:microsoft.com/office/officeart/2005/8/layout/list1"/>
+    <dgm:cxn modelId="{5BE90B07-01B8-4C7F-83F2-D862709D8233}" type="presParOf" srcId="{E47D2FE6-1327-4DBD-8D47-9BB2304F06E1}" destId="{56A739AF-D6FB-48E7-8059-1AF04CB926E4}" srcOrd="0" destOrd="0" presId="urn:microsoft.com/office/officeart/2005/8/layout/list1"/>
+    <dgm:cxn modelId="{F5F4ED04-B4BF-4B21-994F-A2F5B4C6395D}" type="presParOf" srcId="{E47D2FE6-1327-4DBD-8D47-9BB2304F06E1}" destId="{F7BC4D40-4419-4672-A629-0737D06A1F5D}" srcOrd="1" destOrd="0" presId="urn:microsoft.com/office/officeart/2005/8/layout/list1"/>
+    <dgm:cxn modelId="{83EFBBF0-35FC-4A86-A1D1-146A399ADF9A}" type="presParOf" srcId="{0EDF73F0-823F-4836-B9DD-1D3448842F3F}" destId="{A496F4B9-2050-43A2-A11C-D7C8B23F9EC1}" srcOrd="9" destOrd="0" presId="urn:microsoft.com/office/officeart/2005/8/layout/list1"/>
+    <dgm:cxn modelId="{28673B45-6B36-4A25-A357-042E396C9AAA}" type="presParOf" srcId="{0EDF73F0-823F-4836-B9DD-1D3448842F3F}" destId="{5C522DF5-C64D-4D9E-ABF8-6B48C51CA317}" srcOrd="10" destOrd="0" presId="urn:microsoft.com/office/officeart/2005/8/layout/list1"/>
+  </dgm:cxnLst>
+  <dgm:bg/>
+  <dgm:whole/>
+  <dgm:extLst>
+    <a:ext uri="http://schemas.microsoft.com/office/drawing/2008/diagram">
+      <dsp:dataModelExt xmlns:dsp="http://schemas.microsoft.com/office/drawing/2008/diagram" relId="rId6" minVer="http://schemas.openxmlformats.org/drawingml/2006/diagram"/>
+    </a:ext>
+  </dgm:extLst>
+</dgm:dataModel>
+</file>
+
+<file path=ppt/diagrams/drawing1.xml><?xml version="1.0" encoding="utf-8"?>
+<dsp:drawing xmlns:dgm="http://schemas.openxmlformats.org/drawingml/2006/diagram" xmlns:dsp="http://schemas.microsoft.com/office/drawing/2008/diagram" xmlns:a="http://schemas.openxmlformats.org/drawingml/2006/main">
+  <dsp:spTree>
+    <dsp:nvGrpSpPr>
+      <dsp:cNvPr id="0" name=""/>
+      <dsp:cNvGrpSpPr/>
+    </dsp:nvGrpSpPr>
+    <dsp:grpSpPr/>
+    <dsp:sp modelId="{C0E0C017-1D1E-4796-8AE9-5EE9AAB4F424}">
+      <dsp:nvSpPr>
+        <dsp:cNvPr id="0" name=""/>
+        <dsp:cNvSpPr/>
+      </dsp:nvSpPr>
+      <dsp:spPr>
+        <a:xfrm>
+          <a:off x="0" y="401148"/>
+          <a:ext cx="8128000" cy="1212750"/>
+        </a:xfrm>
+        <a:prstGeom prst="rect">
+          <a:avLst/>
+        </a:prstGeom>
+        <a:solidFill>
+          <a:schemeClr val="lt1">
+            <a:alpha val="90000"/>
+            <a:hueOff val="0"/>
+            <a:satOff val="0"/>
+            <a:lumOff val="0"/>
+            <a:alphaOff val="0"/>
+          </a:schemeClr>
+        </a:solidFill>
+        <a:ln w="19050" cap="rnd" cmpd="sng" algn="ctr">
+          <a:solidFill>
+            <a:schemeClr val="accent1">
+              <a:hueOff val="0"/>
+              <a:satOff val="0"/>
+              <a:lumOff val="0"/>
+              <a:alphaOff val="0"/>
+            </a:schemeClr>
+          </a:solidFill>
+          <a:prstDash val="solid"/>
+        </a:ln>
+        <a:effectLst/>
+      </dsp:spPr>
+      <dsp:style>
+        <a:lnRef idx="2">
+          <a:scrgbClr r="0" g="0" b="0"/>
+        </a:lnRef>
+        <a:fillRef idx="1">
+          <a:scrgbClr r="0" g="0" b="0"/>
+        </a:fillRef>
+        <a:effectRef idx="0">
+          <a:scrgbClr r="0" g="0" b="0"/>
+        </a:effectRef>
+        <a:fontRef idx="minor"/>
+      </dsp:style>
+      <dsp:txBody>
+        <a:bodyPr spcFirstLastPara="0" vert="horz" wrap="square" lIns="630823" tIns="458216" rIns="630823" bIns="156464" numCol="1" spcCol="1270" anchor="t" anchorCtr="0">
+          <a:noAutofit/>
+        </a:bodyPr>
+        <a:lstStyle/>
+        <a:p>
+          <a:pPr marL="228600" lvl="1" indent="-228600" algn="l" defTabSz="977900">
+            <a:lnSpc>
+              <a:spcPct val="90000"/>
+            </a:lnSpc>
+            <a:spcBef>
+              <a:spcPct val="0"/>
+            </a:spcBef>
+            <a:spcAft>
+              <a:spcPct val="15000"/>
+            </a:spcAft>
+            <a:buChar char="•"/>
+          </a:pPr>
+          <a:r>
+            <a:rPr lang="en-US" sz="2200" kern="1200" dirty="0"/>
+            <a:t>Not fastest , not smaller</a:t>
+          </a:r>
+          <a:br>
+            <a:rPr lang="en-US" sz="2200" kern="1200" dirty="0"/>
+          </a:br>
+          <a:r>
+            <a:rPr lang="en-US" sz="2200" kern="1200" dirty="0"/>
+            <a:t>but stable and less bug</a:t>
+          </a:r>
+        </a:p>
+      </dsp:txBody>
+      <dsp:txXfrm>
+        <a:off x="0" y="401148"/>
+        <a:ext cx="8128000" cy="1212750"/>
+      </dsp:txXfrm>
+    </dsp:sp>
+    <dsp:sp modelId="{4B2CDC90-D8EC-4287-8F05-55801A72C372}">
+      <dsp:nvSpPr>
+        <dsp:cNvPr id="0" name=""/>
+        <dsp:cNvSpPr/>
+      </dsp:nvSpPr>
+      <dsp:spPr>
+        <a:xfrm>
+          <a:off x="406400" y="76428"/>
+          <a:ext cx="5689600" cy="649440"/>
+        </a:xfrm>
+        <a:prstGeom prst="roundRect">
+          <a:avLst/>
+        </a:prstGeom>
+        <a:solidFill>
+          <a:schemeClr val="accent1">
+            <a:hueOff val="0"/>
+            <a:satOff val="0"/>
+            <a:lumOff val="0"/>
+            <a:alphaOff val="0"/>
+          </a:schemeClr>
+        </a:solidFill>
+        <a:ln w="19050" cap="rnd" cmpd="sng" algn="ctr">
+          <a:solidFill>
+            <a:schemeClr val="lt1">
+              <a:hueOff val="0"/>
+              <a:satOff val="0"/>
+              <a:lumOff val="0"/>
+              <a:alphaOff val="0"/>
+            </a:schemeClr>
+          </a:solidFill>
+          <a:prstDash val="solid"/>
+        </a:ln>
+        <a:effectLst/>
+      </dsp:spPr>
+      <dsp:style>
+        <a:lnRef idx="2">
+          <a:scrgbClr r="0" g="0" b="0"/>
+        </a:lnRef>
+        <a:fillRef idx="1">
+          <a:scrgbClr r="0" g="0" b="0"/>
+        </a:fillRef>
+        <a:effectRef idx="0">
+          <a:scrgbClr r="0" g="0" b="0"/>
+        </a:effectRef>
+        <a:fontRef idx="minor">
+          <a:schemeClr val="lt1"/>
+        </a:fontRef>
+      </dsp:style>
+      <dsp:txBody>
+        <a:bodyPr spcFirstLastPara="0" vert="horz" wrap="square" lIns="215053" tIns="0" rIns="215053" bIns="0" numCol="1" spcCol="1270" anchor="ctr" anchorCtr="0">
+          <a:noAutofit/>
+        </a:bodyPr>
+        <a:lstStyle/>
+        <a:p>
+          <a:pPr marL="0" lvl="0" indent="0" algn="l" defTabSz="977900">
+            <a:lnSpc>
+              <a:spcPct val="90000"/>
+            </a:lnSpc>
+            <a:spcBef>
+              <a:spcPct val="0"/>
+            </a:spcBef>
+            <a:spcAft>
+              <a:spcPct val="35000"/>
+            </a:spcAft>
+            <a:buNone/>
+          </a:pPr>
+          <a:r>
+            <a:rPr lang="en-US" sz="2200" kern="1200" dirty="0"/>
+            <a:t>Realm</a:t>
+          </a:r>
+        </a:p>
+      </dsp:txBody>
+      <dsp:txXfrm>
+        <a:off x="438103" y="108131"/>
+        <a:ext cx="5626194" cy="586034"/>
+      </dsp:txXfrm>
+    </dsp:sp>
+    <dsp:sp modelId="{80BFCC0B-0E33-4FD5-9AC7-E048CD4FB0BF}">
+      <dsp:nvSpPr>
+        <dsp:cNvPr id="0" name=""/>
+        <dsp:cNvSpPr/>
+      </dsp:nvSpPr>
+      <dsp:spPr>
+        <a:xfrm>
+          <a:off x="0" y="2057418"/>
+          <a:ext cx="8128000" cy="1593900"/>
+        </a:xfrm>
+        <a:prstGeom prst="rect">
+          <a:avLst/>
+        </a:prstGeom>
+        <a:solidFill>
+          <a:schemeClr val="lt1">
+            <a:alpha val="90000"/>
+            <a:hueOff val="0"/>
+            <a:satOff val="0"/>
+            <a:lumOff val="0"/>
+            <a:alphaOff val="0"/>
+          </a:schemeClr>
+        </a:solidFill>
+        <a:ln w="19050" cap="rnd" cmpd="sng" algn="ctr">
+          <a:solidFill>
+            <a:schemeClr val="accent1">
+              <a:hueOff val="0"/>
+              <a:satOff val="0"/>
+              <a:lumOff val="0"/>
+              <a:alphaOff val="0"/>
+            </a:schemeClr>
+          </a:solidFill>
+          <a:prstDash val="solid"/>
+        </a:ln>
+        <a:effectLst/>
+      </dsp:spPr>
+      <dsp:style>
+        <a:lnRef idx="2">
+          <a:scrgbClr r="0" g="0" b="0"/>
+        </a:lnRef>
+        <a:fillRef idx="1">
+          <a:scrgbClr r="0" g="0" b="0"/>
+        </a:fillRef>
+        <a:effectRef idx="0">
+          <a:scrgbClr r="0" g="0" b="0"/>
+        </a:effectRef>
+        <a:fontRef idx="minor"/>
+      </dsp:style>
+      <dsp:txBody>
+        <a:bodyPr spcFirstLastPara="0" vert="horz" wrap="square" lIns="630823" tIns="458216" rIns="630823" bIns="156464" numCol="1" spcCol="1270" anchor="t" anchorCtr="0">
+          <a:noAutofit/>
+        </a:bodyPr>
+        <a:lstStyle/>
+        <a:p>
+          <a:pPr marL="228600" lvl="1" indent="-228600" algn="l" defTabSz="977900">
+            <a:lnSpc>
+              <a:spcPct val="90000"/>
+            </a:lnSpc>
+            <a:spcBef>
+              <a:spcPct val="0"/>
+            </a:spcBef>
+            <a:spcAft>
+              <a:spcPct val="15000"/>
+            </a:spcAft>
+            <a:buChar char="•"/>
+          </a:pPr>
+          <a:r>
+            <a:rPr lang="en-US" sz="2200" kern="1200" dirty="0"/>
+            <a:t>Ready to fight with SQL</a:t>
+          </a:r>
+        </a:p>
+        <a:p>
+          <a:pPr marL="228600" lvl="1" indent="-228600" algn="l" defTabSz="977900">
+            <a:lnSpc>
+              <a:spcPct val="90000"/>
+            </a:lnSpc>
+            <a:spcBef>
+              <a:spcPct val="0"/>
+            </a:spcBef>
+            <a:spcAft>
+              <a:spcPct val="15000"/>
+            </a:spcAft>
+            <a:buChar char="•"/>
+          </a:pPr>
+          <a:r>
+            <a:rPr lang="en-US" sz="2200" kern="1200" dirty="0"/>
+            <a:t>App size limitation</a:t>
+          </a:r>
+        </a:p>
+        <a:p>
+          <a:pPr marL="228600" lvl="1" indent="-228600" algn="l" defTabSz="977900">
+            <a:lnSpc>
+              <a:spcPct val="90000"/>
+            </a:lnSpc>
+            <a:spcBef>
+              <a:spcPct val="0"/>
+            </a:spcBef>
+            <a:spcAft>
+              <a:spcPct val="15000"/>
+            </a:spcAft>
+            <a:buChar char="•"/>
+          </a:pPr>
+          <a:r>
+            <a:rPr lang="en-US" sz="2200" kern="1200" dirty="0"/>
+            <a:t>Recommend by Google</a:t>
+          </a:r>
+        </a:p>
+      </dsp:txBody>
+      <dsp:txXfrm>
+        <a:off x="0" y="2057418"/>
+        <a:ext cx="8128000" cy="1593900"/>
+      </dsp:txXfrm>
+    </dsp:sp>
+    <dsp:sp modelId="{121DE7E9-88D5-4E01-A909-EE71FAE3748E}">
+      <dsp:nvSpPr>
+        <dsp:cNvPr id="0" name=""/>
+        <dsp:cNvSpPr/>
+      </dsp:nvSpPr>
+      <dsp:spPr>
+        <a:xfrm>
+          <a:off x="406400" y="1732698"/>
+          <a:ext cx="5689600" cy="649440"/>
+        </a:xfrm>
+        <a:prstGeom prst="roundRect">
+          <a:avLst/>
+        </a:prstGeom>
+        <a:solidFill>
+          <a:schemeClr val="accent1">
+            <a:hueOff val="0"/>
+            <a:satOff val="0"/>
+            <a:lumOff val="0"/>
+            <a:alphaOff val="0"/>
+          </a:schemeClr>
+        </a:solidFill>
+        <a:ln w="19050" cap="rnd" cmpd="sng" algn="ctr">
+          <a:solidFill>
+            <a:schemeClr val="lt1">
+              <a:hueOff val="0"/>
+              <a:satOff val="0"/>
+              <a:lumOff val="0"/>
+              <a:alphaOff val="0"/>
+            </a:schemeClr>
+          </a:solidFill>
+          <a:prstDash val="solid"/>
+        </a:ln>
+        <a:effectLst/>
+      </dsp:spPr>
+      <dsp:style>
+        <a:lnRef idx="2">
+          <a:scrgbClr r="0" g="0" b="0"/>
+        </a:lnRef>
+        <a:fillRef idx="1">
+          <a:scrgbClr r="0" g="0" b="0"/>
+        </a:fillRef>
+        <a:effectRef idx="0">
+          <a:scrgbClr r="0" g="0" b="0"/>
+        </a:effectRef>
+        <a:fontRef idx="minor">
+          <a:schemeClr val="lt1"/>
+        </a:fontRef>
+      </dsp:style>
+      <dsp:txBody>
+        <a:bodyPr spcFirstLastPara="0" vert="horz" wrap="square" lIns="215053" tIns="0" rIns="215053" bIns="0" numCol="1" spcCol="1270" anchor="ctr" anchorCtr="0">
+          <a:noAutofit/>
+        </a:bodyPr>
+        <a:lstStyle/>
+        <a:p>
+          <a:pPr marL="0" lvl="0" indent="0" algn="l" defTabSz="977900">
+            <a:lnSpc>
+              <a:spcPct val="90000"/>
+            </a:lnSpc>
+            <a:spcBef>
+              <a:spcPct val="0"/>
+            </a:spcBef>
+            <a:spcAft>
+              <a:spcPct val="35000"/>
+            </a:spcAft>
+            <a:buNone/>
+          </a:pPr>
+          <a:r>
+            <a:rPr lang="en-US" sz="2200" kern="1200" dirty="0"/>
+            <a:t>Room</a:t>
+          </a:r>
+        </a:p>
+      </dsp:txBody>
+      <dsp:txXfrm>
+        <a:off x="438103" y="1764401"/>
+        <a:ext cx="5626194" cy="586034"/>
+      </dsp:txXfrm>
+    </dsp:sp>
+    <dsp:sp modelId="{5C522DF5-C64D-4D9E-ABF8-6B48C51CA317}">
+      <dsp:nvSpPr>
+        <dsp:cNvPr id="0" name=""/>
+        <dsp:cNvSpPr/>
+      </dsp:nvSpPr>
+      <dsp:spPr>
+        <a:xfrm>
+          <a:off x="0" y="4094838"/>
+          <a:ext cx="8128000" cy="1247400"/>
+        </a:xfrm>
+        <a:prstGeom prst="rect">
+          <a:avLst/>
+        </a:prstGeom>
+        <a:solidFill>
+          <a:schemeClr val="lt1">
+            <a:alpha val="90000"/>
+            <a:hueOff val="0"/>
+            <a:satOff val="0"/>
+            <a:lumOff val="0"/>
+            <a:alphaOff val="0"/>
+          </a:schemeClr>
+        </a:solidFill>
+        <a:ln w="19050" cap="rnd" cmpd="sng" algn="ctr">
+          <a:solidFill>
+            <a:schemeClr val="accent1">
+              <a:hueOff val="0"/>
+              <a:satOff val="0"/>
+              <a:lumOff val="0"/>
+              <a:alphaOff val="0"/>
+            </a:schemeClr>
+          </a:solidFill>
+          <a:prstDash val="solid"/>
+        </a:ln>
+        <a:effectLst/>
+      </dsp:spPr>
+      <dsp:style>
+        <a:lnRef idx="2">
+          <a:scrgbClr r="0" g="0" b="0"/>
+        </a:lnRef>
+        <a:fillRef idx="1">
+          <a:scrgbClr r="0" g="0" b="0"/>
+        </a:fillRef>
+        <a:effectRef idx="0">
+          <a:scrgbClr r="0" g="0" b="0"/>
+        </a:effectRef>
+        <a:fontRef idx="minor"/>
+      </dsp:style>
+      <dsp:txBody>
+        <a:bodyPr spcFirstLastPara="0" vert="horz" wrap="square" lIns="630823" tIns="458216" rIns="630823" bIns="156464" numCol="1" spcCol="1270" anchor="t" anchorCtr="0">
+          <a:noAutofit/>
+        </a:bodyPr>
+        <a:lstStyle/>
+        <a:p>
+          <a:pPr marL="228600" lvl="1" indent="-228600" algn="l" defTabSz="977900">
+            <a:lnSpc>
+              <a:spcPct val="90000"/>
+            </a:lnSpc>
+            <a:spcBef>
+              <a:spcPct val="0"/>
+            </a:spcBef>
+            <a:spcAft>
+              <a:spcPct val="15000"/>
+            </a:spcAft>
+            <a:buChar char="•"/>
+          </a:pPr>
+          <a:r>
+            <a:rPr lang="en-US" sz="2200" kern="1200" dirty="0"/>
+            <a:t>Need for SPEED and effective</a:t>
+          </a:r>
+        </a:p>
+        <a:p>
+          <a:pPr marL="228600" lvl="1" indent="-228600" algn="l" defTabSz="977900">
+            <a:lnSpc>
+              <a:spcPct val="90000"/>
+            </a:lnSpc>
+            <a:spcBef>
+              <a:spcPct val="0"/>
+            </a:spcBef>
+            <a:spcAft>
+              <a:spcPct val="15000"/>
+            </a:spcAft>
+            <a:buChar char="•"/>
+          </a:pPr>
+          <a:r>
+            <a:rPr lang="en-US" sz="2200" kern="1200" dirty="0"/>
+            <a:t>Without migration by hand</a:t>
+          </a:r>
+        </a:p>
+      </dsp:txBody>
+      <dsp:txXfrm>
+        <a:off x="0" y="4094838"/>
+        <a:ext cx="8128000" cy="1247400"/>
+      </dsp:txXfrm>
+    </dsp:sp>
+    <dsp:sp modelId="{F7BC4D40-4419-4672-A629-0737D06A1F5D}">
+      <dsp:nvSpPr>
+        <dsp:cNvPr id="0" name=""/>
+        <dsp:cNvSpPr/>
+      </dsp:nvSpPr>
+      <dsp:spPr>
+        <a:xfrm>
+          <a:off x="406400" y="3770118"/>
+          <a:ext cx="5689600" cy="649440"/>
+        </a:xfrm>
+        <a:prstGeom prst="roundRect">
+          <a:avLst/>
+        </a:prstGeom>
+        <a:solidFill>
+          <a:schemeClr val="accent1">
+            <a:hueOff val="0"/>
+            <a:satOff val="0"/>
+            <a:lumOff val="0"/>
+            <a:alphaOff val="0"/>
+          </a:schemeClr>
+        </a:solidFill>
+        <a:ln w="19050" cap="rnd" cmpd="sng" algn="ctr">
+          <a:solidFill>
+            <a:schemeClr val="lt1">
+              <a:hueOff val="0"/>
+              <a:satOff val="0"/>
+              <a:lumOff val="0"/>
+              <a:alphaOff val="0"/>
+            </a:schemeClr>
+          </a:solidFill>
+          <a:prstDash val="solid"/>
+        </a:ln>
+        <a:effectLst/>
+      </dsp:spPr>
+      <dsp:style>
+        <a:lnRef idx="2">
+          <a:scrgbClr r="0" g="0" b="0"/>
+        </a:lnRef>
+        <a:fillRef idx="1">
+          <a:scrgbClr r="0" g="0" b="0"/>
+        </a:fillRef>
+        <a:effectRef idx="0">
+          <a:scrgbClr r="0" g="0" b="0"/>
+        </a:effectRef>
+        <a:fontRef idx="minor">
+          <a:schemeClr val="lt1"/>
+        </a:fontRef>
+      </dsp:style>
+      <dsp:txBody>
+        <a:bodyPr spcFirstLastPara="0" vert="horz" wrap="square" lIns="215053" tIns="0" rIns="215053" bIns="0" numCol="1" spcCol="1270" anchor="ctr" anchorCtr="0">
+          <a:noAutofit/>
+        </a:bodyPr>
+        <a:lstStyle/>
+        <a:p>
+          <a:pPr marL="0" lvl="0" indent="0" algn="l" defTabSz="977900">
+            <a:lnSpc>
+              <a:spcPct val="90000"/>
+            </a:lnSpc>
+            <a:spcBef>
+              <a:spcPct val="0"/>
+            </a:spcBef>
+            <a:spcAft>
+              <a:spcPct val="35000"/>
+            </a:spcAft>
+            <a:buNone/>
+          </a:pPr>
+          <a:r>
+            <a:rPr lang="en-US" sz="2200" kern="1200" dirty="0"/>
+            <a:t>Object Box</a:t>
+          </a:r>
+        </a:p>
+      </dsp:txBody>
+      <dsp:txXfrm>
+        <a:off x="438103" y="3801821"/>
+        <a:ext cx="5626194" cy="586034"/>
+      </dsp:txXfrm>
+    </dsp:sp>
+  </dsp:spTree>
+</dsp:drawing>
+</file>
+
+<file path=ppt/diagrams/layout1.xml><?xml version="1.0" encoding="utf-8"?>
+<dgm:layoutDef xmlns:dgm="http://schemas.openxmlformats.org/drawingml/2006/diagram" xmlns:a="http://schemas.openxmlformats.org/drawingml/2006/main" uniqueId="urn:microsoft.com/office/officeart/2005/8/layout/list1">
+  <dgm:title val=""/>
+  <dgm:desc val=""/>
+  <dgm:catLst>
+    <dgm:cat type="list" pri="4000"/>
+  </dgm:catLst>
+  <dgm:sampData>
+    <dgm:dataModel>
+      <dgm:ptLst>
+        <dgm:pt modelId="0" type="doc"/>
+        <dgm:pt modelId="1">
+          <dgm:prSet phldr="1"/>
+        </dgm:pt>
+        <dgm:pt modelId="2">
+          <dgm:prSet phldr="1"/>
+        </dgm:pt>
+        <dgm:pt modelId="3">
+          <dgm:prSet phldr="1"/>
+        </dgm:pt>
+      </dgm:ptLst>
+      <dgm:cxnLst>
+        <dgm:cxn modelId="4" srcId="0" destId="1" srcOrd="0" destOrd="0"/>
+        <dgm:cxn modelId="5" srcId="0" destId="2" srcOrd="1" destOrd="0"/>
+        <dgm:cxn modelId="6" srcId="0" destId="3" srcOrd="2" destOrd="0"/>
+      </dgm:cxnLst>
+      <dgm:bg/>
+      <dgm:whole/>
+    </dgm:dataModel>
+  </dgm:sampData>
+  <dgm:styleData>
+    <dgm:dataModel>
+      <dgm:ptLst>
+        <dgm:pt modelId="0" type="doc"/>
+        <dgm:pt modelId="1"/>
+        <dgm:pt modelId="2"/>
+      </dgm:ptLst>
+      <dgm:cxnLst>
+        <dgm:cxn modelId="4" srcId="0" destId="1" srcOrd="0" destOrd="0"/>
+        <dgm:cxn modelId="5" srcId="0" destId="2" srcOrd="1" destOrd="0"/>
+      </dgm:cxnLst>
+      <dgm:bg/>
+      <dgm:whole/>
+    </dgm:dataModel>
+  </dgm:styleData>
+  <dgm:clrData>
+    <dgm:dataModel>
+      <dgm:ptLst>
+        <dgm:pt modelId="0" type="doc"/>
+        <dgm:pt modelId="1"/>
+        <dgm:pt modelId="2"/>
+        <dgm:pt modelId="3"/>
+        <dgm:pt modelId="4"/>
+      </dgm:ptLst>
+      <dgm:cxnLst>
+        <dgm:cxn modelId="5" srcId="0" destId="1" srcOrd="0" destOrd="0"/>
+        <dgm:cxn modelId="6" srcId="0" destId="2" srcOrd="1" destOrd="0"/>
+        <dgm:cxn modelId="7" srcId="0" destId="3" srcOrd="2" destOrd="0"/>
+        <dgm:cxn modelId="8" srcId="0" destId="4" srcOrd="3" destOrd="0"/>
+      </dgm:cxnLst>
+      <dgm:bg/>
+      <dgm:whole/>
+    </dgm:dataModel>
+  </dgm:clrData>
+  <dgm:layoutNode name="linear">
+    <dgm:varLst>
+      <dgm:dir/>
+      <dgm:animLvl val="lvl"/>
+      <dgm:resizeHandles val="exact"/>
+    </dgm:varLst>
+    <dgm:choose name="Name0">
+      <dgm:if name="Name1" func="var" arg="dir" op="equ" val="norm">
+        <dgm:alg type="lin">
+          <dgm:param type="linDir" val="fromT"/>
+          <dgm:param type="vertAlign" val="mid"/>
+          <dgm:param type="horzAlign" val="l"/>
+          <dgm:param type="nodeHorzAlign" val="l"/>
+        </dgm:alg>
+      </dgm:if>
+      <dgm:else name="Name2">
+        <dgm:alg type="lin">
+          <dgm:param type="linDir" val="fromT"/>
+          <dgm:param type="vertAlign" val="mid"/>
+          <dgm:param type="horzAlign" val="r"/>
+          <dgm:param type="nodeHorzAlign" val="r"/>
+        </dgm:alg>
+      </dgm:else>
+    </dgm:choose>
+    <dgm:shape xmlns:r="http://schemas.openxmlformats.org/officeDocument/2006/relationships" r:blip="">
+      <dgm:adjLst/>
+    </dgm:shape>
+    <dgm:presOf/>
+    <dgm:constrLst>
+      <dgm:constr type="w" for="ch" forName="parentLin" refType="w"/>
+      <dgm:constr type="h" for="ch" forName="parentLin" val="INF"/>
+      <dgm:constr type="w" for="des" forName="parentLeftMargin" refType="w" fact="0.05"/>
+      <dgm:constr type="w" for="des" forName="parentText" refType="w" fact="0.7"/>
+      <dgm:constr type="h" for="des" forName="parentText" refType="primFontSz" refFor="des" refForName="parentText" fact="0.82"/>
+      <dgm:constr type="h" for="ch" forName="negativeSpace" refType="primFontSz" refFor="des" refForName="parentText" fact="-0.41"/>
+      <dgm:constr type="h" for="ch" forName="negativeSpace" refType="h" refFor="des" refForName="parentText" op="lte" fact="-0.82"/>
+      <dgm:constr type="h" for="ch" forName="negativeSpace" refType="h" refFor="des" refForName="parentText" op="gte" fact="-0.82"/>
+      <dgm:constr type="w" for="ch" forName="childText" refType="w"/>
+      <dgm:constr type="h" for="ch" forName="childText" refType="primFontSz" refFor="des" refForName="parentText" fact="0.7"/>
+      <dgm:constr type="primFontSz" for="des" forName="parentText" val="65"/>
+      <dgm:constr type="primFontSz" for="ch" forName="childText" refType="primFontSz" refFor="des" refForName="parentText"/>
+      <dgm:constr type="tMarg" for="ch" forName="childText" refType="primFontSz" refFor="des" refForName="parentText" fact="1.64"/>
+      <dgm:constr type="tMarg" for="ch" forName="childText" refType="h" refFor="des" refForName="parentText" op="lte" fact="3.28"/>
+      <dgm:constr type="tMarg" for="ch" forName="childText" refType="h" refFor="des" refForName="parentText" op="gte" fact="3.28"/>
+      <dgm:constr type="lMarg" for="ch" forName="childText" refType="w" fact="0.22"/>
+      <dgm:constr type="rMarg" for="ch" forName="childText" refType="lMarg" refFor="ch" refForName="childText"/>
+      <dgm:constr type="lMarg" for="des" forName="parentText" refType="w" fact="0.075"/>
+      <dgm:constr type="rMarg" for="des" forName="parentText" refType="lMarg" refFor="des" refForName="parentText"/>
+      <dgm:constr type="h" for="ch" forName="spaceBetweenRectangles" refType="primFontSz" refFor="des" refForName="parentText" fact="0.15"/>
+    </dgm:constrLst>
+    <dgm:ruleLst>
+      <dgm:rule type="primFontSz" for="des" forName="parentText" val="5" fact="NaN" max="NaN"/>
+    </dgm:ruleLst>
+    <dgm:forEach name="Name3" axis="ch" ptType="node">
+      <dgm:layoutNode name="parentLin">
+        <dgm:choose name="Name4">
+          <dgm:if name="Name5" func="var" arg="dir" op="equ" val="norm">
+            <dgm:alg type="lin">
+              <dgm:param type="linDir" val="fromL"/>
+              <dgm:param type="horzAlign" val="l"/>
+              <dgm:param type="nodeHorzAlign" val="l"/>
+            </dgm:alg>
+          </dgm:if>
+          <dgm:else name="Name6">
+            <dgm:alg type="lin">
+              <dgm:param type="linDir" val="fromR"/>
+              <dgm:param type="horzAlign" val="r"/>
+              <dgm:param type="nodeHorzAlign" val="r"/>
+            </dgm:alg>
+          </dgm:else>
+        </dgm:choose>
+        <dgm:shape xmlns:r="http://schemas.openxmlformats.org/officeDocument/2006/relationships" r:blip="">
+          <dgm:adjLst/>
+        </dgm:shape>
+        <dgm:presOf/>
+        <dgm:constrLst/>
+        <dgm:ruleLst/>
+        <dgm:layoutNode name="parentLeftMargin">
+          <dgm:alg type="sp"/>
+          <dgm:shape xmlns:r="http://schemas.openxmlformats.org/officeDocument/2006/relationships" type="rect" r:blip="" hideGeom="1">
+            <dgm:adjLst/>
+          </dgm:shape>
+          <dgm:presOf axis="self"/>
+          <dgm:constrLst>
+            <dgm:constr type="h"/>
+          </dgm:constrLst>
+          <dgm:ruleLst/>
+        </dgm:layoutNode>
+        <dgm:layoutNode name="parentText" styleLbl="node1">
+          <dgm:varLst>
+            <dgm:chMax val="0"/>
+            <dgm:bulletEnabled val="1"/>
+          </dgm:varLst>
+          <dgm:choose name="Name7">
+            <dgm:if name="Name8" func="var" arg="dir" op="equ" val="norm">
+              <dgm:alg type="tx">
+                <dgm:param type="parTxLTRAlign" val="l"/>
+                <dgm:param type="parTxRTLAlign" val="l"/>
+              </dgm:alg>
+            </dgm:if>
+            <dgm:else name="Name9">
+              <dgm:alg type="tx">
+                <dgm:param type="parTxLTRAlign" val="r"/>
+                <dgm:param type="parTxRTLAlign" val="r"/>
+              </dgm:alg>
+            </dgm:else>
+          </dgm:choose>
+          <dgm:shape xmlns:r="http://schemas.openxmlformats.org/officeDocument/2006/relationships" type="roundRect" r:blip="">
+            <dgm:adjLst/>
+          </dgm:shape>
+          <dgm:presOf axis="self" ptType="node"/>
+          <dgm:constrLst>
+            <dgm:constr type="tMarg"/>
+            <dgm:constr type="bMarg"/>
+          </dgm:constrLst>
+          <dgm:ruleLst/>
+        </dgm:layoutNode>
+      </dgm:layoutNode>
+      <dgm:layoutNode name="negativeSpace">
+        <dgm:alg type="sp"/>
+        <dgm:shape xmlns:r="http://schemas.openxmlformats.org/officeDocument/2006/relationships" r:blip="">
+          <dgm:adjLst/>
+        </dgm:shape>
+        <dgm:presOf/>
+        <dgm:constrLst/>
+        <dgm:ruleLst/>
+      </dgm:layoutNode>
+      <dgm:layoutNode name="childText" styleLbl="conFgAcc1">
+        <dgm:varLst>
+          <dgm:bulletEnabled val="1"/>
+        </dgm:varLst>
+        <dgm:alg type="tx">
+          <dgm:param type="stBulletLvl" val="1"/>
+        </dgm:alg>
+        <dgm:shape xmlns:r="http://schemas.openxmlformats.org/officeDocument/2006/relationships" type="rect" r:blip="" zOrderOff="-2">
+          <dgm:adjLst/>
+        </dgm:shape>
+        <dgm:presOf axis="des" ptType="node"/>
+        <dgm:constrLst>
+          <dgm:constr type="secFontSz" refType="primFontSz"/>
+        </dgm:constrLst>
+        <dgm:ruleLst>
+          <dgm:rule type="h" val="INF" fact="NaN" max="NaN"/>
+        </dgm:ruleLst>
+      </dgm:layoutNode>
+      <dgm:forEach name="Name10" axis="followSib" ptType="sibTrans" cnt="1">
+        <dgm:layoutNode name="spaceBetweenRectangles">
+          <dgm:alg type="sp"/>
+          <dgm:shape xmlns:r="http://schemas.openxmlformats.org/officeDocument/2006/relationships" r:blip="">
+            <dgm:adjLst/>
+          </dgm:shape>
+          <dgm:presOf/>
+          <dgm:constrLst/>
+          <dgm:ruleLst/>
+        </dgm:layoutNode>
+      </dgm:forEach>
+    </dgm:forEach>
+  </dgm:layoutNode>
+</dgm:layoutDef>
+</file>
+
+<file path=ppt/diagrams/quickStyle1.xml><?xml version="1.0" encoding="utf-8"?>
+<dgm:styleDef xmlns:dgm="http://schemas.openxmlformats.org/drawingml/2006/diagram" xmlns:a="http://schemas.openxmlformats.org/drawingml/2006/main" uniqueId="urn:microsoft.com/office/officeart/2005/8/quickstyle/simple1">
+  <dgm:title val=""/>
+  <dgm:desc val=""/>
+  <dgm:catLst>
+    <dgm:cat type="simple" pri="10100"/>
+  </dgm:catLst>
+  <dgm:scene3d>
+    <a:camera prst="orthographicFront"/>
+    <a:lightRig rig="threePt" dir="t"/>
+  </dgm:scene3d>
+  <dgm:styleLbl name="node0">
+    <dgm:scene3d>
+      <a:camera prst="orthographicFront"/>
+      <a:lightRig rig="threePt" dir="t"/>
+    </dgm:scene3d>
+    <dgm:sp3d/>
+    <dgm:txPr/>
+    <dgm:style>
+      <a:lnRef idx="2">
+        <a:scrgbClr r="0" g="0" b="0"/>
+      </a:lnRef>
+      <a:fillRef idx="1">
+        <a:scrgbClr r="0" g="0" b="0"/>
+      </a:fillRef>
+      <a:effectRef idx="0">
+        <a:scrgbClr r="0" g="0" b="0"/>
+      </a:effectRef>
+      <a:fontRef idx="minor">
+        <a:schemeClr val="lt1"/>
+      </a:fontRef>
+    </dgm:style>
+  </dgm:styleLbl>
+  <dgm:styleLbl name="lnNode1">
+    <dgm:scene3d>
+      <a:camera prst="orthographicFront"/>
+      <a:lightRig rig="threePt" dir="t"/>
+    </dgm:scene3d>
+    <dgm:sp3d/>
+    <dgm:txPr/>
+    <dgm:style>
+      <a:lnRef idx="2">
+        <a:scrgbClr r="0" g="0" b="0"/>
+      </a:lnRef>
+      <a:fillRef idx="1">
+        <a:scrgbClr r="0" g="0" b="0"/>
+      </a:fillRef>
+      <a:effectRef idx="0">
+        <a:scrgbClr r="0" g="0" b="0"/>
+      </a:effectRef>
+      <a:fontRef idx="minor">
+        <a:schemeClr val="lt1"/>
+      </a:fontRef>
+    </dgm:style>
+  </dgm:styleLbl>
+  <dgm:styleLbl name="vennNode1">
+    <dgm:scene3d>
+      <a:camera prst="orthographicFront"/>
+      <a:lightRig rig="threePt" dir="t"/>
+    </dgm:scene3d>
+    <dgm:sp3d/>
+    <dgm:txPr/>
+    <dgm:style>
+      <a:lnRef idx="2">
+        <a:scrgbClr r="0" g="0" b="0"/>
+      </a:lnRef>
+      <a:fillRef idx="1">
+        <a:scrgbClr r="0" g="0" b="0"/>
+      </a:fillRef>
+      <a:effectRef idx="0">
+        <a:scrgbClr r="0" g="0" b="0"/>
+      </a:effectRef>
+      <a:fontRef idx="minor">
+        <a:schemeClr val="tx1"/>
+      </a:fontRef>
+    </dgm:style>
+  </dgm:styleLbl>
+  <dgm:styleLbl name="alignNode1">
+    <dgm:scene3d>
+      <a:camera prst="orthographicFront"/>
+      <a:lightRig rig="threePt" dir="t"/>
+    </dgm:scene3d>
+    <dgm:sp3d/>
+    <dgm:txPr/>
+    <dgm:style>
+      <a:lnRef idx="2">
+        <a:scrgbClr r="0" g="0" b="0"/>
+      </a:lnRef>
+      <a:fillRef idx="1">
+        <a:scrgbClr r="0" g="0" b="0"/>
+      </a:fillRef>
+      <a:effectRef idx="0">
+        <a:scrgbClr r="0" g="0" b="0"/>
+      </a:effectRef>
+      <a:fontRef idx="minor">
+        <a:schemeClr val="lt1"/>
+      </a:fontRef>
+    </dgm:style>
+  </dgm:styleLbl>
+  <dgm:styleLbl name="node1">
+    <dgm:scene3d>
+      <a:camera prst="orthographicFront"/>
+      <a:lightRig rig="threePt" dir="t"/>
+    </dgm:scene3d>
+    <dgm:sp3d/>
+    <dgm:txPr/>
+    <dgm:style>
+      <a:lnRef idx="2">
+        <a:scrgbClr r="0" g="0" b="0"/>
+      </a:lnRef>
+      <a:fillRef idx="1">
+        <a:scrgbClr r="0" g="0" b="0"/>
+      </a:fillRef>
+      <a:effectRef idx="0">
+        <a:scrgbClr r="0" g="0" b="0"/>
+      </a:effectRef>
+      <a:fontRef idx="minor">
+        <a:schemeClr val="lt1"/>
+      </a:fontRef>
+    </dgm:style>
+  </dgm:styleLbl>
+  <dgm:styleLbl name="node2">
+    <dgm:scene3d>
+      <a:camera prst="orthographicFront"/>
+      <a:lightRig rig="threePt" dir="t"/>
+    </dgm:scene3d>
+    <dgm:sp3d/>
+    <dgm:txPr/>
+    <dgm:style>
+      <a:lnRef idx="2">
+        <a:scrgbClr r="0" g="0" b="0"/>
+      </a:lnRef>
+      <a:fillRef idx="1">
+        <a:scrgbClr r="0" g="0" b="0"/>
+      </a:fillRef>
+      <a:effectRef idx="0">
+        <a:scrgbClr r="0" g="0" b="0"/>
+      </a:effectRef>
+      <a:fontRef idx="minor">
+        <a:schemeClr val="lt1"/>
+      </a:fontRef>
+    </dgm:style>
+  </dgm:styleLbl>
+  <dgm:styleLbl name="node3">
+    <dgm:scene3d>
+      <a:camera prst="orthographicFront"/>
+      <a:lightRig rig="threePt" dir="t"/>
+    </dgm:scene3d>
+    <dgm:sp3d/>
+    <dgm:txPr/>
+    <dgm:style>
+      <a:lnRef idx="2">
+        <a:scrgbClr r="0" g="0" b="0"/>
+      </a:lnRef>
+      <a:fillRef idx="1">
+        <a:scrgbClr r="0" g="0" b="0"/>
+      </a:fillRef>
+      <a:effectRef idx="0">
+        <a:scrgbClr r="0" g="0" b="0"/>
+      </a:effectRef>
+      <a:fontRef idx="minor">
+        <a:schemeClr val="lt1"/>
+      </a:fontRef>
+    </dgm:style>
+  </dgm:styleLbl>
+  <dgm:styleLbl name="node4">
+    <dgm:scene3d>
+      <a:camera prst="orthographicFront"/>
+      <a:lightRig rig="threePt" dir="t"/>
+    </dgm:scene3d>
+    <dgm:sp3d/>
+    <dgm:txPr/>
+    <dgm:style>
+      <a:lnRef idx="2">
+        <a:scrgbClr r="0" g="0" b="0"/>
+      </a:lnRef>
+      <a:fillRef idx="1">
+        <a:scrgbClr r="0" g="0" b="0"/>
+      </a:fillRef>
+      <a:effectRef idx="0">
+        <a:scrgbClr r="0" g="0" b="0"/>
+      </a:effectRef>
+      <a:fontRef idx="minor">
+        <a:schemeClr val="lt1"/>
+      </a:fontRef>
+    </dgm:style>
+  </dgm:styleLbl>
+  <dgm:styleLbl name="fgImgPlace1">
+    <dgm:scene3d>
+      <a:camera prst="orthographicFront"/>
+      <a:lightRig rig="threePt" dir="t"/>
+    </dgm:scene3d>
+    <dgm:sp3d/>
+    <dgm:txPr/>
+    <dgm:style>
+      <a:lnRef idx="2">
+        <a:scrgbClr r="0" g="0" b="0"/>
+      </a:lnRef>
+      <a:fillRef idx="1">
+        <a:scrgbClr r="0" g="0" b="0"/>
+      </a:fillRef>
+      <a:effectRef idx="0">
+        <a:scrgbClr r="0" g="0" b="0"/>
+      </a:effectRef>
+      <a:fontRef idx="minor"/>
+    </dgm:style>
+  </dgm:styleLbl>
+  <dgm:styleLbl name="alignImgPlace1">
+    <dgm:scene3d>
+      <a:camera prst="orthographicFront"/>
+      <a:lightRig rig="threePt" dir="t"/>
+    </dgm:scene3d>
+    <dgm:sp3d/>
+    <dgm:txPr/>
+    <dgm:style>
+      <a:lnRef idx="2">
+        <a:scrgbClr r="0" g="0" b="0"/>
+      </a:lnRef>
+      <a:fillRef idx="1">
+        <a:scrgbClr r="0" g="0" b="0"/>
+      </a:fillRef>
+      <a:effectRef idx="0">
+        <a:scrgbClr r="0" g="0" b="0"/>
+      </a:effectRef>
+      <a:fontRef idx="minor"/>
+    </dgm:style>
+  </dgm:styleLbl>
+  <dgm:styleLbl name="bgImgPlace1">
+    <dgm:scene3d>
+      <a:camera prst="orthographicFront"/>
+      <a:lightRig rig="threePt" dir="t"/>
+    </dgm:scene3d>
+    <dgm:sp3d/>
+    <dgm:txPr/>
+    <dgm:style>
+      <a:lnRef idx="2">
+        <a:scrgbClr r="0" g="0" b="0"/>
+      </a:lnRef>
+      <a:fillRef idx="1">
+        <a:scrgbClr r="0" g="0" b="0"/>
+      </a:fillRef>
+      <a:effectRef idx="0">
+        <a:scrgbClr r="0" g="0" b="0"/>
+      </a:effectRef>
+      <a:fontRef idx="minor"/>
+    </dgm:style>
+  </dgm:styleLbl>
+  <dgm:styleLbl name="sibTrans2D1">
+    <dgm:scene3d>
+      <a:camera prst="orthographicFront"/>
+      <a:lightRig rig="threePt" dir="t"/>
+    </dgm:scene3d>
+    <dgm:sp3d/>
+    <dgm:txPr/>
+    <dgm:style>
+      <a:lnRef idx="0">
+        <a:scrgbClr r="0" g="0" b="0"/>
+      </a:lnRef>
+      <a:fillRef idx="1">
+        <a:scrgbClr r="0" g="0" b="0"/>
+      </a:fillRef>
+      <a:effectRef idx="0">
+        <a:scrgbClr r="0" g="0" b="0"/>
+      </a:effectRef>
+      <a:fontRef idx="minor">
+        <a:schemeClr val="lt1"/>
+      </a:fontRef>
+    </dgm:style>
+  </dgm:styleLbl>
+  <dgm:styleLbl name="fgSibTrans2D1">
+    <dgm:scene3d>
+      <a:camera prst="orthographicFront"/>
+      <a:lightRig rig="threePt" dir="t"/>
+    </dgm:scene3d>
+    <dgm:sp3d/>
+    <dgm:txPr/>
+    <dgm:style>
+      <a:lnRef idx="0">
+        <a:scrgbClr r="0" g="0" b="0"/>
+      </a:lnRef>
+      <a:fillRef idx="1">
+        <a:scrgbClr r="0" g="0" b="0"/>
+      </a:fillRef>
+      <a:effectRef idx="0">
+        <a:scrgbClr r="0" g="0" b="0"/>
+      </a:effectRef>
+      <a:fontRef idx="minor">
+        <a:schemeClr val="lt1"/>
+      </a:fontRef>
+    </dgm:style>
+  </dgm:styleLbl>
+  <dgm:styleLbl name="bgSibTrans2D1">
+    <dgm:scene3d>
+      <a:camera prst="orthographicFront"/>
+      <a:lightRig rig="threePt" dir="t"/>
+    </dgm:scene3d>
+    <dgm:sp3d/>
+    <dgm:txPr/>
+    <dgm:style>
+      <a:lnRef idx="0">
+        <a:scrgbClr r="0" g="0" b="0"/>
+      </a:lnRef>
+      <a:fillRef idx="1">
+        <a:scrgbClr r="0" g="0" b="0"/>
+      </a:fillRef>
+      <a:effectRef idx="0">
+        <a:scrgbClr r="0" g="0" b="0"/>
+      </a:effectRef>
+      <a:fontRef idx="minor">
+        <a:schemeClr val="lt1"/>
+      </a:fontRef>
+    </dgm:style>
+  </dgm:styleLbl>
+  <dgm:styleLbl name="sibTrans1D1">
+    <dgm:scene3d>
+      <a:camera prst="orthographicFront"/>
+      <a:lightRig rig="threePt" dir="t"/>
+    </dgm:scene3d>
+    <dgm:sp3d/>
+    <dgm:txPr/>
+    <dgm:style>
+      <a:lnRef idx="1">
+        <a:scrgbClr r="0" g="0" b="0"/>
+      </a:lnRef>
+      <a:fillRef idx="0">
+        <a:scrgbClr r="0" g="0" b="0"/>
+      </a:fillRef>
+      <a:effectRef idx="0">
+        <a:scrgbClr r="0" g="0" b="0"/>
+      </a:effectRef>
+      <a:fontRef idx="minor"/>
+    </dgm:style>
+  </dgm:styleLbl>
+  <dgm:styleLbl name="callout">
+    <dgm:scene3d>
+      <a:camera prst="orthographicFront"/>
+      <a:lightRig rig="threePt" dir="t"/>
+    </dgm:scene3d>
+    <dgm:sp3d/>
+    <dgm:txPr/>
+    <dgm:style>
+      <a:lnRef idx="2">
+        <a:scrgbClr r="0" g="0" b="0"/>
+      </a:lnRef>
+      <a:fillRef idx="1">
+        <a:scrgbClr r="0" g="0" b="0"/>
+      </a:fillRef>
+      <a:effectRef idx="0">
+        <a:scrgbClr r="0" g="0" b="0"/>
+      </a:effectRef>
+      <a:fontRef idx="minor"/>
+    </dgm:style>
+  </dgm:styleLbl>
+  <dgm:styleLbl name="asst0">
+    <dgm:scene3d>
+      <a:camera prst="orthographicFront"/>
+      <a:lightRig rig="threePt" dir="t"/>
+    </dgm:scene3d>
+    <dgm:sp3d/>
+    <dgm:txPr/>
+    <dgm:style>
+      <a:lnRef idx="2">
+        <a:scrgbClr r="0" g="0" b="0"/>
+      </a:lnRef>
+      <a:fillRef idx="1">
+        <a:scrgbClr r="0" g="0" b="0"/>
+      </a:fillRef>
+      <a:effectRef idx="0">
+        <a:scrgbClr r="0" g="0" b="0"/>
+      </a:effectRef>
+      <a:fontRef idx="minor">
+        <a:schemeClr val="lt1"/>
+      </a:fontRef>
+    </dgm:style>
+  </dgm:styleLbl>
+  <dgm:styleLbl name="asst1">
+    <dgm:scene3d>
+      <a:camera prst="orthographicFront"/>
+      <a:lightRig rig="threePt" dir="t"/>
+    </dgm:scene3d>
+    <dgm:sp3d/>
+    <dgm:txPr/>
+    <dgm:style>
+      <a:lnRef idx="2">
+        <a:scrgbClr r="0" g="0" b="0"/>
+      </a:lnRef>
+      <a:fillRef idx="1">
+        <a:scrgbClr r="0" g="0" b="0"/>
+      </a:fillRef>
+      <a:effectRef idx="0">
+        <a:scrgbClr r="0" g="0" b="0"/>
+      </a:effectRef>
+      <a:fontRef idx="minor">
+        <a:schemeClr val="lt1"/>
+      </a:fontRef>
+    </dgm:style>
+  </dgm:styleLbl>
+  <dgm:styleLbl name="asst2">
+    <dgm:scene3d>
+      <a:camera prst="orthographicFront"/>
+      <a:lightRig rig="threePt" dir="t"/>
+    </dgm:scene3d>
+    <dgm:sp3d/>
+    <dgm:txPr/>
+    <dgm:style>
+      <a:lnRef idx="2">
+        <a:scrgbClr r="0" g="0" b="0"/>
+      </a:lnRef>
+      <a:fillRef idx="1">
+        <a:scrgbClr r="0" g="0" b="0"/>
+      </a:fillRef>
+      <a:effectRef idx="0">
+        <a:scrgbClr r="0" g="0" b="0"/>
+      </a:effectRef>
+      <a:fontRef idx="minor">
+        <a:schemeClr val="lt1"/>
+      </a:fontRef>
+    </dgm:style>
+  </dgm:styleLbl>
+  <dgm:styleLbl name="asst3">
+    <dgm:scene3d>
+      <a:camera prst="orthographicFront"/>
+      <a:lightRig rig="threePt" dir="t"/>
+    </dgm:scene3d>
+    <dgm:sp3d/>
+    <dgm:txPr/>
+    <dgm:style>
+      <a:lnRef idx="2">
+        <a:scrgbClr r="0" g="0" b="0"/>
+      </a:lnRef>
+      <a:fillRef idx="1">
+        <a:scrgbClr r="0" g="0" b="0"/>
+      </a:fillRef>
+      <a:effectRef idx="0">
+        <a:scrgbClr r="0" g="0" b="0"/>
+      </a:effectRef>
+      <a:fontRef idx="minor">
+        <a:schemeClr val="lt1"/>
+      </a:fontRef>
+    </dgm:style>
+  </dgm:styleLbl>
+  <dgm:styleLbl name="asst4">
+    <dgm:scene3d>
+      <a:camera prst="orthographicFront"/>
+      <a:lightRig rig="threePt" dir="t"/>
+    </dgm:scene3d>
+    <dgm:sp3d/>
+    <dgm:txPr/>
+    <dgm:style>
+      <a:lnRef idx="2">
+        <a:scrgbClr r="0" g="0" b="0"/>
+      </a:lnRef>
+      <a:fillRef idx="1">
+        <a:scrgbClr r="0" g="0" b="0"/>
+      </a:fillRef>
+      <a:effectRef idx="0">
+        <a:scrgbClr r="0" g="0" b="0"/>
+      </a:effectRef>
+      <a:fontRef idx="minor">
+        <a:schemeClr val="lt1"/>
+      </a:fontRef>
+    </dgm:style>
+  </dgm:styleLbl>
+  <dgm:styleLbl name="parChTrans2D1">
+    <dgm:scene3d>
+      <a:camera prst="orthographicFront"/>
+      <a:lightRig rig="threePt" dir="t"/>
+    </dgm:scene3d>
+    <dgm:sp3d/>
+    <dgm:txPr/>
+    <dgm:style>
+      <a:lnRef idx="2">
+        <a:scrgbClr r="0" g="0" b="0"/>
+      </a:lnRef>
+      <a:fillRef idx="1">
+        <a:scrgbClr r="0" g="0" b="0"/>
+      </a:fillRef>
+      <a:effectRef idx="0">
+        <a:scrgbClr r="0" g="0" b="0"/>
+      </a:effectRef>
+      <a:fontRef idx="minor">
+        <a:schemeClr val="lt1"/>
+      </a:fontRef>
+    </dgm:style>
+  </dgm:styleLbl>
+  <dgm:styleLbl name="parChTrans2D2">
+    <dgm:scene3d>
+      <a:camera prst="orthographicFront"/>
+      <a:lightRig rig="threePt" dir="t"/>
+    </dgm:scene3d>
+    <dgm:sp3d/>
+    <dgm:txPr/>
+    <dgm:style>
+      <a:lnRef idx="2">
+        <a:scrgbClr r="0" g="0" b="0"/>
+      </a:lnRef>
+      <a:fillRef idx="1">
+        <a:scrgbClr r="0" g="0" b="0"/>
+      </a:fillRef>
+      <a:effectRef idx="0">
+        <a:scrgbClr r="0" g="0" b="0"/>
+      </a:effectRef>
+      <a:fontRef idx="minor">
+        <a:schemeClr val="lt1"/>
+      </a:fontRef>
+    </dgm:style>
+  </dgm:styleLbl>
+  <dgm:styleLbl name="parChTrans2D3">
+    <dgm:scene3d>
+      <a:camera prst="orthographicFront"/>
+      <a:lightRig rig="threePt" dir="t"/>
+    </dgm:scene3d>
+    <dgm:sp3d/>
+    <dgm:txPr/>
+    <dgm:style>
+      <a:lnRef idx="2">
+        <a:scrgbClr r="0" g="0" b="0"/>
+      </a:lnRef>
+      <a:fillRef idx="1">
+        <a:scrgbClr r="0" g="0" b="0"/>
+      </a:fillRef>
+      <a:effectRef idx="0">
+        <a:scrgbClr r="0" g="0" b="0"/>
+      </a:effectRef>
+      <a:fontRef idx="minor">
+        <a:schemeClr val="lt1"/>
+      </a:fontRef>
+    </dgm:style>
+  </dgm:styleLbl>
+  <dgm:styleLbl name="parChTrans2D4">
+    <dgm:scene3d>
+      <a:camera prst="orthographicFront"/>
+      <a:lightRig rig="threePt" dir="t"/>
+    </dgm:scene3d>
+    <dgm:sp3d/>
+    <dgm:txPr/>
+    <dgm:style>
+      <a:lnRef idx="2">
+        <a:scrgbClr r="0" g="0" b="0"/>
+      </a:lnRef>
+      <a:fillRef idx="1">
+        <a:scrgbClr r="0" g="0" b="0"/>
+      </a:fillRef>
+      <a:effectRef idx="0">
+        <a:scrgbClr r="0" g="0" b="0"/>
+      </a:effectRef>
+      <a:fontRef idx="minor">
+        <a:schemeClr val="lt1"/>
+      </a:fontRef>
+    </dgm:style>
+  </dgm:styleLbl>
+  <dgm:styleLbl name="parChTrans1D1">
+    <dgm:scene3d>
+      <a:camera prst="orthographicFront"/>
+      <a:lightRig rig="threePt" dir="t"/>
+    </dgm:scene3d>
+    <dgm:sp3d/>
+    <dgm:txPr/>
+    <dgm:style>
+      <a:lnRef idx="2">
+        <a:scrgbClr r="0" g="0" b="0"/>
+      </a:lnRef>
+      <a:fillRef idx="0">
+        <a:scrgbClr r="0" g="0" b="0"/>
+      </a:fillRef>
+      <a:effectRef idx="0">
+        <a:scrgbClr r="0" g="0" b="0"/>
+      </a:effectRef>
+      <a:fontRef idx="minor"/>
+    </dgm:style>
+  </dgm:styleLbl>
+  <dgm:styleLbl name="parChTrans1D2">
+    <dgm:scene3d>
+      <a:camera prst="orthographicFront"/>
+      <a:lightRig rig="threePt" dir="t"/>
+    </dgm:scene3d>
+    <dgm:sp3d/>
+    <dgm:txPr/>
+    <dgm:style>
+      <a:lnRef idx="2">
+        <a:scrgbClr r="0" g="0" b="0"/>
+      </a:lnRef>
+      <a:fillRef idx="0">
+        <a:scrgbClr r="0" g="0" b="0"/>
+      </a:fillRef>
+      <a:effectRef idx="0">
+        <a:scrgbClr r="0" g="0" b="0"/>
+      </a:effectRef>
+      <a:fontRef idx="minor"/>
+    </dgm:style>
+  </dgm:styleLbl>
+  <dgm:styleLbl name="parChTrans1D3">
+    <dgm:scene3d>
+      <a:camera prst="orthographicFront"/>
+      <a:lightRig rig="threePt" dir="t"/>
+    </dgm:scene3d>
+    <dgm:sp3d/>
+    <dgm:txPr/>
+    <dgm:style>
+      <a:lnRef idx="2">
+        <a:scrgbClr r="0" g="0" b="0"/>
+      </a:lnRef>
+      <a:fillRef idx="0">
+        <a:scrgbClr r="0" g="0" b="0"/>
+      </a:fillRef>
+      <a:effectRef idx="0">
+        <a:scrgbClr r="0" g="0" b="0"/>
+      </a:effectRef>
+      <a:fontRef idx="minor"/>
+    </dgm:style>
+  </dgm:styleLbl>
+  <dgm:styleLbl name="parChTrans1D4">
+    <dgm:scene3d>
+      <a:camera prst="orthographicFront"/>
+      <a:lightRig rig="threePt" dir="t"/>
+    </dgm:scene3d>
+    <dgm:sp3d/>
+    <dgm:txPr/>
+    <dgm:style>
+      <a:lnRef idx="2">
+        <a:scrgbClr r="0" g="0" b="0"/>
+      </a:lnRef>
+      <a:fillRef idx="0">
+        <a:scrgbClr r="0" g="0" b="0"/>
+      </a:fillRef>
+      <a:effectRef idx="0">
+        <a:scrgbClr r="0" g="0" b="0"/>
+      </a:effectRef>
+      <a:fontRef idx="minor"/>
+    </dgm:style>
+  </dgm:styleLbl>
+  <dgm:styleLbl name="fgAcc1">
+    <dgm:scene3d>
+      <a:camera prst="orthographicFront"/>
+      <a:lightRig rig="threePt" dir="t"/>
+    </dgm:scene3d>
+    <dgm:sp3d/>
+    <dgm:txPr/>
+    <dgm:style>
+      <a:lnRef idx="2">
+        <a:scrgbClr r="0" g="0" b="0"/>
+      </a:lnRef>
+      <a:fillRef idx="1">
+        <a:scrgbClr r="0" g="0" b="0"/>
+      </a:fillRef>
+      <a:effectRef idx="0">
+        <a:scrgbClr r="0" g="0" b="0"/>
+      </a:effectRef>
+      <a:fontRef idx="minor"/>
+    </dgm:style>
+  </dgm:styleLbl>
+  <dgm:styleLbl name="conFgAcc1">
+    <dgm:scene3d>
+      <a:camera prst="orthographicFront"/>
+      <a:lightRig rig="threePt" dir="t"/>
+    </dgm:scene3d>
+    <dgm:sp3d/>
+    <dgm:txPr/>
+    <dgm:style>
+      <a:lnRef idx="2">
+        <a:scrgbClr r="0" g="0" b="0"/>
+      </a:lnRef>
+      <a:fillRef idx="1">
+        <a:scrgbClr r="0" g="0" b="0"/>
+      </a:fillRef>
+      <a:effectRef idx="0">
+        <a:scrgbClr r="0" g="0" b="0"/>
+      </a:effectRef>
+      <a:fontRef idx="minor"/>
+    </dgm:style>
+  </dgm:styleLbl>
+  <dgm:styleLbl name="alignAcc1">
+    <dgm:scene3d>
+      <a:camera prst="orthographicFront"/>
+      <a:lightRig rig="threePt" dir="t"/>
+    </dgm:scene3d>
+    <dgm:sp3d/>
+    <dgm:txPr/>
+    <dgm:style>
+      <a:lnRef idx="2">
+        <a:scrgbClr r="0" g="0" b="0"/>
+      </a:lnRef>
+      <a:fillRef idx="1">
+        <a:scrgbClr r="0" g="0" b="0"/>
+      </a:fillRef>
+      <a:effectRef idx="0">
+        <a:scrgbClr r="0" g="0" b="0"/>
+      </a:effectRef>
+      <a:fontRef idx="minor"/>
+    </dgm:style>
+  </dgm:styleLbl>
+  <dgm:styleLbl name="trAlignAcc1">
+    <dgm:scene3d>
+      <a:camera prst="orthographicFront"/>
+      <a:lightRig rig="threePt" dir="t"/>
+    </dgm:scene3d>
+    <dgm:sp3d/>
+    <dgm:txPr/>
+    <dgm:style>
+      <a:lnRef idx="1">
+        <a:scrgbClr r="0" g="0" b="0"/>
+      </a:lnRef>
+      <a:fillRef idx="1">
+        <a:scrgbClr r="0" g="0" b="0"/>
+      </a:fillRef>
+      <a:effectRef idx="0">
+        <a:scrgbClr r="0" g="0" b="0"/>
+      </a:effectRef>
+      <a:fontRef idx="minor"/>
+    </dgm:style>
+  </dgm:styleLbl>
+  <dgm:styleLbl name="bgAcc1">
+    <dgm:scene3d>
+      <a:camera prst="orthographicFront"/>
+      <a:lightRig rig="threePt" dir="t"/>
+    </dgm:scene3d>
+    <dgm:sp3d/>
+    <dgm:txPr/>
+    <dgm:style>
+      <a:lnRef idx="2">
+        <a:scrgbClr r="0" g="0" b="0"/>
+      </a:lnRef>
+      <a:fillRef idx="1">
+        <a:scrgbClr r="0" g="0" b="0"/>
+      </a:fillRef>
+      <a:effectRef idx="0">
+        <a:scrgbClr r="0" g="0" b="0"/>
+      </a:effectRef>
+      <a:fontRef idx="minor"/>
+    </dgm:style>
+  </dgm:styleLbl>
+  <dgm:styleLbl name="solidFgAcc1">
+    <dgm:scene3d>
+      <a:camera prst="orthographicFront"/>
+      <a:lightRig rig="threePt" dir="t"/>
+    </dgm:scene3d>
+    <dgm:sp3d/>
+    <dgm:txPr/>
+    <dgm:style>
+      <a:lnRef idx="2">
+        <a:scrgbClr r="0" g="0" b="0"/>
+      </a:lnRef>
+      <a:fillRef idx="1">
+        <a:scrgbClr r="0" g="0" b="0"/>
+      </a:fillRef>
+      <a:effectRef idx="0">
+        <a:scrgbClr r="0" g="0" b="0"/>
+      </a:effectRef>
+      <a:fontRef idx="minor"/>
+    </dgm:style>
+  </dgm:styleLbl>
+  <dgm:styleLbl name="solidAlignAcc1">
+    <dgm:scene3d>
+      <a:camera prst="orthographicFront"/>
+      <a:lightRig rig="threePt" dir="t"/>
+    </dgm:scene3d>
+    <dgm:sp3d/>
+    <dgm:txPr/>
+    <dgm:style>
+      <a:lnRef idx="2">
+        <a:scrgbClr r="0" g="0" b="0"/>
+      </a:lnRef>
+      <a:fillRef idx="1">
+        <a:scrgbClr r="0" g="0" b="0"/>
+      </a:fillRef>
+      <a:effectRef idx="0">
+        <a:scrgbClr r="0" g="0" b="0"/>
+      </a:effectRef>
+      <a:fontRef idx="minor"/>
+    </dgm:style>
+  </dgm:styleLbl>
+  <dgm:styleLbl name="solidBgAcc1">
+    <dgm:scene3d>
+      <a:camera prst="orthographicFront"/>
+      <a:lightRig rig="threePt" dir="t"/>
+    </dgm:scene3d>
+    <dgm:sp3d/>
+    <dgm:txPr/>
+    <dgm:style>
+      <a:lnRef idx="2">
+        <a:scrgbClr r="0" g="0" b="0"/>
+      </a:lnRef>
+      <a:fillRef idx="1">
+        <a:scrgbClr r="0" g="0" b="0"/>
+      </a:fillRef>
+      <a:effectRef idx="0">
+        <a:scrgbClr r="0" g="0" b="0"/>
+      </a:effectRef>
+      <a:fontRef idx="minor"/>
+    </dgm:style>
+  </dgm:styleLbl>
+  <dgm:styleLbl name="fgAccFollowNode1">
+    <dgm:scene3d>
+      <a:camera prst="orthographicFront"/>
+      <a:lightRig rig="threePt" dir="t"/>
+    </dgm:scene3d>
+    <dgm:sp3d/>
+    <dgm:txPr/>
+    <dgm:style>
+      <a:lnRef idx="2">
+        <a:scrgbClr r="0" g="0" b="0"/>
+      </a:lnRef>
+      <a:fillRef idx="1">
+        <a:scrgbClr r="0" g="0" b="0"/>
+      </a:fillRef>
+      <a:effectRef idx="0">
+        <a:scrgbClr r="0" g="0" b="0"/>
+      </a:effectRef>
+      <a:fontRef idx="minor"/>
+    </dgm:style>
+  </dgm:styleLbl>
+  <dgm:styleLbl name="alignAccFollowNode1">
+    <dgm:scene3d>
+      <a:camera prst="orthographicFront"/>
+      <a:lightRig rig="threePt" dir="t"/>
+    </dgm:scene3d>
+    <dgm:sp3d/>
+    <dgm:txPr/>
+    <dgm:style>
+      <a:lnRef idx="2">
+        <a:scrgbClr r="0" g="0" b="0"/>
+      </a:lnRef>
+      <a:fillRef idx="1">
+        <a:scrgbClr r="0" g="0" b="0"/>
+      </a:fillRef>
+      <a:effectRef idx="0">
+        <a:scrgbClr r="0" g="0" b="0"/>
+      </a:effectRef>
+      <a:fontRef idx="minor"/>
+    </dgm:style>
+  </dgm:styleLbl>
+  <dgm:styleLbl name="bgAccFollowNode1">
+    <dgm:scene3d>
+      <a:camera prst="orthographicFront"/>
+      <a:lightRig rig="threePt" dir="t"/>
+    </dgm:scene3d>
+    <dgm:sp3d/>
+    <dgm:txPr/>
+    <dgm:style>
+      <a:lnRef idx="2">
+        <a:scrgbClr r="0" g="0" b="0"/>
+      </a:lnRef>
+      <a:fillRef idx="1">
+        <a:scrgbClr r="0" g="0" b="0"/>
+      </a:fillRef>
+      <a:effectRef idx="0">
+        <a:scrgbClr r="0" g="0" b="0"/>
+      </a:effectRef>
+      <a:fontRef idx="minor"/>
+    </dgm:style>
+  </dgm:styleLbl>
+  <dgm:styleLbl name="fgAcc0">
+    <dgm:scene3d>
+      <a:camera prst="orthographicFront"/>
+      <a:lightRig rig="threePt" dir="t"/>
+    </dgm:scene3d>
+    <dgm:sp3d/>
+    <dgm:txPr/>
+    <dgm:style>
+      <a:lnRef idx="2">
+        <a:scrgbClr r="0" g="0" b="0"/>
+      </a:lnRef>
+      <a:fillRef idx="1">
+        <a:scrgbClr r="0" g="0" b="0"/>
+      </a:fillRef>
+      <a:effectRef idx="0">
+        <a:scrgbClr r="0" g="0" b="0"/>
+      </a:effectRef>
+      <a:fontRef idx="minor"/>
+    </dgm:style>
+  </dgm:styleLbl>
+  <dgm:styleLbl name="fgAcc2">
+    <dgm:scene3d>
+      <a:camera prst="orthographicFront"/>
+      <a:lightRig rig="threePt" dir="t"/>
+    </dgm:scene3d>
+    <dgm:sp3d/>
+    <dgm:txPr/>
+    <dgm:style>
+      <a:lnRef idx="2">
+        <a:scrgbClr r="0" g="0" b="0"/>
+      </a:lnRef>
+      <a:fillRef idx="1">
+        <a:scrgbClr r="0" g="0" b="0"/>
+      </a:fillRef>
+      <a:effectRef idx="0">
+        <a:scrgbClr r="0" g="0" b="0"/>
+      </a:effectRef>
+      <a:fontRef idx="minor"/>
+    </dgm:style>
+  </dgm:styleLbl>
+  <dgm:styleLbl name="fgAcc3">
+    <dgm:scene3d>
+      <a:camera prst="orthographicFront"/>
+      <a:lightRig rig="threePt" dir="t"/>
+    </dgm:scene3d>
+    <dgm:sp3d/>
+    <dgm:txPr/>
+    <dgm:style>
+      <a:lnRef idx="2">
+        <a:scrgbClr r="0" g="0" b="0"/>
+      </a:lnRef>
+      <a:fillRef idx="1">
+        <a:scrgbClr r="0" g="0" b="0"/>
+      </a:fillRef>
+      <a:effectRef idx="0">
+        <a:scrgbClr r="0" g="0" b="0"/>
+      </a:effectRef>
+      <a:fontRef idx="minor"/>
+    </dgm:style>
+  </dgm:styleLbl>
+  <dgm:styleLbl name="fgAcc4">
+    <dgm:scene3d>
+      <a:camera prst="orthographicFront"/>
+      <a:lightRig rig="threePt" dir="t"/>
+    </dgm:scene3d>
+    <dgm:sp3d/>
+    <dgm:txPr/>
+    <dgm:style>
+      <a:lnRef idx="2">
+        <a:scrgbClr r="0" g="0" b="0"/>
+      </a:lnRef>
+      <a:fillRef idx="1">
+        <a:scrgbClr r="0" g="0" b="0"/>
+      </a:fillRef>
+      <a:effectRef idx="0">
+        <a:scrgbClr r="0" g="0" b="0"/>
+      </a:effectRef>
+      <a:fontRef idx="minor"/>
+    </dgm:style>
+  </dgm:styleLbl>
+  <dgm:styleLbl name="bgShp">
+    <dgm:scene3d>
+      <a:camera prst="orthographicFront"/>
+      <a:lightRig rig="threePt" dir="t"/>
+    </dgm:scene3d>
+    <dgm:sp3d/>
+    <dgm:txPr/>
+    <dgm:style>
+      <a:lnRef idx="0">
+        <a:scrgbClr r="0" g="0" b="0"/>
+      </a:lnRef>
+      <a:fillRef idx="1">
+        <a:scrgbClr r="0" g="0" b="0"/>
+      </a:fillRef>
+      <a:effectRef idx="0">
+        <a:scrgbClr r="0" g="0" b="0"/>
+      </a:effectRef>
+      <a:fontRef idx="minor"/>
+    </dgm:style>
+  </dgm:styleLbl>
+  <dgm:styleLbl name="dkBgShp">
+    <dgm:scene3d>
+      <a:camera prst="orthographicFront"/>
+      <a:lightRig rig="threePt" dir="t"/>
+    </dgm:scene3d>
+    <dgm:sp3d/>
+    <dgm:txPr/>
+    <dgm:style>
+      <a:lnRef idx="0">
+        <a:scrgbClr r="0" g="0" b="0"/>
+      </a:lnRef>
+      <a:fillRef idx="1">
+        <a:scrgbClr r="0" g="0" b="0"/>
+      </a:fillRef>
+      <a:effectRef idx="0">
+        <a:scrgbClr r="0" g="0" b="0"/>
+      </a:effectRef>
+      <a:fontRef idx="minor"/>
+    </dgm:style>
+  </dgm:styleLbl>
+  <dgm:styleLbl name="trBgShp">
+    <dgm:scene3d>
+      <a:camera prst="orthographicFront"/>
+      <a:lightRig rig="threePt" dir="t"/>
+    </dgm:scene3d>
+    <dgm:sp3d/>
+    <dgm:txPr/>
+    <dgm:style>
+      <a:lnRef idx="0">
+        <a:scrgbClr r="0" g="0" b="0"/>
+      </a:lnRef>
+      <a:fillRef idx="1">
+        <a:scrgbClr r="0" g="0" b="0"/>
+      </a:fillRef>
+      <a:effectRef idx="0">
+        <a:scrgbClr r="0" g="0" b="0"/>
+      </a:effectRef>
+      <a:fontRef idx="minor"/>
+    </dgm:style>
+  </dgm:styleLbl>
+  <dgm:styleLbl name="fgShp">
+    <dgm:scene3d>
+      <a:camera prst="orthographicFront"/>
+      <a:lightRig rig="threePt" dir="t"/>
+    </dgm:scene3d>
+    <dgm:sp3d/>
+    <dgm:txPr/>
+    <dgm:style>
+      <a:lnRef idx="2">
+        <a:scrgbClr r="0" g="0" b="0"/>
+      </a:lnRef>
+      <a:fillRef idx="1">
+        <a:scrgbClr r="0" g="0" b="0"/>
+      </a:fillRef>
+      <a:effectRef idx="0">
+        <a:scrgbClr r="0" g="0" b="0"/>
+      </a:effectRef>
+      <a:fontRef idx="minor"/>
+    </dgm:style>
+  </dgm:styleLbl>
+  <dgm:styleLbl name="revTx">
+    <dgm:scene3d>
+      <a:camera prst="orthographicFront"/>
+      <a:lightRig rig="threePt" dir="t"/>
+    </dgm:scene3d>
+    <dgm:sp3d/>
+    <dgm:txPr/>
+    <dgm:style>
+      <a:lnRef idx="0">
+        <a:scrgbClr r="0" g="0" b="0"/>
+      </a:lnRef>
+      <a:fillRef idx="0">
+        <a:scrgbClr r="0" g="0" b="0"/>
+      </a:fillRef>
+      <a:effectRef idx="0">
+        <a:scrgbClr r="0" g="0" b="0"/>
+      </a:effectRef>
+      <a:fontRef idx="minor"/>
+    </dgm:style>
+  </dgm:styleLbl>
+</dgm:styleDef>
+</file>
+
 <file path=ppt/notesMasters/notesMaster1.xml><?xml version="1.0" encoding="utf-8"?>
 <p:notesMaster xmlns:a="http://schemas.openxmlformats.org/drawingml/2006/main" xmlns:r="http://schemas.openxmlformats.org/officeDocument/2006/relationships" xmlns:p="http://schemas.openxmlformats.org/presentationml/2006/main">
   <p:cSld>
@@ -212,7 +3227,7 @@
           <a:p>
             <a:fld id="{3389243F-B1BB-4202-BD78-416ACA555174}" type="datetimeFigureOut">
               <a:rPr lang="en-US" smtClean="0"/>
-              <a:t>6/3/19</a:t>
+              <a:t>6/3/2019</a:t>
             </a:fld>
             <a:endParaRPr lang="en-US" dirty="0"/>
           </a:p>
@@ -523,7 +3538,92 @@
           <a:bodyPr/>
           <a:lstStyle/>
           <a:p>
-            <a:endParaRPr lang="en-US" dirty="0"/>
+            <a:r>
+              <a:rPr lang="en-US" dirty="0"/>
+              <a:t>Realm popular DB</a:t>
+            </a:r>
+          </a:p>
+          <a:p>
+            <a:r>
+              <a:rPr lang="en-US" dirty="0"/>
+              <a:t>Room is new DB from GG</a:t>
+            </a:r>
+          </a:p>
+          <a:p>
+            <a:r>
+              <a:rPr lang="en-US" dirty="0" err="1"/>
+              <a:t>ObjectBox</a:t>
+            </a:r>
+            <a:r>
+              <a:rPr lang="en-US" dirty="0"/>
+              <a:t> is DB from </a:t>
+            </a:r>
+            <a:r>
+              <a:rPr lang="en-US" dirty="0" err="1"/>
+              <a:t>GreenBot</a:t>
+            </a:r>
+            <a:r>
+              <a:rPr lang="en-US" dirty="0"/>
+              <a:t> , After look some comparison on Internet I decide to add it inside this talk</a:t>
+            </a:r>
+          </a:p>
+          <a:p>
+            <a:pPr marL="0" marR="0" lvl="0" indent="0" algn="l" defTabSz="914400" rtl="0" eaLnBrk="1" fontAlgn="auto" latinLnBrk="0" hangingPunct="1">
+              <a:lnSpc>
+                <a:spcPct val="100000"/>
+              </a:lnSpc>
+              <a:spcBef>
+                <a:spcPts val="0"/>
+              </a:spcBef>
+              <a:spcAft>
+                <a:spcPts val="0"/>
+              </a:spcAft>
+              <a:buClrTx/>
+              <a:buSzTx/>
+              <a:buFontTx/>
+              <a:buNone/>
+              <a:tabLst/>
+              <a:defRPr/>
+            </a:pPr>
+            <a:br>
+              <a:rPr lang="en-US" dirty="0"/>
+            </a:br>
+            <a:r>
+              <a:rPr lang="en-US" dirty="0"/>
+              <a:t>-DB versioning to handle </a:t>
+            </a:r>
+            <a:r>
+              <a:rPr lang="en-US" sz="1200" b="0" i="0" kern="1200" dirty="0">
+                <a:solidFill>
+                  <a:schemeClr val="tx1"/>
+                </a:solidFill>
+                <a:effectLst/>
+                <a:latin typeface="+mn-lt"/>
+                <a:ea typeface="+mn-ea"/>
+                <a:cs typeface="+mn-cs"/>
+              </a:rPr>
+              <a:t>A system where we can defer changes – recording them, and applying them later.</a:t>
+            </a:r>
+          </a:p>
+          <a:p>
+            <a:pPr marL="171450" indent="-171450">
+              <a:buFontTx/>
+              <a:buChar char="-"/>
+            </a:pPr>
+            <a:r>
+              <a:rPr lang="en-US" dirty="0"/>
+              <a:t>DB migration to handle when we need upgraded the database like add more field, edit type of field ,…</a:t>
+            </a:r>
+          </a:p>
+          <a:p>
+            <a:pPr marL="171450" indent="-171450">
+              <a:buFontTx/>
+              <a:buChar char="-"/>
+            </a:pPr>
+            <a:r>
+              <a:rPr lang="en-US" dirty="0"/>
+              <a:t>Challenge of migration: data can be loss or corruption , security,..</a:t>
+            </a:r>
           </a:p>
         </p:txBody>
       </p:sp>
@@ -607,6 +3707,38 @@
           <a:bodyPr/>
           <a:lstStyle/>
           <a:p>
+            <a:r>
+              <a:rPr lang="en-US" dirty="0"/>
+              <a:t>TWO THOUSAND TEN, Actually I just known his name a few day ago </a:t>
+            </a:r>
+            <a:r>
+              <a:rPr lang="en-US" dirty="0">
+                <a:sym typeface="Wingdings" panose="05000000000000000000" pitchFamily="2" charset="2"/>
+              </a:rPr>
+              <a:t></a:t>
+            </a:r>
+            <a:endParaRPr lang="en-US" dirty="0"/>
+          </a:p>
+          <a:p>
+            <a:r>
+              <a:rPr lang="en-US" dirty="0"/>
+              <a:t>TWO THOUSAND EIGHTEEN </a:t>
+            </a:r>
+          </a:p>
+          <a:p>
+            <a:r>
+              <a:rPr lang="en-US" dirty="0"/>
+              <a:t>TWO THOUSAND SEVENTEEN </a:t>
+            </a:r>
+            <a:br>
+              <a:rPr lang="en-US" dirty="0"/>
+            </a:br>
+            <a:r>
+              <a:rPr lang="en-US" dirty="0"/>
+              <a:t>Ok Let Move, next step about comparison three library</a:t>
+            </a:r>
+          </a:p>
+          <a:p>
             <a:endParaRPr lang="en-US" dirty="0"/>
           </a:p>
         </p:txBody>
@@ -638,6 +3770,333 @@
     <p:extLst>
       <p:ext uri="{BB962C8B-B14F-4D97-AF65-F5344CB8AC3E}">
         <p14:creationId xmlns:p14="http://schemas.microsoft.com/office/powerpoint/2010/main" val="426723664"/>
+      </p:ext>
+    </p:extLst>
+  </p:cSld>
+  <p:clrMapOvr>
+    <a:masterClrMapping/>
+  </p:clrMapOvr>
+</p:notes>
+</file>
+
+<file path=ppt/notesSlides/notesSlide3.xml><?xml version="1.0" encoding="utf-8"?>
+<p:notes xmlns:a="http://schemas.openxmlformats.org/drawingml/2006/main" xmlns:r="http://schemas.openxmlformats.org/officeDocument/2006/relationships" xmlns:p="http://schemas.openxmlformats.org/presentationml/2006/main">
+  <p:cSld>
+    <p:spTree>
+      <p:nvGrpSpPr>
+        <p:cNvPr id="1" name=""/>
+        <p:cNvGrpSpPr/>
+        <p:nvPr/>
+      </p:nvGrpSpPr>
+      <p:grpSpPr>
+        <a:xfrm>
+          <a:off x="0" y="0"/>
+          <a:ext cx="0" cy="0"/>
+          <a:chOff x="0" y="0"/>
+          <a:chExt cx="0" cy="0"/>
+        </a:xfrm>
+      </p:grpSpPr>
+      <p:sp>
+        <p:nvSpPr>
+          <p:cNvPr id="2" name="Slide Image Placeholder 1"/>
+          <p:cNvSpPr>
+            <a:spLocks noGrp="1" noRot="1" noChangeAspect="1"/>
+          </p:cNvSpPr>
+          <p:nvPr>
+            <p:ph type="sldImg"/>
+          </p:nvPr>
+        </p:nvSpPr>
+        <p:spPr/>
+      </p:sp>
+      <p:sp>
+        <p:nvSpPr>
+          <p:cNvPr id="3" name="Notes Placeholder 2"/>
+          <p:cNvSpPr>
+            <a:spLocks noGrp="1"/>
+          </p:cNvSpPr>
+          <p:nvPr>
+            <p:ph type="body" idx="1"/>
+          </p:nvPr>
+        </p:nvSpPr>
+        <p:spPr/>
+        <p:txBody>
+          <a:bodyPr/>
+          <a:lstStyle/>
+          <a:p>
+            <a:r>
+              <a:rPr lang="en-US" dirty="0"/>
+              <a:t>Look the table we can have a Image for </a:t>
+            </a:r>
+            <a:r>
+              <a:rPr lang="en-US" dirty="0" err="1"/>
+              <a:t>comparion</a:t>
+            </a:r>
+            <a:endParaRPr lang="en-US" dirty="0"/>
+          </a:p>
+          <a:p>
+            <a:endParaRPr lang="en-US" dirty="0"/>
+          </a:p>
+          <a:p>
+            <a:r>
+              <a:rPr lang="en-US" dirty="0"/>
+              <a:t>Realm Forced to use </a:t>
+            </a:r>
+            <a:r>
+              <a:rPr lang="en-US" dirty="0" err="1"/>
+              <a:t>RealmModel</a:t>
+            </a:r>
+            <a:r>
+              <a:rPr lang="en-US" dirty="0"/>
+              <a:t> for implement data class</a:t>
+            </a:r>
+          </a:p>
+          <a:p>
+            <a:endParaRPr lang="en-US" dirty="0"/>
+          </a:p>
+          <a:p>
+            <a:r>
+              <a:rPr lang="en-US" dirty="0"/>
+              <a:t>Create migration file with some code inside</a:t>
+            </a:r>
+          </a:p>
+          <a:p>
+            <a:endParaRPr lang="en-US" dirty="0"/>
+          </a:p>
+          <a:p>
+            <a:r>
+              <a:rPr lang="en-US" dirty="0"/>
+              <a:t>ONE THOUSAND THREE HUNDRED </a:t>
+            </a:r>
+          </a:p>
+          <a:p>
+            <a:endParaRPr lang="en-US" dirty="0"/>
+          </a:p>
+          <a:p>
+            <a:endParaRPr lang="en-US" dirty="0"/>
+          </a:p>
+          <a:p>
+            <a:r>
+              <a:rPr lang="en-US" dirty="0"/>
+              <a:t>Object Box -&gt; fastest why? -&gt; I’ll show u later by demo code and image compare</a:t>
+            </a:r>
+          </a:p>
+          <a:p>
+            <a:endParaRPr lang="en-US" dirty="0"/>
+          </a:p>
+          <a:p>
+            <a:r>
+              <a:rPr lang="en-US" dirty="0"/>
+              <a:t>No need migration file ? Wow sound great, we will check it later by code</a:t>
+            </a:r>
+          </a:p>
+          <a:p>
+            <a:endParaRPr lang="en-US" dirty="0"/>
+          </a:p>
+          <a:p>
+            <a:r>
+              <a:rPr lang="en-US" dirty="0"/>
+              <a:t>If you has limitation app size you can choice Room with fitty </a:t>
+            </a:r>
+            <a:r>
+              <a:rPr lang="en-US" dirty="0" err="1"/>
+              <a:t>Kb</a:t>
+            </a:r>
+            <a:r>
+              <a:rPr lang="en-US" dirty="0"/>
+              <a:t> </a:t>
+            </a:r>
+          </a:p>
+          <a:p>
+            <a:endParaRPr lang="en-US" dirty="0"/>
+          </a:p>
+          <a:p>
+            <a:r>
+              <a:rPr lang="en-US" dirty="0"/>
+              <a:t>If you hate migration manual you can choice </a:t>
+            </a:r>
+            <a:r>
+              <a:rPr lang="en-US" dirty="0" err="1"/>
+              <a:t>ObjectBox</a:t>
+            </a:r>
+            <a:endParaRPr lang="en-US" dirty="0"/>
+          </a:p>
+          <a:p>
+            <a:endParaRPr lang="en-US" dirty="0"/>
+          </a:p>
+          <a:p>
+            <a:r>
+              <a:rPr lang="en-US" dirty="0"/>
+              <a:t>So next we move to detail speed test of three library</a:t>
+            </a:r>
+          </a:p>
+          <a:p>
+            <a:br>
+              <a:rPr lang="en-US" dirty="0"/>
+            </a:br>
+            <a:endParaRPr lang="en-US" dirty="0"/>
+          </a:p>
+        </p:txBody>
+      </p:sp>
+      <p:sp>
+        <p:nvSpPr>
+          <p:cNvPr id="4" name="Slide Number Placeholder 3"/>
+          <p:cNvSpPr>
+            <a:spLocks noGrp="1"/>
+          </p:cNvSpPr>
+          <p:nvPr>
+            <p:ph type="sldNum" sz="quarter" idx="5"/>
+          </p:nvPr>
+        </p:nvSpPr>
+        <p:spPr/>
+        <p:txBody>
+          <a:bodyPr/>
+          <a:lstStyle/>
+          <a:p>
+            <a:fld id="{B68D2766-C49B-4C1A-9FEE-6F146754B02B}" type="slidenum">
+              <a:rPr lang="en-US" smtClean="0"/>
+              <a:t>3</a:t>
+            </a:fld>
+            <a:endParaRPr lang="en-US" dirty="0"/>
+          </a:p>
+        </p:txBody>
+      </p:sp>
+    </p:spTree>
+    <p:extLst>
+      <p:ext uri="{BB962C8B-B14F-4D97-AF65-F5344CB8AC3E}">
+        <p14:creationId xmlns:p14="http://schemas.microsoft.com/office/powerpoint/2010/main" val="93560846"/>
+      </p:ext>
+    </p:extLst>
+  </p:cSld>
+  <p:clrMapOvr>
+    <a:masterClrMapping/>
+  </p:clrMapOvr>
+</p:notes>
+</file>
+
+<file path=ppt/notesSlides/notesSlide4.xml><?xml version="1.0" encoding="utf-8"?>
+<p:notes xmlns:a="http://schemas.openxmlformats.org/drawingml/2006/main" xmlns:r="http://schemas.openxmlformats.org/officeDocument/2006/relationships" xmlns:p="http://schemas.openxmlformats.org/presentationml/2006/main">
+  <p:cSld>
+    <p:spTree>
+      <p:nvGrpSpPr>
+        <p:cNvPr id="1" name=""/>
+        <p:cNvGrpSpPr/>
+        <p:nvPr/>
+      </p:nvGrpSpPr>
+      <p:grpSpPr>
+        <a:xfrm>
+          <a:off x="0" y="0"/>
+          <a:ext cx="0" cy="0"/>
+          <a:chOff x="0" y="0"/>
+          <a:chExt cx="0" cy="0"/>
+        </a:xfrm>
+      </p:grpSpPr>
+      <p:sp>
+        <p:nvSpPr>
+          <p:cNvPr id="2" name="Slide Image Placeholder 1"/>
+          <p:cNvSpPr>
+            <a:spLocks noGrp="1" noRot="1" noChangeAspect="1"/>
+          </p:cNvSpPr>
+          <p:nvPr>
+            <p:ph type="sldImg"/>
+          </p:nvPr>
+        </p:nvSpPr>
+        <p:spPr/>
+      </p:sp>
+      <p:sp>
+        <p:nvSpPr>
+          <p:cNvPr id="3" name="Notes Placeholder 2"/>
+          <p:cNvSpPr>
+            <a:spLocks noGrp="1"/>
+          </p:cNvSpPr>
+          <p:nvPr>
+            <p:ph type="body" idx="1"/>
+          </p:nvPr>
+        </p:nvSpPr>
+        <p:spPr/>
+        <p:txBody>
+          <a:bodyPr/>
+          <a:lstStyle/>
+          <a:p>
+            <a:r>
+              <a:rPr lang="en-US" dirty="0"/>
+              <a:t>So interesting</a:t>
+            </a:r>
+            <a:br>
+              <a:rPr lang="en-US" dirty="0"/>
+            </a:br>
+            <a:r>
+              <a:rPr lang="en-US" dirty="0"/>
+              <a:t>Object crushes all competition  with 4x faster than Realm</a:t>
+            </a:r>
+            <a:br>
+              <a:rPr lang="en-US" dirty="0"/>
+            </a:br>
+            <a:r>
+              <a:rPr lang="en-US" dirty="0"/>
+              <a:t>and 20x faster than Room</a:t>
+            </a:r>
+            <a:br>
+              <a:rPr lang="en-US" dirty="0"/>
+            </a:br>
+            <a:r>
+              <a:rPr lang="en-US" dirty="0"/>
+              <a:t>WOW. I have all night for add </a:t>
+            </a:r>
+            <a:r>
+              <a:rPr lang="en-US" dirty="0" err="1"/>
+              <a:t>ObjectBox</a:t>
+            </a:r>
+            <a:r>
+              <a:rPr lang="en-US" dirty="0"/>
+              <a:t> inside this talk because of this comparison.</a:t>
+            </a:r>
+            <a:br>
+              <a:rPr lang="en-US" dirty="0"/>
+            </a:br>
+            <a:r>
+              <a:rPr lang="en-US" dirty="0"/>
+              <a:t>That amazing for speed</a:t>
+            </a:r>
+            <a:br>
+              <a:rPr lang="en-US" dirty="0"/>
+            </a:br>
+            <a:br>
+              <a:rPr lang="en-US" dirty="0"/>
+            </a:br>
+            <a:endParaRPr lang="en-US" dirty="0"/>
+          </a:p>
+          <a:p>
+            <a:endParaRPr lang="en-US" dirty="0"/>
+          </a:p>
+        </p:txBody>
+      </p:sp>
+      <p:sp>
+        <p:nvSpPr>
+          <p:cNvPr id="4" name="Slide Number Placeholder 3"/>
+          <p:cNvSpPr>
+            <a:spLocks noGrp="1"/>
+          </p:cNvSpPr>
+          <p:nvPr>
+            <p:ph type="sldNum" sz="quarter" idx="5"/>
+          </p:nvPr>
+        </p:nvSpPr>
+        <p:spPr/>
+        <p:txBody>
+          <a:bodyPr/>
+          <a:lstStyle/>
+          <a:p>
+            <a:fld id="{B68D2766-C49B-4C1A-9FEE-6F146754B02B}" type="slidenum">
+              <a:rPr lang="en-US" smtClean="0"/>
+              <a:t>4</a:t>
+            </a:fld>
+            <a:endParaRPr lang="en-US" dirty="0"/>
+          </a:p>
+        </p:txBody>
+      </p:sp>
+    </p:spTree>
+    <p:extLst>
+      <p:ext uri="{BB962C8B-B14F-4D97-AF65-F5344CB8AC3E}">
+        <p14:creationId xmlns:p14="http://schemas.microsoft.com/office/powerpoint/2010/main" val="4218359687"/>
       </p:ext>
     </p:extLst>
   </p:cSld>
@@ -844,7 +4303,7 @@
             <a:fld id="{6CE09111-6A1E-4A2B-8C76-0FE36002D8F7}" type="datetimeFigureOut">
               <a:rPr lang="en-US" smtClean="0"/>
               <a:pPr/>
-              <a:t>6/3/19</a:t>
+              <a:t>6/3/2019</a:t>
             </a:fld>
             <a:endParaRPr lang="en-US" dirty="0"/>
           </a:p>
@@ -1247,7 +4706,7 @@
           <a:p>
             <a:fld id="{1A1C3FD7-7715-417D-B3A3-A1B9493F00A7}" type="datetimeFigureOut">
               <a:rPr lang="en-US" smtClean="0"/>
-              <a:t>6/3/19</a:t>
+              <a:t>6/3/2019</a:t>
             </a:fld>
             <a:endParaRPr lang="en-US" dirty="0"/>
           </a:p>
@@ -1522,7 +4981,7 @@
           <a:p>
             <a:fld id="{1A1C3FD7-7715-417D-B3A3-A1B9493F00A7}" type="datetimeFigureOut">
               <a:rPr lang="en-US" smtClean="0"/>
-              <a:t>6/3/19</a:t>
+              <a:t>6/3/2019</a:t>
             </a:fld>
             <a:endParaRPr lang="en-US" dirty="0"/>
           </a:p>
@@ -1777,7 +5236,7 @@
           <a:p>
             <a:fld id="{1A1C3FD7-7715-417D-B3A3-A1B9493F00A7}" type="datetimeFigureOut">
               <a:rPr lang="en-US" smtClean="0"/>
-              <a:t>6/3/19</a:t>
+              <a:t>6/3/2019</a:t>
             </a:fld>
             <a:endParaRPr lang="en-US" dirty="0"/>
           </a:p>
@@ -1945,7 +5404,7 @@
           <a:p>
             <a:fld id="{1A1C3FD7-7715-417D-B3A3-A1B9493F00A7}" type="datetimeFigureOut">
               <a:rPr lang="en-US" smtClean="0"/>
-              <a:t>6/3/19</a:t>
+              <a:t>6/3/2019</a:t>
             </a:fld>
             <a:endParaRPr lang="en-US" dirty="0"/>
           </a:p>
@@ -2123,7 +5582,7 @@
           <a:p>
             <a:fld id="{1A1C3FD7-7715-417D-B3A3-A1B9493F00A7}" type="datetimeFigureOut">
               <a:rPr lang="en-US" smtClean="0"/>
-              <a:t>6/3/19</a:t>
+              <a:t>6/3/2019</a:t>
             </a:fld>
             <a:endParaRPr lang="en-US" dirty="0"/>
           </a:p>
@@ -2906,7 +6365,7 @@
           <a:p>
             <a:fld id="{1A1C3FD7-7715-417D-B3A3-A1B9493F00A7}" type="datetimeFigureOut">
               <a:rPr lang="en-US" smtClean="0"/>
-              <a:t>6/3/19</a:t>
+              <a:t>6/3/2019</a:t>
             </a:fld>
             <a:endParaRPr lang="en-US" dirty="0"/>
           </a:p>
@@ -3082,7 +6541,7 @@
           <a:p>
             <a:fld id="{1A1C3FD7-7715-417D-B3A3-A1B9493F00A7}" type="datetimeFigureOut">
               <a:rPr lang="en-US" smtClean="0"/>
-              <a:t>6/3/19</a:t>
+              <a:t>6/3/2019</a:t>
             </a:fld>
             <a:endParaRPr lang="en-US" dirty="0"/>
           </a:p>
@@ -3329,7 +6788,7 @@
           <a:p>
             <a:fld id="{1A1C3FD7-7715-417D-B3A3-A1B9493F00A7}" type="datetimeFigureOut">
               <a:rPr lang="en-US" smtClean="0"/>
-              <a:t>6/3/19</a:t>
+              <a:t>6/3/2019</a:t>
             </a:fld>
             <a:endParaRPr lang="en-US" dirty="0"/>
           </a:p>
@@ -3561,7 +7020,7 @@
           <a:p>
             <a:fld id="{1A1C3FD7-7715-417D-B3A3-A1B9493F00A7}" type="datetimeFigureOut">
               <a:rPr lang="en-US" smtClean="0"/>
-              <a:t>6/3/19</a:t>
+              <a:t>6/3/2019</a:t>
             </a:fld>
             <a:endParaRPr lang="en-US" dirty="0"/>
           </a:p>
@@ -3935,7 +7394,7 @@
           <a:p>
             <a:fld id="{1A1C3FD7-7715-417D-B3A3-A1B9493F00A7}" type="datetimeFigureOut">
               <a:rPr lang="en-US" smtClean="0"/>
-              <a:t>6/3/19</a:t>
+              <a:t>6/3/2019</a:t>
             </a:fld>
             <a:endParaRPr lang="en-US" dirty="0"/>
           </a:p>
@@ -4763,7 +8222,7 @@
           <a:p>
             <a:fld id="{1A1C3FD7-7715-417D-B3A3-A1B9493F00A7}" type="datetimeFigureOut">
               <a:rPr lang="en-US" smtClean="0"/>
-              <a:t>6/3/19</a:t>
+              <a:t>6/3/2019</a:t>
             </a:fld>
             <a:endParaRPr lang="en-US" dirty="0"/>
           </a:p>
@@ -4858,7 +8317,7 @@
           <a:p>
             <a:fld id="{1A1C3FD7-7715-417D-B3A3-A1B9493F00A7}" type="datetimeFigureOut">
               <a:rPr lang="en-US" smtClean="0"/>
-              <a:t>6/3/19</a:t>
+              <a:t>6/3/2019</a:t>
             </a:fld>
             <a:endParaRPr lang="en-US" dirty="0"/>
           </a:p>
@@ -5113,7 +8572,7 @@
           <a:p>
             <a:fld id="{1A1C3FD7-7715-417D-B3A3-A1B9493F00A7}" type="datetimeFigureOut">
               <a:rPr lang="en-US" smtClean="0"/>
-              <a:t>6/3/19</a:t>
+              <a:t>6/3/2019</a:t>
             </a:fld>
             <a:endParaRPr lang="en-US" dirty="0"/>
           </a:p>
@@ -5375,7 +8834,7 @@
           <a:p>
             <a:fld id="{1A1C3FD7-7715-417D-B3A3-A1B9493F00A7}" type="datetimeFigureOut">
               <a:rPr lang="en-US" smtClean="0"/>
-              <a:t>6/3/19</a:t>
+              <a:t>6/3/2019</a:t>
             </a:fld>
             <a:endParaRPr lang="en-US" dirty="0"/>
           </a:p>
@@ -5626,7 +9085,7 @@
           <a:p>
             <a:fld id="{1A1C3FD7-7715-417D-B3A3-A1B9493F00A7}" type="datetimeFigureOut">
               <a:rPr lang="en-US" smtClean="0"/>
-              <a:t>6/3/19</a:t>
+              <a:t>6/3/2019</a:t>
             </a:fld>
             <a:endParaRPr lang="en-US" dirty="0"/>
           </a:p>
@@ -5940,7 +9399,7 @@
           <a:p>
             <a:fld id="{1A1C3FD7-7715-417D-B3A3-A1B9493F00A7}" type="datetimeFigureOut">
               <a:rPr lang="en-US" smtClean="0"/>
-              <a:t>6/3/19</a:t>
+              <a:t>6/3/2019</a:t>
             </a:fld>
             <a:endParaRPr lang="en-US" dirty="0"/>
           </a:p>
@@ -6281,7 +9740,7 @@
           <a:p>
             <a:fld id="{1A1C3FD7-7715-417D-B3A3-A1B9493F00A7}" type="datetimeFigureOut">
               <a:rPr lang="en-US" smtClean="0"/>
-              <a:t>6/3/19</a:t>
+              <a:t>6/3/2019</a:t>
             </a:fld>
             <a:endParaRPr lang="en-US" dirty="0"/>
           </a:p>
@@ -6595,7 +10054,7 @@
           <a:p>
             <a:fld id="{1A1C3FD7-7715-417D-B3A3-A1B9493F00A7}" type="datetimeFigureOut">
               <a:rPr lang="en-US" smtClean="0"/>
-              <a:t>6/3/19</a:t>
+              <a:t>6/3/2019</a:t>
             </a:fld>
             <a:endParaRPr lang="en-US" dirty="0"/>
           </a:p>
@@ -6988,7 +10447,7 @@
           <a:p>
             <a:fld id="{1A1C3FD7-7715-417D-B3A3-A1B9493F00A7}" type="datetimeFigureOut">
               <a:rPr lang="en-US" smtClean="0"/>
-              <a:t>6/3/19</a:t>
+              <a:t>6/3/2019</a:t>
             </a:fld>
             <a:endParaRPr lang="en-US" dirty="0"/>
           </a:p>
@@ -7158,7 +10617,7 @@
           <a:p>
             <a:fld id="{1A1C3FD7-7715-417D-B3A3-A1B9493F00A7}" type="datetimeFigureOut">
               <a:rPr lang="en-US" smtClean="0"/>
-              <a:t>6/3/19</a:t>
+              <a:t>6/3/2019</a:t>
             </a:fld>
             <a:endParaRPr lang="en-US" dirty="0"/>
           </a:p>
@@ -8056,7 +11515,7 @@
           <a:p>
             <a:fld id="{1A1C3FD7-7715-417D-B3A3-A1B9493F00A7}" type="datetimeFigureOut">
               <a:rPr lang="en-US" smtClean="0"/>
-              <a:t>6/3/19</a:t>
+              <a:t>6/3/2019</a:t>
             </a:fld>
             <a:endParaRPr lang="en-US" dirty="0"/>
           </a:p>
@@ -8841,7 +12300,7 @@
           <a:p>
             <a:fld id="{1A1C3FD7-7715-417D-B3A3-A1B9493F00A7}" type="datetimeFigureOut">
               <a:rPr lang="en-US" smtClean="0"/>
-              <a:t>6/3/19</a:t>
+              <a:t>6/3/2019</a:t>
             </a:fld>
             <a:endParaRPr lang="en-US" dirty="0"/>
           </a:p>
@@ -9017,7 +12476,7 @@
           <a:p>
             <a:fld id="{1A1C3FD7-7715-417D-B3A3-A1B9493F00A7}" type="datetimeFigureOut">
               <a:rPr lang="en-US" smtClean="0"/>
-              <a:t>6/3/19</a:t>
+              <a:t>6/3/2019</a:t>
             </a:fld>
             <a:endParaRPr lang="en-US" dirty="0"/>
           </a:p>
@@ -9264,7 +12723,7 @@
           <a:p>
             <a:fld id="{1A1C3FD7-7715-417D-B3A3-A1B9493F00A7}" type="datetimeFigureOut">
               <a:rPr lang="en-US" smtClean="0"/>
-              <a:t>6/3/19</a:t>
+              <a:t>6/3/2019</a:t>
             </a:fld>
             <a:endParaRPr lang="en-US" dirty="0"/>
           </a:p>
@@ -9496,7 +12955,7 @@
           <a:p>
             <a:fld id="{1A1C3FD7-7715-417D-B3A3-A1B9493F00A7}" type="datetimeFigureOut">
               <a:rPr lang="en-US" smtClean="0"/>
-              <a:t>6/3/19</a:t>
+              <a:t>6/3/2019</a:t>
             </a:fld>
             <a:endParaRPr lang="en-US" dirty="0"/>
           </a:p>
@@ -9870,7 +13329,7 @@
           <a:p>
             <a:fld id="{1A1C3FD7-7715-417D-B3A3-A1B9493F00A7}" type="datetimeFigureOut">
               <a:rPr lang="en-US" smtClean="0"/>
-              <a:t>6/3/19</a:t>
+              <a:t>6/3/2019</a:t>
             </a:fld>
             <a:endParaRPr lang="en-US" dirty="0"/>
           </a:p>
@@ -9993,7 +13452,7 @@
           <a:p>
             <a:fld id="{1A1C3FD7-7715-417D-B3A3-A1B9493F00A7}" type="datetimeFigureOut">
               <a:rPr lang="en-US" smtClean="0"/>
-              <a:t>6/3/19</a:t>
+              <a:t>6/3/2019</a:t>
             </a:fld>
             <a:endParaRPr lang="en-US" dirty="0"/>
           </a:p>
@@ -10088,7 +13547,7 @@
           <a:p>
             <a:fld id="{1A1C3FD7-7715-417D-B3A3-A1B9493F00A7}" type="datetimeFigureOut">
               <a:rPr lang="en-US" smtClean="0"/>
-              <a:t>6/3/19</a:t>
+              <a:t>6/3/2019</a:t>
             </a:fld>
             <a:endParaRPr lang="en-US" dirty="0"/>
           </a:p>
@@ -10343,7 +13802,7 @@
           <a:p>
             <a:fld id="{1A1C3FD7-7715-417D-B3A3-A1B9493F00A7}" type="datetimeFigureOut">
               <a:rPr lang="en-US" smtClean="0"/>
-              <a:t>6/3/19</a:t>
+              <a:t>6/3/2019</a:t>
             </a:fld>
             <a:endParaRPr lang="en-US" dirty="0"/>
           </a:p>
@@ -10605,7 +14064,7 @@
           <a:p>
             <a:fld id="{1A1C3FD7-7715-417D-B3A3-A1B9493F00A7}" type="datetimeFigureOut">
               <a:rPr lang="en-US" smtClean="0"/>
-              <a:t>6/3/19</a:t>
+              <a:t>6/3/2019</a:t>
             </a:fld>
             <a:endParaRPr lang="en-US" dirty="0"/>
           </a:p>
@@ -10795,7 +14254,7 @@
           <a:p>
             <a:fld id="{1A1C3FD7-7715-417D-B3A3-A1B9493F00A7}" type="datetimeFigureOut">
               <a:rPr lang="en-US" smtClean="0"/>
-              <a:t>6/3/19</a:t>
+              <a:t>6/3/2019</a:t>
             </a:fld>
             <a:endParaRPr lang="en-US" dirty="0"/>
           </a:p>
@@ -11046,7 +14505,7 @@
           <a:p>
             <a:fld id="{1A1C3FD7-7715-417D-B3A3-A1B9493F00A7}" type="datetimeFigureOut">
               <a:rPr lang="en-US" smtClean="0"/>
-              <a:t>6/3/19</a:t>
+              <a:t>6/3/2019</a:t>
             </a:fld>
             <a:endParaRPr lang="en-US" dirty="0"/>
           </a:p>
@@ -11360,7 +14819,7 @@
           <a:p>
             <a:fld id="{1A1C3FD7-7715-417D-B3A3-A1B9493F00A7}" type="datetimeFigureOut">
               <a:rPr lang="en-US" smtClean="0"/>
-              <a:t>6/3/19</a:t>
+              <a:t>6/3/2019</a:t>
             </a:fld>
             <a:endParaRPr lang="en-US" dirty="0"/>
           </a:p>
@@ -11687,7 +15146,7 @@
           <a:p>
             <a:fld id="{1A1C3FD7-7715-417D-B3A3-A1B9493F00A7}" type="datetimeFigureOut">
               <a:rPr lang="en-US" smtClean="0"/>
-              <a:t>6/3/19</a:t>
+              <a:t>6/3/2019</a:t>
             </a:fld>
             <a:endParaRPr lang="en-US" dirty="0"/>
           </a:p>
@@ -12001,7 +15460,7 @@
           <a:p>
             <a:fld id="{1A1C3FD7-7715-417D-B3A3-A1B9493F00A7}" type="datetimeFigureOut">
               <a:rPr lang="en-US" smtClean="0"/>
-              <a:t>6/3/19</a:t>
+              <a:t>6/3/2019</a:t>
             </a:fld>
             <a:endParaRPr lang="en-US" dirty="0"/>
           </a:p>
@@ -12388,7 +15847,7 @@
           <a:p>
             <a:fld id="{1A1C3FD7-7715-417D-B3A3-A1B9493F00A7}" type="datetimeFigureOut">
               <a:rPr lang="en-US" smtClean="0"/>
-              <a:t>6/3/19</a:t>
+              <a:t>6/3/2019</a:t>
             </a:fld>
             <a:endParaRPr lang="en-US" dirty="0"/>
           </a:p>
@@ -12558,7 +16017,7 @@
           <a:p>
             <a:fld id="{1A1C3FD7-7715-417D-B3A3-A1B9493F00A7}" type="datetimeFigureOut">
               <a:rPr lang="en-US" smtClean="0"/>
-              <a:t>6/3/19</a:t>
+              <a:t>6/3/2019</a:t>
             </a:fld>
             <a:endParaRPr lang="en-US" dirty="0"/>
           </a:p>
@@ -12738,7 +16197,7 @@
           <a:p>
             <a:fld id="{1A1C3FD7-7715-417D-B3A3-A1B9493F00A7}" type="datetimeFigureOut">
               <a:rPr lang="en-US" smtClean="0"/>
-              <a:t>6/3/19</a:t>
+              <a:t>6/3/2019</a:t>
             </a:fld>
             <a:endParaRPr lang="en-US" dirty="0"/>
           </a:p>
@@ -12906,7 +16365,7 @@
           <a:p>
             <a:fld id="{1A1C3FD7-7715-417D-B3A3-A1B9493F00A7}" type="datetimeFigureOut">
               <a:rPr lang="en-US" smtClean="0"/>
-              <a:t>6/3/19</a:t>
+              <a:t>6/3/2019</a:t>
             </a:fld>
             <a:endParaRPr lang="en-US" dirty="0"/>
           </a:p>
@@ -13151,7 +16610,7 @@
           <a:p>
             <a:fld id="{1A1C3FD7-7715-417D-B3A3-A1B9493F00A7}" type="datetimeFigureOut">
               <a:rPr lang="en-US" smtClean="0"/>
-              <a:t>6/3/19</a:t>
+              <a:t>6/3/2019</a:t>
             </a:fld>
             <a:endParaRPr lang="en-US" dirty="0"/>
           </a:p>
@@ -13380,7 +16839,7 @@
           <a:p>
             <a:fld id="{1A1C3FD7-7715-417D-B3A3-A1B9493F00A7}" type="datetimeFigureOut">
               <a:rPr lang="en-US" smtClean="0"/>
-              <a:t>6/3/19</a:t>
+              <a:t>6/3/2019</a:t>
             </a:fld>
             <a:endParaRPr lang="en-US" dirty="0"/>
           </a:p>
@@ -13744,7 +17203,7 @@
           <a:p>
             <a:fld id="{1A1C3FD7-7715-417D-B3A3-A1B9493F00A7}" type="datetimeFigureOut">
               <a:rPr lang="en-US" smtClean="0"/>
-              <a:t>6/3/19</a:t>
+              <a:t>6/3/2019</a:t>
             </a:fld>
             <a:endParaRPr lang="en-US" dirty="0"/>
           </a:p>
@@ -13861,7 +17320,7 @@
           <a:p>
             <a:fld id="{1A1C3FD7-7715-417D-B3A3-A1B9493F00A7}" type="datetimeFigureOut">
               <a:rPr lang="en-US" smtClean="0"/>
-              <a:t>6/3/19</a:t>
+              <a:t>6/3/2019</a:t>
             </a:fld>
             <a:endParaRPr lang="en-US" dirty="0"/>
           </a:p>
@@ -14072,7 +17531,7 @@
           <a:p>
             <a:fld id="{1A1C3FD7-7715-417D-B3A3-A1B9493F00A7}" type="datetimeFigureOut">
               <a:rPr lang="en-US" smtClean="0"/>
-              <a:t>6/3/19</a:t>
+              <a:t>6/3/2019</a:t>
             </a:fld>
             <a:endParaRPr lang="en-US" dirty="0"/>
           </a:p>
@@ -15145,7 +18604,7 @@
           <a:p>
             <a:fld id="{1A1C3FD7-7715-417D-B3A3-A1B9493F00A7}" type="datetimeFigureOut">
               <a:rPr lang="en-US" smtClean="0"/>
-              <a:t>6/3/19</a:t>
+              <a:t>6/3/2019</a:t>
             </a:fld>
             <a:endParaRPr lang="en-US" dirty="0"/>
           </a:p>
@@ -16336,7 +19795,7 @@
           <a:p>
             <a:fld id="{1A1C3FD7-7715-417D-B3A3-A1B9493F00A7}" type="datetimeFigureOut">
               <a:rPr lang="en-US" smtClean="0"/>
-              <a:t>6/3/19</a:t>
+              <a:t>6/3/2019</a:t>
             </a:fld>
             <a:endParaRPr lang="en-US" dirty="0"/>
           </a:p>
@@ -16877,7 +20336,7 @@
           <a:p>
             <a:r>
               <a:rPr lang="en-US" dirty="0"/>
-              <a:t>Local DB</a:t>
+              <a:t>Local DB Introduction</a:t>
             </a:r>
           </a:p>
         </p:txBody>
@@ -16904,6 +20363,18 @@
             </a:r>
           </a:p>
           <a:p>
+            <a:pPr lvl="1"/>
+            <a:r>
+              <a:rPr lang="en-US" dirty="0"/>
+              <a:t>Realm, Room, </a:t>
+            </a:r>
+            <a:r>
+              <a:rPr lang="en-US" dirty="0" err="1"/>
+              <a:t>ObjectBox</a:t>
+            </a:r>
+            <a:endParaRPr lang="en-US" dirty="0"/>
+          </a:p>
+          <a:p>
             <a:pPr lvl="0"/>
             <a:r>
               <a:rPr lang="en-US" dirty="0"/>
@@ -16911,10 +20382,31 @@
             </a:r>
           </a:p>
           <a:p>
+            <a:pPr lvl="1"/>
+            <a:r>
+              <a:rPr lang="en-US" dirty="0"/>
+              <a:t>What is DB versioning ?</a:t>
+            </a:r>
+          </a:p>
+          <a:p>
             <a:pPr lvl="0"/>
             <a:r>
               <a:rPr lang="en-US" dirty="0"/>
               <a:t>Local DB Migration</a:t>
+            </a:r>
+          </a:p>
+          <a:p>
+            <a:pPr lvl="1"/>
+            <a:r>
+              <a:rPr lang="en-US" dirty="0"/>
+              <a:t>What is DB Migration ?</a:t>
+            </a:r>
+          </a:p>
+          <a:p>
+            <a:pPr lvl="1"/>
+            <a:r>
+              <a:rPr lang="en-US" dirty="0"/>
+              <a:t>What is challenges ?</a:t>
             </a:r>
           </a:p>
           <a:p>
@@ -16986,6 +20478,700 @@
   <p:clrMapOvr>
     <a:masterClrMapping/>
   </p:clrMapOvr>
+  <p:timing>
+    <p:tnLst>
+      <p:par>
+        <p:cTn id="1" dur="indefinite" restart="never" nodeType="tmRoot">
+          <p:childTnLst>
+            <p:seq concurrent="1" nextAc="seek">
+              <p:cTn id="2" dur="indefinite" nodeType="mainSeq">
+                <p:childTnLst>
+                  <p:par>
+                    <p:cTn id="3" fill="hold">
+                      <p:stCondLst>
+                        <p:cond delay="indefinite"/>
+                      </p:stCondLst>
+                      <p:childTnLst>
+                        <p:par>
+                          <p:cTn id="4" fill="hold">
+                            <p:stCondLst>
+                              <p:cond delay="0"/>
+                            </p:stCondLst>
+                            <p:childTnLst>
+                              <p:par>
+                                <p:cTn id="5" presetID="2" presetClass="entr" presetSubtype="4" fill="hold" grpId="0" nodeType="clickEffect">
+                                  <p:stCondLst>
+                                    <p:cond delay="0"/>
+                                  </p:stCondLst>
+                                  <p:childTnLst>
+                                    <p:set>
+                                      <p:cBhvr>
+                                        <p:cTn id="6" dur="1" fill="hold">
+                                          <p:stCondLst>
+                                            <p:cond delay="0"/>
+                                          </p:stCondLst>
+                                        </p:cTn>
+                                        <p:tgtEl>
+                                          <p:spTgt spid="3">
+                                            <p:txEl>
+                                              <p:pRg st="0" end="0"/>
+                                            </p:txEl>
+                                          </p:spTgt>
+                                        </p:tgtEl>
+                                        <p:attrNameLst>
+                                          <p:attrName>style.visibility</p:attrName>
+                                        </p:attrNameLst>
+                                      </p:cBhvr>
+                                      <p:to>
+                                        <p:strVal val="visible"/>
+                                      </p:to>
+                                    </p:set>
+                                    <p:anim calcmode="lin" valueType="num">
+                                      <p:cBhvr additive="base">
+                                        <p:cTn id="7" dur="500" fill="hold"/>
+                                        <p:tgtEl>
+                                          <p:spTgt spid="3">
+                                            <p:txEl>
+                                              <p:pRg st="0" end="0"/>
+                                            </p:txEl>
+                                          </p:spTgt>
+                                        </p:tgtEl>
+                                        <p:attrNameLst>
+                                          <p:attrName>ppt_x</p:attrName>
+                                        </p:attrNameLst>
+                                      </p:cBhvr>
+                                      <p:tavLst>
+                                        <p:tav tm="0">
+                                          <p:val>
+                                            <p:strVal val="#ppt_x"/>
+                                          </p:val>
+                                        </p:tav>
+                                        <p:tav tm="100000">
+                                          <p:val>
+                                            <p:strVal val="#ppt_x"/>
+                                          </p:val>
+                                        </p:tav>
+                                      </p:tavLst>
+                                    </p:anim>
+                                    <p:anim calcmode="lin" valueType="num">
+                                      <p:cBhvr additive="base">
+                                        <p:cTn id="8" dur="500" fill="hold"/>
+                                        <p:tgtEl>
+                                          <p:spTgt spid="3">
+                                            <p:txEl>
+                                              <p:pRg st="0" end="0"/>
+                                            </p:txEl>
+                                          </p:spTgt>
+                                        </p:tgtEl>
+                                        <p:attrNameLst>
+                                          <p:attrName>ppt_y</p:attrName>
+                                        </p:attrNameLst>
+                                      </p:cBhvr>
+                                      <p:tavLst>
+                                        <p:tav tm="0">
+                                          <p:val>
+                                            <p:strVal val="1+#ppt_h/2"/>
+                                          </p:val>
+                                        </p:tav>
+                                        <p:tav tm="100000">
+                                          <p:val>
+                                            <p:strVal val="#ppt_y"/>
+                                          </p:val>
+                                        </p:tav>
+                                      </p:tavLst>
+                                    </p:anim>
+                                  </p:childTnLst>
+                                </p:cTn>
+                              </p:par>
+                              <p:par>
+                                <p:cTn id="9" presetID="42" presetClass="entr" presetSubtype="0" fill="hold" grpId="0" nodeType="withEffect">
+                                  <p:stCondLst>
+                                    <p:cond delay="0"/>
+                                  </p:stCondLst>
+                                  <p:childTnLst>
+                                    <p:set>
+                                      <p:cBhvr>
+                                        <p:cTn id="10" dur="1" fill="hold">
+                                          <p:stCondLst>
+                                            <p:cond delay="0"/>
+                                          </p:stCondLst>
+                                        </p:cTn>
+                                        <p:tgtEl>
+                                          <p:spTgt spid="3">
+                                            <p:txEl>
+                                              <p:pRg st="1" end="1"/>
+                                            </p:txEl>
+                                          </p:spTgt>
+                                        </p:tgtEl>
+                                        <p:attrNameLst>
+                                          <p:attrName>style.visibility</p:attrName>
+                                        </p:attrNameLst>
+                                      </p:cBhvr>
+                                      <p:to>
+                                        <p:strVal val="visible"/>
+                                      </p:to>
+                                    </p:set>
+                                    <p:animEffect transition="in" filter="fade">
+                                      <p:cBhvr>
+                                        <p:cTn id="11" dur="1000"/>
+                                        <p:tgtEl>
+                                          <p:spTgt spid="3">
+                                            <p:txEl>
+                                              <p:pRg st="1" end="1"/>
+                                            </p:txEl>
+                                          </p:spTgt>
+                                        </p:tgtEl>
+                                      </p:cBhvr>
+                                    </p:animEffect>
+                                    <p:anim calcmode="lin" valueType="num">
+                                      <p:cBhvr>
+                                        <p:cTn id="12" dur="1000" fill="hold"/>
+                                        <p:tgtEl>
+                                          <p:spTgt spid="3">
+                                            <p:txEl>
+                                              <p:pRg st="1" end="1"/>
+                                            </p:txEl>
+                                          </p:spTgt>
+                                        </p:tgtEl>
+                                        <p:attrNameLst>
+                                          <p:attrName>ppt_x</p:attrName>
+                                        </p:attrNameLst>
+                                      </p:cBhvr>
+                                      <p:tavLst>
+                                        <p:tav tm="0">
+                                          <p:val>
+                                            <p:strVal val="#ppt_x"/>
+                                          </p:val>
+                                        </p:tav>
+                                        <p:tav tm="100000">
+                                          <p:val>
+                                            <p:strVal val="#ppt_x"/>
+                                          </p:val>
+                                        </p:tav>
+                                      </p:tavLst>
+                                    </p:anim>
+                                    <p:anim calcmode="lin" valueType="num">
+                                      <p:cBhvr>
+                                        <p:cTn id="13" dur="1000" fill="hold"/>
+                                        <p:tgtEl>
+                                          <p:spTgt spid="3">
+                                            <p:txEl>
+                                              <p:pRg st="1" end="1"/>
+                                            </p:txEl>
+                                          </p:spTgt>
+                                        </p:tgtEl>
+                                        <p:attrNameLst>
+                                          <p:attrName>ppt_y</p:attrName>
+                                        </p:attrNameLst>
+                                      </p:cBhvr>
+                                      <p:tavLst>
+                                        <p:tav tm="0">
+                                          <p:val>
+                                            <p:strVal val="#ppt_y+.1"/>
+                                          </p:val>
+                                        </p:tav>
+                                        <p:tav tm="100000">
+                                          <p:val>
+                                            <p:strVal val="#ppt_y"/>
+                                          </p:val>
+                                        </p:tav>
+                                      </p:tavLst>
+                                    </p:anim>
+                                  </p:childTnLst>
+                                </p:cTn>
+                              </p:par>
+                            </p:childTnLst>
+                          </p:cTn>
+                        </p:par>
+                      </p:childTnLst>
+                    </p:cTn>
+                  </p:par>
+                  <p:par>
+                    <p:cTn id="14" fill="hold">
+                      <p:stCondLst>
+                        <p:cond delay="indefinite"/>
+                      </p:stCondLst>
+                      <p:childTnLst>
+                        <p:par>
+                          <p:cTn id="15" fill="hold">
+                            <p:stCondLst>
+                              <p:cond delay="0"/>
+                            </p:stCondLst>
+                            <p:childTnLst>
+                              <p:par>
+                                <p:cTn id="16" presetID="2" presetClass="entr" presetSubtype="4" fill="hold" grpId="0" nodeType="clickEffect">
+                                  <p:stCondLst>
+                                    <p:cond delay="0"/>
+                                  </p:stCondLst>
+                                  <p:childTnLst>
+                                    <p:set>
+                                      <p:cBhvr>
+                                        <p:cTn id="17" dur="1" fill="hold">
+                                          <p:stCondLst>
+                                            <p:cond delay="0"/>
+                                          </p:stCondLst>
+                                        </p:cTn>
+                                        <p:tgtEl>
+                                          <p:spTgt spid="3">
+                                            <p:txEl>
+                                              <p:pRg st="2" end="2"/>
+                                            </p:txEl>
+                                          </p:spTgt>
+                                        </p:tgtEl>
+                                        <p:attrNameLst>
+                                          <p:attrName>style.visibility</p:attrName>
+                                        </p:attrNameLst>
+                                      </p:cBhvr>
+                                      <p:to>
+                                        <p:strVal val="visible"/>
+                                      </p:to>
+                                    </p:set>
+                                    <p:anim calcmode="lin" valueType="num">
+                                      <p:cBhvr additive="base">
+                                        <p:cTn id="18" dur="500" fill="hold"/>
+                                        <p:tgtEl>
+                                          <p:spTgt spid="3">
+                                            <p:txEl>
+                                              <p:pRg st="2" end="2"/>
+                                            </p:txEl>
+                                          </p:spTgt>
+                                        </p:tgtEl>
+                                        <p:attrNameLst>
+                                          <p:attrName>ppt_x</p:attrName>
+                                        </p:attrNameLst>
+                                      </p:cBhvr>
+                                      <p:tavLst>
+                                        <p:tav tm="0">
+                                          <p:val>
+                                            <p:strVal val="#ppt_x"/>
+                                          </p:val>
+                                        </p:tav>
+                                        <p:tav tm="100000">
+                                          <p:val>
+                                            <p:strVal val="#ppt_x"/>
+                                          </p:val>
+                                        </p:tav>
+                                      </p:tavLst>
+                                    </p:anim>
+                                    <p:anim calcmode="lin" valueType="num">
+                                      <p:cBhvr additive="base">
+                                        <p:cTn id="19" dur="500" fill="hold"/>
+                                        <p:tgtEl>
+                                          <p:spTgt spid="3">
+                                            <p:txEl>
+                                              <p:pRg st="2" end="2"/>
+                                            </p:txEl>
+                                          </p:spTgt>
+                                        </p:tgtEl>
+                                        <p:attrNameLst>
+                                          <p:attrName>ppt_y</p:attrName>
+                                        </p:attrNameLst>
+                                      </p:cBhvr>
+                                      <p:tavLst>
+                                        <p:tav tm="0">
+                                          <p:val>
+                                            <p:strVal val="1+#ppt_h/2"/>
+                                          </p:val>
+                                        </p:tav>
+                                        <p:tav tm="100000">
+                                          <p:val>
+                                            <p:strVal val="#ppt_y"/>
+                                          </p:val>
+                                        </p:tav>
+                                      </p:tavLst>
+                                    </p:anim>
+                                  </p:childTnLst>
+                                </p:cTn>
+                              </p:par>
+                              <p:par>
+                                <p:cTn id="20" presetID="2" presetClass="entr" presetSubtype="4" fill="hold" grpId="0" nodeType="withEffect">
+                                  <p:stCondLst>
+                                    <p:cond delay="0"/>
+                                  </p:stCondLst>
+                                  <p:childTnLst>
+                                    <p:set>
+                                      <p:cBhvr>
+                                        <p:cTn id="21" dur="1" fill="hold">
+                                          <p:stCondLst>
+                                            <p:cond delay="0"/>
+                                          </p:stCondLst>
+                                        </p:cTn>
+                                        <p:tgtEl>
+                                          <p:spTgt spid="3">
+                                            <p:txEl>
+                                              <p:pRg st="3" end="3"/>
+                                            </p:txEl>
+                                          </p:spTgt>
+                                        </p:tgtEl>
+                                        <p:attrNameLst>
+                                          <p:attrName>style.visibility</p:attrName>
+                                        </p:attrNameLst>
+                                      </p:cBhvr>
+                                      <p:to>
+                                        <p:strVal val="visible"/>
+                                      </p:to>
+                                    </p:set>
+                                    <p:anim calcmode="lin" valueType="num">
+                                      <p:cBhvr additive="base">
+                                        <p:cTn id="22" dur="500" fill="hold"/>
+                                        <p:tgtEl>
+                                          <p:spTgt spid="3">
+                                            <p:txEl>
+                                              <p:pRg st="3" end="3"/>
+                                            </p:txEl>
+                                          </p:spTgt>
+                                        </p:tgtEl>
+                                        <p:attrNameLst>
+                                          <p:attrName>ppt_x</p:attrName>
+                                        </p:attrNameLst>
+                                      </p:cBhvr>
+                                      <p:tavLst>
+                                        <p:tav tm="0">
+                                          <p:val>
+                                            <p:strVal val="#ppt_x"/>
+                                          </p:val>
+                                        </p:tav>
+                                        <p:tav tm="100000">
+                                          <p:val>
+                                            <p:strVal val="#ppt_x"/>
+                                          </p:val>
+                                        </p:tav>
+                                      </p:tavLst>
+                                    </p:anim>
+                                    <p:anim calcmode="lin" valueType="num">
+                                      <p:cBhvr additive="base">
+                                        <p:cTn id="23" dur="500" fill="hold"/>
+                                        <p:tgtEl>
+                                          <p:spTgt spid="3">
+                                            <p:txEl>
+                                              <p:pRg st="3" end="3"/>
+                                            </p:txEl>
+                                          </p:spTgt>
+                                        </p:tgtEl>
+                                        <p:attrNameLst>
+                                          <p:attrName>ppt_y</p:attrName>
+                                        </p:attrNameLst>
+                                      </p:cBhvr>
+                                      <p:tavLst>
+                                        <p:tav tm="0">
+                                          <p:val>
+                                            <p:strVal val="1+#ppt_h/2"/>
+                                          </p:val>
+                                        </p:tav>
+                                        <p:tav tm="100000">
+                                          <p:val>
+                                            <p:strVal val="#ppt_y"/>
+                                          </p:val>
+                                        </p:tav>
+                                      </p:tavLst>
+                                    </p:anim>
+                                  </p:childTnLst>
+                                </p:cTn>
+                              </p:par>
+                            </p:childTnLst>
+                          </p:cTn>
+                        </p:par>
+                      </p:childTnLst>
+                    </p:cTn>
+                  </p:par>
+                  <p:par>
+                    <p:cTn id="24" fill="hold">
+                      <p:stCondLst>
+                        <p:cond delay="indefinite"/>
+                      </p:stCondLst>
+                      <p:childTnLst>
+                        <p:par>
+                          <p:cTn id="25" fill="hold">
+                            <p:stCondLst>
+                              <p:cond delay="0"/>
+                            </p:stCondLst>
+                            <p:childTnLst>
+                              <p:par>
+                                <p:cTn id="26" presetID="2" presetClass="entr" presetSubtype="4" fill="hold" grpId="0" nodeType="clickEffect">
+                                  <p:stCondLst>
+                                    <p:cond delay="0"/>
+                                  </p:stCondLst>
+                                  <p:childTnLst>
+                                    <p:set>
+                                      <p:cBhvr>
+                                        <p:cTn id="27" dur="1" fill="hold">
+                                          <p:stCondLst>
+                                            <p:cond delay="0"/>
+                                          </p:stCondLst>
+                                        </p:cTn>
+                                        <p:tgtEl>
+                                          <p:spTgt spid="3">
+                                            <p:txEl>
+                                              <p:pRg st="4" end="4"/>
+                                            </p:txEl>
+                                          </p:spTgt>
+                                        </p:tgtEl>
+                                        <p:attrNameLst>
+                                          <p:attrName>style.visibility</p:attrName>
+                                        </p:attrNameLst>
+                                      </p:cBhvr>
+                                      <p:to>
+                                        <p:strVal val="visible"/>
+                                      </p:to>
+                                    </p:set>
+                                    <p:anim calcmode="lin" valueType="num">
+                                      <p:cBhvr additive="base">
+                                        <p:cTn id="28" dur="500" fill="hold"/>
+                                        <p:tgtEl>
+                                          <p:spTgt spid="3">
+                                            <p:txEl>
+                                              <p:pRg st="4" end="4"/>
+                                            </p:txEl>
+                                          </p:spTgt>
+                                        </p:tgtEl>
+                                        <p:attrNameLst>
+                                          <p:attrName>ppt_x</p:attrName>
+                                        </p:attrNameLst>
+                                      </p:cBhvr>
+                                      <p:tavLst>
+                                        <p:tav tm="0">
+                                          <p:val>
+                                            <p:strVal val="#ppt_x"/>
+                                          </p:val>
+                                        </p:tav>
+                                        <p:tav tm="100000">
+                                          <p:val>
+                                            <p:strVal val="#ppt_x"/>
+                                          </p:val>
+                                        </p:tav>
+                                      </p:tavLst>
+                                    </p:anim>
+                                    <p:anim calcmode="lin" valueType="num">
+                                      <p:cBhvr additive="base">
+                                        <p:cTn id="29" dur="500" fill="hold"/>
+                                        <p:tgtEl>
+                                          <p:spTgt spid="3">
+                                            <p:txEl>
+                                              <p:pRg st="4" end="4"/>
+                                            </p:txEl>
+                                          </p:spTgt>
+                                        </p:tgtEl>
+                                        <p:attrNameLst>
+                                          <p:attrName>ppt_y</p:attrName>
+                                        </p:attrNameLst>
+                                      </p:cBhvr>
+                                      <p:tavLst>
+                                        <p:tav tm="0">
+                                          <p:val>
+                                            <p:strVal val="1+#ppt_h/2"/>
+                                          </p:val>
+                                        </p:tav>
+                                        <p:tav tm="100000">
+                                          <p:val>
+                                            <p:strVal val="#ppt_y"/>
+                                          </p:val>
+                                        </p:tav>
+                                      </p:tavLst>
+                                    </p:anim>
+                                  </p:childTnLst>
+                                </p:cTn>
+                              </p:par>
+                              <p:par>
+                                <p:cTn id="30" presetID="2" presetClass="entr" presetSubtype="4" fill="hold" grpId="0" nodeType="withEffect">
+                                  <p:stCondLst>
+                                    <p:cond delay="0"/>
+                                  </p:stCondLst>
+                                  <p:childTnLst>
+                                    <p:set>
+                                      <p:cBhvr>
+                                        <p:cTn id="31" dur="1" fill="hold">
+                                          <p:stCondLst>
+                                            <p:cond delay="0"/>
+                                          </p:stCondLst>
+                                        </p:cTn>
+                                        <p:tgtEl>
+                                          <p:spTgt spid="3">
+                                            <p:txEl>
+                                              <p:pRg st="5" end="5"/>
+                                            </p:txEl>
+                                          </p:spTgt>
+                                        </p:tgtEl>
+                                        <p:attrNameLst>
+                                          <p:attrName>style.visibility</p:attrName>
+                                        </p:attrNameLst>
+                                      </p:cBhvr>
+                                      <p:to>
+                                        <p:strVal val="visible"/>
+                                      </p:to>
+                                    </p:set>
+                                    <p:anim calcmode="lin" valueType="num">
+                                      <p:cBhvr additive="base">
+                                        <p:cTn id="32" dur="500" fill="hold"/>
+                                        <p:tgtEl>
+                                          <p:spTgt spid="3">
+                                            <p:txEl>
+                                              <p:pRg st="5" end="5"/>
+                                            </p:txEl>
+                                          </p:spTgt>
+                                        </p:tgtEl>
+                                        <p:attrNameLst>
+                                          <p:attrName>ppt_x</p:attrName>
+                                        </p:attrNameLst>
+                                      </p:cBhvr>
+                                      <p:tavLst>
+                                        <p:tav tm="0">
+                                          <p:val>
+                                            <p:strVal val="#ppt_x"/>
+                                          </p:val>
+                                        </p:tav>
+                                        <p:tav tm="100000">
+                                          <p:val>
+                                            <p:strVal val="#ppt_x"/>
+                                          </p:val>
+                                        </p:tav>
+                                      </p:tavLst>
+                                    </p:anim>
+                                    <p:anim calcmode="lin" valueType="num">
+                                      <p:cBhvr additive="base">
+                                        <p:cTn id="33" dur="500" fill="hold"/>
+                                        <p:tgtEl>
+                                          <p:spTgt spid="3">
+                                            <p:txEl>
+                                              <p:pRg st="5" end="5"/>
+                                            </p:txEl>
+                                          </p:spTgt>
+                                        </p:tgtEl>
+                                        <p:attrNameLst>
+                                          <p:attrName>ppt_y</p:attrName>
+                                        </p:attrNameLst>
+                                      </p:cBhvr>
+                                      <p:tavLst>
+                                        <p:tav tm="0">
+                                          <p:val>
+                                            <p:strVal val="1+#ppt_h/2"/>
+                                          </p:val>
+                                        </p:tav>
+                                        <p:tav tm="100000">
+                                          <p:val>
+                                            <p:strVal val="#ppt_y"/>
+                                          </p:val>
+                                        </p:tav>
+                                      </p:tavLst>
+                                    </p:anim>
+                                  </p:childTnLst>
+                                </p:cTn>
+                              </p:par>
+                              <p:par>
+                                <p:cTn id="34" presetID="2" presetClass="entr" presetSubtype="4" fill="hold" grpId="0" nodeType="withEffect">
+                                  <p:stCondLst>
+                                    <p:cond delay="0"/>
+                                  </p:stCondLst>
+                                  <p:childTnLst>
+                                    <p:set>
+                                      <p:cBhvr>
+                                        <p:cTn id="35" dur="1" fill="hold">
+                                          <p:stCondLst>
+                                            <p:cond delay="0"/>
+                                          </p:stCondLst>
+                                        </p:cTn>
+                                        <p:tgtEl>
+                                          <p:spTgt spid="3">
+                                            <p:txEl>
+                                              <p:pRg st="6" end="6"/>
+                                            </p:txEl>
+                                          </p:spTgt>
+                                        </p:tgtEl>
+                                        <p:attrNameLst>
+                                          <p:attrName>style.visibility</p:attrName>
+                                        </p:attrNameLst>
+                                      </p:cBhvr>
+                                      <p:to>
+                                        <p:strVal val="visible"/>
+                                      </p:to>
+                                    </p:set>
+                                    <p:anim calcmode="lin" valueType="num">
+                                      <p:cBhvr additive="base">
+                                        <p:cTn id="36" dur="500" fill="hold"/>
+                                        <p:tgtEl>
+                                          <p:spTgt spid="3">
+                                            <p:txEl>
+                                              <p:pRg st="6" end="6"/>
+                                            </p:txEl>
+                                          </p:spTgt>
+                                        </p:tgtEl>
+                                        <p:attrNameLst>
+                                          <p:attrName>ppt_x</p:attrName>
+                                        </p:attrNameLst>
+                                      </p:cBhvr>
+                                      <p:tavLst>
+                                        <p:tav tm="0">
+                                          <p:val>
+                                            <p:strVal val="#ppt_x"/>
+                                          </p:val>
+                                        </p:tav>
+                                        <p:tav tm="100000">
+                                          <p:val>
+                                            <p:strVal val="#ppt_x"/>
+                                          </p:val>
+                                        </p:tav>
+                                      </p:tavLst>
+                                    </p:anim>
+                                    <p:anim calcmode="lin" valueType="num">
+                                      <p:cBhvr additive="base">
+                                        <p:cTn id="37" dur="500" fill="hold"/>
+                                        <p:tgtEl>
+                                          <p:spTgt spid="3">
+                                            <p:txEl>
+                                              <p:pRg st="6" end="6"/>
+                                            </p:txEl>
+                                          </p:spTgt>
+                                        </p:tgtEl>
+                                        <p:attrNameLst>
+                                          <p:attrName>ppt_y</p:attrName>
+                                        </p:attrNameLst>
+                                      </p:cBhvr>
+                                      <p:tavLst>
+                                        <p:tav tm="0">
+                                          <p:val>
+                                            <p:strVal val="1+#ppt_h/2"/>
+                                          </p:val>
+                                        </p:tav>
+                                        <p:tav tm="100000">
+                                          <p:val>
+                                            <p:strVal val="#ppt_y"/>
+                                          </p:val>
+                                        </p:tav>
+                                      </p:tavLst>
+                                    </p:anim>
+                                  </p:childTnLst>
+                                </p:cTn>
+                              </p:par>
+                            </p:childTnLst>
+                          </p:cTn>
+                        </p:par>
+                      </p:childTnLst>
+                    </p:cTn>
+                  </p:par>
+                </p:childTnLst>
+              </p:cTn>
+              <p:prevCondLst>
+                <p:cond evt="onPrev" delay="0">
+                  <p:tgtEl>
+                    <p:sldTgt/>
+                  </p:tgtEl>
+                </p:cond>
+              </p:prevCondLst>
+              <p:nextCondLst>
+                <p:cond evt="onNext" delay="0">
+                  <p:tgtEl>
+                    <p:sldTgt/>
+                  </p:tgtEl>
+                </p:cond>
+              </p:nextCondLst>
+            </p:seq>
+          </p:childTnLst>
+        </p:cTn>
+      </p:par>
+    </p:tnLst>
+    <p:bldLst>
+      <p:bldP spid="3" grpId="0" uiExpand="1" build="p"/>
+    </p:bldLst>
+  </p:timing>
 </p:sld>
 </file>
 
@@ -17023,7 +21209,7 @@
           <a:p>
             <a:r>
               <a:rPr lang="en-US" dirty="0"/>
-              <a:t>Local DB libraries</a:t>
+              <a:t>More information</a:t>
             </a:r>
           </a:p>
         </p:txBody>
@@ -17050,6 +21236,18 @@
             </a:r>
           </a:p>
           <a:p>
+            <a:pPr lvl="1"/>
+            <a:r>
+              <a:rPr lang="en-US" dirty="0"/>
+              <a:t>began in the end of 2010 by Alexander </a:t>
+            </a:r>
+            <a:r>
+              <a:rPr lang="en-US" dirty="0" err="1"/>
+              <a:t>Stigsen</a:t>
+            </a:r>
+            <a:endParaRPr lang="en-US" dirty="0"/>
+          </a:p>
+          <a:p>
             <a:pPr lvl="0"/>
             <a:r>
               <a:rPr lang="en-US" dirty="0"/>
@@ -17057,11 +21255,32 @@
             </a:r>
           </a:p>
           <a:p>
+            <a:pPr lvl="1"/>
+            <a:r>
+              <a:rPr lang="en-US" dirty="0"/>
+              <a:t>By Google at 2018</a:t>
+            </a:r>
+          </a:p>
+          <a:p>
+            <a:r>
+              <a:rPr lang="en-US" dirty="0"/>
+              <a:t>Object Box</a:t>
+            </a:r>
+          </a:p>
+          <a:p>
+            <a:pPr lvl="1"/>
+            <a:r>
+              <a:rPr lang="en-US" dirty="0"/>
+              <a:t>By </a:t>
+            </a:r>
             <a:r>
               <a:rPr lang="en-US" dirty="0" err="1"/>
-              <a:t>ObjectBox</a:t>
-            </a:r>
-            <a:endParaRPr lang="en-US" dirty="0"/>
+              <a:t>Greenrobot</a:t>
+            </a:r>
+            <a:r>
+              <a:rPr lang="en-US" dirty="0"/>
+              <a:t> team at 2017</a:t>
+            </a:r>
           </a:p>
           <a:p>
             <a:endParaRPr lang="en-US" dirty="0"/>
@@ -17125,6 +21344,363 @@
   <p:clrMapOvr>
     <a:masterClrMapping/>
   </p:clrMapOvr>
+  <mc:AlternateContent xmlns:mc="http://schemas.openxmlformats.org/markup-compatibility/2006" xmlns:p14="http://schemas.microsoft.com/office/powerpoint/2010/main">
+    <mc:Choice Requires="p14">
+      <p:transition spd="med" p14:dur="700">
+        <p:fade/>
+      </p:transition>
+    </mc:Choice>
+    <mc:Fallback xmlns="">
+      <p:transition spd="med">
+        <p:fade/>
+      </p:transition>
+    </mc:Fallback>
+  </mc:AlternateContent>
+  <p:timing>
+    <p:tnLst>
+      <p:par>
+        <p:cTn id="1" dur="indefinite" restart="never" nodeType="tmRoot">
+          <p:childTnLst>
+            <p:seq concurrent="1" nextAc="seek">
+              <p:cTn id="2" dur="indefinite" nodeType="mainSeq">
+                <p:childTnLst>
+                  <p:par>
+                    <p:cTn id="3" fill="hold">
+                      <p:stCondLst>
+                        <p:cond delay="indefinite"/>
+                      </p:stCondLst>
+                      <p:childTnLst>
+                        <p:par>
+                          <p:cTn id="4" fill="hold">
+                            <p:stCondLst>
+                              <p:cond delay="0"/>
+                            </p:stCondLst>
+                            <p:childTnLst>
+                              <p:par>
+                                <p:cTn id="5" presetID="10" presetClass="entr" presetSubtype="0" fill="hold" grpId="0" nodeType="clickEffect">
+                                  <p:stCondLst>
+                                    <p:cond delay="0"/>
+                                  </p:stCondLst>
+                                  <p:childTnLst>
+                                    <p:set>
+                                      <p:cBhvr>
+                                        <p:cTn id="6" dur="1" fill="hold">
+                                          <p:stCondLst>
+                                            <p:cond delay="0"/>
+                                          </p:stCondLst>
+                                        </p:cTn>
+                                        <p:tgtEl>
+                                          <p:spTgt spid="3">
+                                            <p:txEl>
+                                              <p:pRg st="0" end="0"/>
+                                            </p:txEl>
+                                          </p:spTgt>
+                                        </p:tgtEl>
+                                        <p:attrNameLst>
+                                          <p:attrName>style.visibility</p:attrName>
+                                        </p:attrNameLst>
+                                      </p:cBhvr>
+                                      <p:to>
+                                        <p:strVal val="visible"/>
+                                      </p:to>
+                                    </p:set>
+                                    <p:animEffect transition="in" filter="fade">
+                                      <p:cBhvr>
+                                        <p:cTn id="7" dur="500"/>
+                                        <p:tgtEl>
+                                          <p:spTgt spid="3">
+                                            <p:txEl>
+                                              <p:pRg st="0" end="0"/>
+                                            </p:txEl>
+                                          </p:spTgt>
+                                        </p:tgtEl>
+                                      </p:cBhvr>
+                                    </p:animEffect>
+                                  </p:childTnLst>
+                                </p:cTn>
+                              </p:par>
+                              <p:par>
+                                <p:cTn id="8" presetID="10" presetClass="entr" presetSubtype="0" fill="hold" grpId="0" nodeType="withEffect">
+                                  <p:stCondLst>
+                                    <p:cond delay="0"/>
+                                  </p:stCondLst>
+                                  <p:childTnLst>
+                                    <p:set>
+                                      <p:cBhvr>
+                                        <p:cTn id="9" dur="1" fill="hold">
+                                          <p:stCondLst>
+                                            <p:cond delay="0"/>
+                                          </p:stCondLst>
+                                        </p:cTn>
+                                        <p:tgtEl>
+                                          <p:spTgt spid="3">
+                                            <p:txEl>
+                                              <p:pRg st="1" end="1"/>
+                                            </p:txEl>
+                                          </p:spTgt>
+                                        </p:tgtEl>
+                                        <p:attrNameLst>
+                                          <p:attrName>style.visibility</p:attrName>
+                                        </p:attrNameLst>
+                                      </p:cBhvr>
+                                      <p:to>
+                                        <p:strVal val="visible"/>
+                                      </p:to>
+                                    </p:set>
+                                    <p:animEffect transition="in" filter="fade">
+                                      <p:cBhvr>
+                                        <p:cTn id="10" dur="500"/>
+                                        <p:tgtEl>
+                                          <p:spTgt spid="3">
+                                            <p:txEl>
+                                              <p:pRg st="1" end="1"/>
+                                            </p:txEl>
+                                          </p:spTgt>
+                                        </p:tgtEl>
+                                      </p:cBhvr>
+                                    </p:animEffect>
+                                  </p:childTnLst>
+                                </p:cTn>
+                              </p:par>
+                            </p:childTnLst>
+                          </p:cTn>
+                        </p:par>
+                      </p:childTnLst>
+                    </p:cTn>
+                  </p:par>
+                  <p:par>
+                    <p:cTn id="11" fill="hold">
+                      <p:stCondLst>
+                        <p:cond delay="indefinite"/>
+                      </p:stCondLst>
+                      <p:childTnLst>
+                        <p:par>
+                          <p:cTn id="12" fill="hold">
+                            <p:stCondLst>
+                              <p:cond delay="0"/>
+                            </p:stCondLst>
+                            <p:childTnLst>
+                              <p:par>
+                                <p:cTn id="13" presetID="10" presetClass="entr" presetSubtype="0" fill="hold" grpId="0" nodeType="clickEffect">
+                                  <p:stCondLst>
+                                    <p:cond delay="0"/>
+                                  </p:stCondLst>
+                                  <p:childTnLst>
+                                    <p:set>
+                                      <p:cBhvr>
+                                        <p:cTn id="14" dur="1" fill="hold">
+                                          <p:stCondLst>
+                                            <p:cond delay="0"/>
+                                          </p:stCondLst>
+                                        </p:cTn>
+                                        <p:tgtEl>
+                                          <p:spTgt spid="3">
+                                            <p:txEl>
+                                              <p:pRg st="2" end="2"/>
+                                            </p:txEl>
+                                          </p:spTgt>
+                                        </p:tgtEl>
+                                        <p:attrNameLst>
+                                          <p:attrName>style.visibility</p:attrName>
+                                        </p:attrNameLst>
+                                      </p:cBhvr>
+                                      <p:to>
+                                        <p:strVal val="visible"/>
+                                      </p:to>
+                                    </p:set>
+                                    <p:animEffect transition="in" filter="fade">
+                                      <p:cBhvr>
+                                        <p:cTn id="15" dur="500"/>
+                                        <p:tgtEl>
+                                          <p:spTgt spid="3">
+                                            <p:txEl>
+                                              <p:pRg st="2" end="2"/>
+                                            </p:txEl>
+                                          </p:spTgt>
+                                        </p:tgtEl>
+                                      </p:cBhvr>
+                                    </p:animEffect>
+                                  </p:childTnLst>
+                                </p:cTn>
+                              </p:par>
+                              <p:par>
+                                <p:cTn id="16" presetID="10" presetClass="entr" presetSubtype="0" fill="hold" grpId="0" nodeType="withEffect">
+                                  <p:stCondLst>
+                                    <p:cond delay="0"/>
+                                  </p:stCondLst>
+                                  <p:childTnLst>
+                                    <p:set>
+                                      <p:cBhvr>
+                                        <p:cTn id="17" dur="1" fill="hold">
+                                          <p:stCondLst>
+                                            <p:cond delay="0"/>
+                                          </p:stCondLst>
+                                        </p:cTn>
+                                        <p:tgtEl>
+                                          <p:spTgt spid="3">
+                                            <p:txEl>
+                                              <p:pRg st="3" end="3"/>
+                                            </p:txEl>
+                                          </p:spTgt>
+                                        </p:tgtEl>
+                                        <p:attrNameLst>
+                                          <p:attrName>style.visibility</p:attrName>
+                                        </p:attrNameLst>
+                                      </p:cBhvr>
+                                      <p:to>
+                                        <p:strVal val="visible"/>
+                                      </p:to>
+                                    </p:set>
+                                    <p:animEffect transition="in" filter="fade">
+                                      <p:cBhvr>
+                                        <p:cTn id="18" dur="500"/>
+                                        <p:tgtEl>
+                                          <p:spTgt spid="3">
+                                            <p:txEl>
+                                              <p:pRg st="3" end="3"/>
+                                            </p:txEl>
+                                          </p:spTgt>
+                                        </p:tgtEl>
+                                      </p:cBhvr>
+                                    </p:animEffect>
+                                  </p:childTnLst>
+                                </p:cTn>
+                              </p:par>
+                            </p:childTnLst>
+                          </p:cTn>
+                        </p:par>
+                      </p:childTnLst>
+                    </p:cTn>
+                  </p:par>
+                  <p:par>
+                    <p:cTn id="19" fill="hold">
+                      <p:stCondLst>
+                        <p:cond delay="indefinite"/>
+                      </p:stCondLst>
+                      <p:childTnLst>
+                        <p:par>
+                          <p:cTn id="20" fill="hold">
+                            <p:stCondLst>
+                              <p:cond delay="0"/>
+                            </p:stCondLst>
+                            <p:childTnLst>
+                              <p:par>
+                                <p:cTn id="21" presetID="10" presetClass="entr" presetSubtype="0" fill="hold" grpId="0" nodeType="clickEffect">
+                                  <p:stCondLst>
+                                    <p:cond delay="0"/>
+                                  </p:stCondLst>
+                                  <p:childTnLst>
+                                    <p:set>
+                                      <p:cBhvr>
+                                        <p:cTn id="22" dur="1" fill="hold">
+                                          <p:stCondLst>
+                                            <p:cond delay="0"/>
+                                          </p:stCondLst>
+                                        </p:cTn>
+                                        <p:tgtEl>
+                                          <p:spTgt spid="3">
+                                            <p:txEl>
+                                              <p:pRg st="4" end="4"/>
+                                            </p:txEl>
+                                          </p:spTgt>
+                                        </p:tgtEl>
+                                        <p:attrNameLst>
+                                          <p:attrName>style.visibility</p:attrName>
+                                        </p:attrNameLst>
+                                      </p:cBhvr>
+                                      <p:to>
+                                        <p:strVal val="visible"/>
+                                      </p:to>
+                                    </p:set>
+                                    <p:animEffect transition="in" filter="fade">
+                                      <p:cBhvr>
+                                        <p:cTn id="23" dur="500"/>
+                                        <p:tgtEl>
+                                          <p:spTgt spid="3">
+                                            <p:txEl>
+                                              <p:pRg st="4" end="4"/>
+                                            </p:txEl>
+                                          </p:spTgt>
+                                        </p:tgtEl>
+                                      </p:cBhvr>
+                                    </p:animEffect>
+                                  </p:childTnLst>
+                                </p:cTn>
+                              </p:par>
+                              <p:par>
+                                <p:cTn id="24" presetID="10" presetClass="entr" presetSubtype="0" fill="hold" grpId="0" nodeType="withEffect">
+                                  <p:stCondLst>
+                                    <p:cond delay="0"/>
+                                  </p:stCondLst>
+                                  <p:childTnLst>
+                                    <p:set>
+                                      <p:cBhvr>
+                                        <p:cTn id="25" dur="1" fill="hold">
+                                          <p:stCondLst>
+                                            <p:cond delay="0"/>
+                                          </p:stCondLst>
+                                        </p:cTn>
+                                        <p:tgtEl>
+                                          <p:spTgt spid="3">
+                                            <p:txEl>
+                                              <p:pRg st="5" end="5"/>
+                                            </p:txEl>
+                                          </p:spTgt>
+                                        </p:tgtEl>
+                                        <p:attrNameLst>
+                                          <p:attrName>style.visibility</p:attrName>
+                                        </p:attrNameLst>
+                                      </p:cBhvr>
+                                      <p:to>
+                                        <p:strVal val="visible"/>
+                                      </p:to>
+                                    </p:set>
+                                    <p:animEffect transition="in" filter="fade">
+                                      <p:cBhvr>
+                                        <p:cTn id="26" dur="500"/>
+                                        <p:tgtEl>
+                                          <p:spTgt spid="3">
+                                            <p:txEl>
+                                              <p:pRg st="5" end="5"/>
+                                            </p:txEl>
+                                          </p:spTgt>
+                                        </p:tgtEl>
+                                      </p:cBhvr>
+                                    </p:animEffect>
+                                  </p:childTnLst>
+                                </p:cTn>
+                              </p:par>
+                            </p:childTnLst>
+                          </p:cTn>
+                        </p:par>
+                      </p:childTnLst>
+                    </p:cTn>
+                  </p:par>
+                </p:childTnLst>
+              </p:cTn>
+              <p:prevCondLst>
+                <p:cond evt="onPrev" delay="0">
+                  <p:tgtEl>
+                    <p:sldTgt/>
+                  </p:tgtEl>
+                </p:cond>
+              </p:prevCondLst>
+              <p:nextCondLst>
+                <p:cond evt="onNext" delay="0">
+                  <p:tgtEl>
+                    <p:sldTgt/>
+                  </p:tgtEl>
+                </p:cond>
+              </p:nextCondLst>
+            </p:seq>
+          </p:childTnLst>
+        </p:cTn>
+      </p:par>
+    </p:tnLst>
+    <p:bldLst>
+      <p:bldP spid="3" grpId="0" uiExpand="1" build="p"/>
+    </p:bldLst>
+  </p:timing>
 </p:sld>
 </file>
 
@@ -17291,7 +21867,40 @@
                     <a:prstClr val="white"/>
                   </a:solidFill>
                 </a:rPr>
-                <a:t>Feature 1</a:t>
+                <a:t>Core C++ NoSQL</a:t>
+              </a:r>
+            </a:p>
+            <a:p>
+              <a:pPr marL="571500" lvl="0" indent="-342900">
+                <a:buFont typeface="Arial" panose="020B0604020202020204" pitchFamily="34" charset="0"/>
+                <a:buChar char="•"/>
+              </a:pPr>
+              <a:r>
+                <a:rPr lang="en-US" sz="2000" dirty="0" err="1">
+                  <a:solidFill>
+                    <a:prstClr val="white"/>
+                  </a:solidFill>
+                </a:rPr>
+                <a:t>RealmModel</a:t>
+              </a:r>
+              <a:endParaRPr lang="en-US" sz="2000" dirty="0">
+                <a:solidFill>
+                  <a:prstClr val="white"/>
+                </a:solidFill>
+              </a:endParaRPr>
+            </a:p>
+            <a:p>
+              <a:pPr marL="571500" lvl="0" indent="-342900">
+                <a:buFont typeface="Arial" panose="020B0604020202020204" pitchFamily="34" charset="0"/>
+                <a:buChar char="•"/>
+              </a:pPr>
+              <a:r>
+                <a:rPr lang="en-US" sz="2000" dirty="0">
+                  <a:solidFill>
+                    <a:prstClr val="white"/>
+                  </a:solidFill>
+                </a:rPr>
+                <a:t>&gt;=2.5MB</a:t>
               </a:r>
             </a:p>
             <a:p>
@@ -17305,7 +21914,7 @@
                     <a:prstClr val="white"/>
                   </a:solidFill>
                 </a:rPr>
-                <a:t>Feature 2</a:t>
+                <a:t>Migration by hand</a:t>
               </a:r>
             </a:p>
             <a:p>
@@ -17319,35 +21928,7 @@
                     <a:prstClr val="white"/>
                   </a:solidFill>
                 </a:rPr>
-                <a:t>Feature 3</a:t>
-              </a:r>
-            </a:p>
-            <a:p>
-              <a:pPr marL="571500" lvl="0" indent="-342900">
-                <a:buFont typeface="Arial" panose="020B0604020202020204" pitchFamily="34" charset="0"/>
-                <a:buChar char="•"/>
-              </a:pPr>
-              <a:r>
-                <a:rPr lang="en-US" sz="2000" dirty="0">
-                  <a:solidFill>
-                    <a:prstClr val="white"/>
-                  </a:solidFill>
-                </a:rPr>
-                <a:t>Feature 4</a:t>
-              </a:r>
-            </a:p>
-            <a:p>
-              <a:pPr marL="571500" lvl="0" indent="-342900">
-                <a:buFont typeface="Arial" panose="020B0604020202020204" pitchFamily="34" charset="0"/>
-                <a:buChar char="•"/>
-              </a:pPr>
-              <a:r>
-                <a:rPr lang="en-US" sz="2000" dirty="0">
-                  <a:solidFill>
-                    <a:prstClr val="white"/>
-                  </a:solidFill>
-                </a:rPr>
-                <a:t>Feature 5</a:t>
+                <a:t>1300 method</a:t>
               </a:r>
             </a:p>
             <a:p>
@@ -17356,20 +21937,6 @@
             </a:p>
             <a:p>
               <a:pPr algn="ctr"/>
-              <a:r>
-                <a:rPr lang="en-US" sz="2400" b="1" dirty="0"/>
-                <a:t>Price </a:t>
-              </a:r>
-              <a:r>
-                <a:rPr lang="id-ID" sz="2400" b="1" spc="-150" dirty="0">
-                  <a:solidFill>
-                    <a:schemeClr val="bg1"/>
-                  </a:solidFill>
-                  <a:ea typeface="Open Sans" pitchFamily="34" charset="0"/>
-                  <a:cs typeface="Open Sans" pitchFamily="34" charset="0"/>
-                </a:rPr>
-                <a:t>$ $</a:t>
-              </a:r>
               <a:endParaRPr lang="en-US" sz="2400" b="1" dirty="0"/>
             </a:p>
           </p:txBody>
@@ -17725,7 +22292,7 @@
                     <a:prstClr val="white"/>
                   </a:solidFill>
                 </a:rPr>
-                <a:t>Feature 1</a:t>
+                <a:t>Fastest NoSQL</a:t>
               </a:r>
             </a:p>
             <a:p>
@@ -17739,7 +22306,7 @@
                     <a:prstClr val="white"/>
                   </a:solidFill>
                 </a:rPr>
-                <a:t>Feature 2</a:t>
+                <a:t>POJO</a:t>
               </a:r>
             </a:p>
             <a:p>
@@ -17753,7 +22320,7 @@
                     <a:prstClr val="white"/>
                   </a:solidFill>
                 </a:rPr>
-                <a:t>Feature 3</a:t>
+                <a:t>&lt;= 1MB</a:t>
               </a:r>
             </a:p>
             <a:p>
@@ -17767,7 +22334,7 @@
                     <a:prstClr val="white"/>
                   </a:solidFill>
                 </a:rPr>
-                <a:t>Feature 4</a:t>
+                <a:t>Auto Migration</a:t>
               </a:r>
             </a:p>
             <a:p>
@@ -17781,7 +22348,7 @@
                     <a:prstClr val="white"/>
                   </a:solidFill>
                 </a:rPr>
-                <a:t>Feature 5</a:t>
+                <a:t>2000 method</a:t>
               </a:r>
             </a:p>
             <a:p>
@@ -17794,24 +22361,6 @@
             </a:p>
             <a:p>
               <a:pPr lvl="0" algn="ctr"/>
-              <a:r>
-                <a:rPr lang="en-US" sz="2400" b="1" dirty="0">
-                  <a:solidFill>
-                    <a:prstClr val="white"/>
-                  </a:solidFill>
-                </a:rPr>
-                <a:t>Price </a:t>
-              </a:r>
-              <a:r>
-                <a:rPr lang="id-ID" sz="2400" b="1" spc="-150" dirty="0">
-                  <a:solidFill>
-                    <a:prstClr val="white"/>
-                  </a:solidFill>
-                  <a:ea typeface="Open Sans" pitchFamily="34" charset="0"/>
-                  <a:cs typeface="Open Sans" pitchFamily="34" charset="0"/>
-                </a:rPr>
-                <a:t>$ $</a:t>
-              </a:r>
               <a:endParaRPr lang="en-US" sz="2400" b="1" dirty="0">
                 <a:solidFill>
                   <a:prstClr val="white"/>
@@ -18183,7 +22732,42 @@
                     </a:schemeClr>
                   </a:solidFill>
                 </a:rPr>
-                <a:t>Feature 1</a:t>
+                <a:t>SQLite</a:t>
+              </a:r>
+              <a:br>
+                <a:rPr lang="en-US" sz="2000" dirty="0">
+                  <a:solidFill>
+                    <a:schemeClr val="tx1">
+                      <a:lumMod val="65000"/>
+                      <a:lumOff val="35000"/>
+                    </a:schemeClr>
+                  </a:solidFill>
+                </a:rPr>
+              </a:br>
+              <a:endParaRPr lang="en-US" sz="2000" dirty="0">
+                <a:solidFill>
+                  <a:schemeClr val="tx1">
+                    <a:lumMod val="65000"/>
+                    <a:lumOff val="35000"/>
+                  </a:schemeClr>
+                </a:solidFill>
+              </a:endParaRPr>
+            </a:p>
+            <a:p>
+              <a:pPr marL="571500" lvl="0" indent="-342900">
+                <a:buFont typeface="Arial" panose="020B0604020202020204" pitchFamily="34" charset="0"/>
+                <a:buChar char="•"/>
+              </a:pPr>
+              <a:r>
+                <a:rPr lang="en-US" sz="2000" dirty="0">
+                  <a:solidFill>
+                    <a:schemeClr val="tx1">
+                      <a:lumMod val="65000"/>
+                      <a:lumOff val="35000"/>
+                    </a:schemeClr>
+                  </a:solidFill>
+                </a:rPr>
+                <a:t>POJO</a:t>
               </a:r>
             </a:p>
             <a:p>
@@ -18200,7 +22784,7 @@
                     </a:schemeClr>
                   </a:solidFill>
                 </a:rPr>
-                <a:t>Feature 2</a:t>
+                <a:t>&gt;=50KB</a:t>
               </a:r>
             </a:p>
             <a:p>
@@ -18217,7 +22801,7 @@
                     </a:schemeClr>
                   </a:solidFill>
                 </a:rPr>
-                <a:t>Feature 3</a:t>
+                <a:t>Migration by hand</a:t>
               </a:r>
             </a:p>
             <a:p>
@@ -18234,24 +22818,7 @@
                     </a:schemeClr>
                   </a:solidFill>
                 </a:rPr>
-                <a:t>Feature 4</a:t>
-              </a:r>
-            </a:p>
-            <a:p>
-              <a:pPr marL="571500" lvl="0" indent="-342900">
-                <a:buFont typeface="Arial" panose="020B0604020202020204" pitchFamily="34" charset="0"/>
-                <a:buChar char="•"/>
-              </a:pPr>
-              <a:r>
-                <a:rPr lang="en-US" sz="2000" dirty="0">
-                  <a:solidFill>
-                    <a:schemeClr val="tx1">
-                      <a:lumMod val="65000"/>
-                      <a:lumOff val="35000"/>
-                    </a:schemeClr>
-                  </a:solidFill>
-                </a:rPr>
-                <a:t>Feature 5</a:t>
+                <a:t>300 method</a:t>
               </a:r>
             </a:p>
             <a:p>
@@ -18267,30 +22834,6 @@
             </a:p>
             <a:p>
               <a:pPr lvl="0" algn="ctr"/>
-              <a:r>
-                <a:rPr lang="en-US" sz="2400" b="1" dirty="0">
-                  <a:solidFill>
-                    <a:schemeClr val="tx1">
-                      <a:lumMod val="65000"/>
-                      <a:lumOff val="35000"/>
-                    </a:schemeClr>
-                  </a:solidFill>
-                </a:rPr>
-                <a:t>Price </a:t>
-              </a:r>
-              <a:r>
-                <a:rPr lang="id-ID" sz="2400" b="1" spc="-150" dirty="0">
-                  <a:solidFill>
-                    <a:schemeClr val="tx1">
-                      <a:lumMod val="65000"/>
-                      <a:lumOff val="35000"/>
-                    </a:schemeClr>
-                  </a:solidFill>
-                  <a:ea typeface="Open Sans" pitchFamily="34" charset="0"/>
-                  <a:cs typeface="Open Sans" pitchFamily="34" charset="0"/>
-                </a:rPr>
-                <a:t>$ $</a:t>
-              </a:r>
               <a:endParaRPr lang="en-US" sz="2400" b="1" dirty="0">
                 <a:solidFill>
                   <a:schemeClr val="tx1">
@@ -18528,6 +23071,831 @@
     <p:extLst>
       <p:ext uri="{BB962C8B-B14F-4D97-AF65-F5344CB8AC3E}">
         <p14:creationId xmlns:p14="http://schemas.microsoft.com/office/powerpoint/2010/main" val="3919247051"/>
+      </p:ext>
+    </p:extLst>
+  </p:cSld>
+  <p:clrMapOvr>
+    <a:masterClrMapping/>
+  </p:clrMapOvr>
+  <p:transition spd="slow">
+    <p:push dir="u"/>
+  </p:transition>
+  <p:timing>
+    <p:tnLst>
+      <p:par>
+        <p:cTn id="1" dur="indefinite" restart="never" nodeType="tmRoot">
+          <p:childTnLst>
+            <p:seq concurrent="1" nextAc="seek">
+              <p:cTn id="2" dur="indefinite" nodeType="mainSeq">
+                <p:childTnLst>
+                  <p:par>
+                    <p:cTn id="3" fill="hold">
+                      <p:stCondLst>
+                        <p:cond delay="indefinite"/>
+                      </p:stCondLst>
+                      <p:childTnLst>
+                        <p:par>
+                          <p:cTn id="4" fill="hold">
+                            <p:stCondLst>
+                              <p:cond delay="0"/>
+                            </p:stCondLst>
+                            <p:childTnLst>
+                              <p:par>
+                                <p:cTn id="5" presetID="2" presetClass="entr" presetSubtype="4" fill="hold" nodeType="clickEffect">
+                                  <p:stCondLst>
+                                    <p:cond delay="0"/>
+                                  </p:stCondLst>
+                                  <p:childTnLst>
+                                    <p:set>
+                                      <p:cBhvr>
+                                        <p:cTn id="6" dur="1" fill="hold">
+                                          <p:stCondLst>
+                                            <p:cond delay="0"/>
+                                          </p:stCondLst>
+                                        </p:cTn>
+                                        <p:tgtEl>
+                                          <p:spTgt spid="23"/>
+                                        </p:tgtEl>
+                                        <p:attrNameLst>
+                                          <p:attrName>style.visibility</p:attrName>
+                                        </p:attrNameLst>
+                                      </p:cBhvr>
+                                      <p:to>
+                                        <p:strVal val="visible"/>
+                                      </p:to>
+                                    </p:set>
+                                    <p:anim calcmode="lin" valueType="num">
+                                      <p:cBhvr additive="base">
+                                        <p:cTn id="7" dur="500" fill="hold"/>
+                                        <p:tgtEl>
+                                          <p:spTgt spid="23"/>
+                                        </p:tgtEl>
+                                        <p:attrNameLst>
+                                          <p:attrName>ppt_x</p:attrName>
+                                        </p:attrNameLst>
+                                      </p:cBhvr>
+                                      <p:tavLst>
+                                        <p:tav tm="0">
+                                          <p:val>
+                                            <p:strVal val="#ppt_x"/>
+                                          </p:val>
+                                        </p:tav>
+                                        <p:tav tm="100000">
+                                          <p:val>
+                                            <p:strVal val="#ppt_x"/>
+                                          </p:val>
+                                        </p:tav>
+                                      </p:tavLst>
+                                    </p:anim>
+                                    <p:anim calcmode="lin" valueType="num">
+                                      <p:cBhvr additive="base">
+                                        <p:cTn id="8" dur="500" fill="hold"/>
+                                        <p:tgtEl>
+                                          <p:spTgt spid="23"/>
+                                        </p:tgtEl>
+                                        <p:attrNameLst>
+                                          <p:attrName>ppt_y</p:attrName>
+                                        </p:attrNameLst>
+                                      </p:cBhvr>
+                                      <p:tavLst>
+                                        <p:tav tm="0">
+                                          <p:val>
+                                            <p:strVal val="1+#ppt_h/2"/>
+                                          </p:val>
+                                        </p:tav>
+                                        <p:tav tm="100000">
+                                          <p:val>
+                                            <p:strVal val="#ppt_y"/>
+                                          </p:val>
+                                        </p:tav>
+                                      </p:tavLst>
+                                    </p:anim>
+                                  </p:childTnLst>
+                                </p:cTn>
+                              </p:par>
+                            </p:childTnLst>
+                          </p:cTn>
+                        </p:par>
+                      </p:childTnLst>
+                    </p:cTn>
+                  </p:par>
+                  <p:par>
+                    <p:cTn id="9" fill="hold">
+                      <p:stCondLst>
+                        <p:cond delay="indefinite"/>
+                      </p:stCondLst>
+                      <p:childTnLst>
+                        <p:par>
+                          <p:cTn id="10" fill="hold">
+                            <p:stCondLst>
+                              <p:cond delay="0"/>
+                            </p:stCondLst>
+                            <p:childTnLst>
+                              <p:par>
+                                <p:cTn id="11" presetID="2" presetClass="entr" presetSubtype="4" fill="hold" nodeType="clickEffect">
+                                  <p:stCondLst>
+                                    <p:cond delay="0"/>
+                                  </p:stCondLst>
+                                  <p:childTnLst>
+                                    <p:set>
+                                      <p:cBhvr>
+                                        <p:cTn id="12" dur="1" fill="hold">
+                                          <p:stCondLst>
+                                            <p:cond delay="0"/>
+                                          </p:stCondLst>
+                                        </p:cTn>
+                                        <p:tgtEl>
+                                          <p:spTgt spid="37"/>
+                                        </p:tgtEl>
+                                        <p:attrNameLst>
+                                          <p:attrName>style.visibility</p:attrName>
+                                        </p:attrNameLst>
+                                      </p:cBhvr>
+                                      <p:to>
+                                        <p:strVal val="visible"/>
+                                      </p:to>
+                                    </p:set>
+                                    <p:anim calcmode="lin" valueType="num">
+                                      <p:cBhvr additive="base">
+                                        <p:cTn id="13" dur="500" fill="hold"/>
+                                        <p:tgtEl>
+                                          <p:spTgt spid="37"/>
+                                        </p:tgtEl>
+                                        <p:attrNameLst>
+                                          <p:attrName>ppt_x</p:attrName>
+                                        </p:attrNameLst>
+                                      </p:cBhvr>
+                                      <p:tavLst>
+                                        <p:tav tm="0">
+                                          <p:val>
+                                            <p:strVal val="#ppt_x"/>
+                                          </p:val>
+                                        </p:tav>
+                                        <p:tav tm="100000">
+                                          <p:val>
+                                            <p:strVal val="#ppt_x"/>
+                                          </p:val>
+                                        </p:tav>
+                                      </p:tavLst>
+                                    </p:anim>
+                                    <p:anim calcmode="lin" valueType="num">
+                                      <p:cBhvr additive="base">
+                                        <p:cTn id="14" dur="500" fill="hold"/>
+                                        <p:tgtEl>
+                                          <p:spTgt spid="37"/>
+                                        </p:tgtEl>
+                                        <p:attrNameLst>
+                                          <p:attrName>ppt_y</p:attrName>
+                                        </p:attrNameLst>
+                                      </p:cBhvr>
+                                      <p:tavLst>
+                                        <p:tav tm="0">
+                                          <p:val>
+                                            <p:strVal val="1+#ppt_h/2"/>
+                                          </p:val>
+                                        </p:tav>
+                                        <p:tav tm="100000">
+                                          <p:val>
+                                            <p:strVal val="#ppt_y"/>
+                                          </p:val>
+                                        </p:tav>
+                                      </p:tavLst>
+                                    </p:anim>
+                                  </p:childTnLst>
+                                </p:cTn>
+                              </p:par>
+                            </p:childTnLst>
+                          </p:cTn>
+                        </p:par>
+                      </p:childTnLst>
+                    </p:cTn>
+                  </p:par>
+                  <p:par>
+                    <p:cTn id="15" fill="hold">
+                      <p:stCondLst>
+                        <p:cond delay="indefinite"/>
+                      </p:stCondLst>
+                      <p:childTnLst>
+                        <p:par>
+                          <p:cTn id="16" fill="hold">
+                            <p:stCondLst>
+                              <p:cond delay="0"/>
+                            </p:stCondLst>
+                            <p:childTnLst>
+                              <p:par>
+                                <p:cTn id="17" presetID="2" presetClass="entr" presetSubtype="4" fill="hold" nodeType="clickEffect">
+                                  <p:stCondLst>
+                                    <p:cond delay="0"/>
+                                  </p:stCondLst>
+                                  <p:childTnLst>
+                                    <p:set>
+                                      <p:cBhvr>
+                                        <p:cTn id="18" dur="1" fill="hold">
+                                          <p:stCondLst>
+                                            <p:cond delay="0"/>
+                                          </p:stCondLst>
+                                        </p:cTn>
+                                        <p:tgtEl>
+                                          <p:spTgt spid="30"/>
+                                        </p:tgtEl>
+                                        <p:attrNameLst>
+                                          <p:attrName>style.visibility</p:attrName>
+                                        </p:attrNameLst>
+                                      </p:cBhvr>
+                                      <p:to>
+                                        <p:strVal val="visible"/>
+                                      </p:to>
+                                    </p:set>
+                                    <p:anim calcmode="lin" valueType="num">
+                                      <p:cBhvr additive="base">
+                                        <p:cTn id="19" dur="500" fill="hold"/>
+                                        <p:tgtEl>
+                                          <p:spTgt spid="30"/>
+                                        </p:tgtEl>
+                                        <p:attrNameLst>
+                                          <p:attrName>ppt_x</p:attrName>
+                                        </p:attrNameLst>
+                                      </p:cBhvr>
+                                      <p:tavLst>
+                                        <p:tav tm="0">
+                                          <p:val>
+                                            <p:strVal val="#ppt_x"/>
+                                          </p:val>
+                                        </p:tav>
+                                        <p:tav tm="100000">
+                                          <p:val>
+                                            <p:strVal val="#ppt_x"/>
+                                          </p:val>
+                                        </p:tav>
+                                      </p:tavLst>
+                                    </p:anim>
+                                    <p:anim calcmode="lin" valueType="num">
+                                      <p:cBhvr additive="base">
+                                        <p:cTn id="20" dur="500" fill="hold"/>
+                                        <p:tgtEl>
+                                          <p:spTgt spid="30"/>
+                                        </p:tgtEl>
+                                        <p:attrNameLst>
+                                          <p:attrName>ppt_y</p:attrName>
+                                        </p:attrNameLst>
+                                      </p:cBhvr>
+                                      <p:tavLst>
+                                        <p:tav tm="0">
+                                          <p:val>
+                                            <p:strVal val="1+#ppt_h/2"/>
+                                          </p:val>
+                                        </p:tav>
+                                        <p:tav tm="100000">
+                                          <p:val>
+                                            <p:strVal val="#ppt_y"/>
+                                          </p:val>
+                                        </p:tav>
+                                      </p:tavLst>
+                                    </p:anim>
+                                  </p:childTnLst>
+                                </p:cTn>
+                              </p:par>
+                            </p:childTnLst>
+                          </p:cTn>
+                        </p:par>
+                      </p:childTnLst>
+                    </p:cTn>
+                  </p:par>
+                </p:childTnLst>
+              </p:cTn>
+              <p:prevCondLst>
+                <p:cond evt="onPrev" delay="0">
+                  <p:tgtEl>
+                    <p:sldTgt/>
+                  </p:tgtEl>
+                </p:cond>
+              </p:prevCondLst>
+              <p:nextCondLst>
+                <p:cond evt="onNext" delay="0">
+                  <p:tgtEl>
+                    <p:sldTgt/>
+                  </p:tgtEl>
+                </p:cond>
+              </p:nextCondLst>
+            </p:seq>
+          </p:childTnLst>
+        </p:cTn>
+      </p:par>
+    </p:tnLst>
+  </p:timing>
+</p:sld>
+</file>
+
+<file path=ppt/slides/slide4.xml><?xml version="1.0" encoding="utf-8"?>
+<p:sld xmlns:a="http://schemas.openxmlformats.org/drawingml/2006/main" xmlns:r="http://schemas.openxmlformats.org/officeDocument/2006/relationships" xmlns:p="http://schemas.openxmlformats.org/presentationml/2006/main">
+  <p:cSld>
+    <p:spTree>
+      <p:nvGrpSpPr>
+        <p:cNvPr id="1" name=""/>
+        <p:cNvGrpSpPr/>
+        <p:nvPr/>
+      </p:nvGrpSpPr>
+      <p:grpSpPr>
+        <a:xfrm>
+          <a:off x="0" y="0"/>
+          <a:ext cx="0" cy="0"/>
+          <a:chOff x="0" y="0"/>
+          <a:chExt cx="0" cy="0"/>
+        </a:xfrm>
+      </p:grpSpPr>
+      <p:sp>
+        <p:nvSpPr>
+          <p:cNvPr id="2" name="Title 1">
+            <a:extLst>
+              <a:ext uri="{FF2B5EF4-FFF2-40B4-BE49-F238E27FC236}">
+                <a16:creationId xmlns:a16="http://schemas.microsoft.com/office/drawing/2014/main" id="{FC89E4BE-1131-4A88-BD8C-E9136D68EF89}"/>
+              </a:ext>
+            </a:extLst>
+          </p:cNvPr>
+          <p:cNvSpPr>
+            <a:spLocks noGrp="1"/>
+          </p:cNvSpPr>
+          <p:nvPr>
+            <p:ph type="title"/>
+          </p:nvPr>
+        </p:nvSpPr>
+        <p:spPr/>
+        <p:txBody>
+          <a:bodyPr/>
+          <a:lstStyle/>
+          <a:p>
+            <a:r>
+              <a:rPr lang="en-US" dirty="0"/>
+              <a:t>How about speed ?</a:t>
+            </a:r>
+          </a:p>
+        </p:txBody>
+      </p:sp>
+      <p:pic>
+        <p:nvPicPr>
+          <p:cNvPr id="1026" name="Picture 2" descr="https://viblo.asia/uploads/f83098e8-94cb-4685-8955-1397646531b8.png">
+            <a:extLst>
+              <a:ext uri="{FF2B5EF4-FFF2-40B4-BE49-F238E27FC236}">
+                <a16:creationId xmlns:a16="http://schemas.microsoft.com/office/drawing/2014/main" id="{DEA926C6-7EB3-448A-9C2A-494EBE45CABF}"/>
+              </a:ext>
+            </a:extLst>
+          </p:cNvPr>
+          <p:cNvPicPr>
+            <a:picLocks noChangeAspect="1" noChangeArrowheads="1"/>
+          </p:cNvPicPr>
+          <p:nvPr/>
+        </p:nvPicPr>
+        <p:blipFill>
+          <a:blip r:embed="rId3">
+            <a:extLst>
+              <a:ext uri="{28A0092B-C50C-407E-A947-70E740481C1C}">
+                <a14:useLocalDpi xmlns:a14="http://schemas.microsoft.com/office/drawing/2010/main" val="0"/>
+              </a:ext>
+            </a:extLst>
+          </a:blip>
+          <a:srcRect/>
+          <a:stretch>
+            <a:fillRect/>
+          </a:stretch>
+        </p:blipFill>
+        <p:spPr bwMode="auto">
+          <a:xfrm>
+            <a:off x="677335" y="1270000"/>
+            <a:ext cx="7577666" cy="4078162"/>
+          </a:xfrm>
+          <a:prstGeom prst="rect">
+            <a:avLst/>
+          </a:prstGeom>
+          <a:noFill/>
+          <a:extLst>
+            <a:ext uri="{909E8E84-426E-40DD-AFC4-6F175D3DCCD1}">
+              <a14:hiddenFill xmlns:a14="http://schemas.microsoft.com/office/drawing/2010/main">
+                <a:solidFill>
+                  <a:srgbClr val="FFFFFF"/>
+                </a:solidFill>
+              </a14:hiddenFill>
+            </a:ext>
+          </a:extLst>
+        </p:spPr>
+      </p:pic>
+      <p:pic>
+        <p:nvPicPr>
+          <p:cNvPr id="1034" name="Picture 10" descr="https://viblo.asia/uploads/5c032f3e-a54e-4290-8a45-dad1bfefe9d5.jpeg">
+            <a:extLst>
+              <a:ext uri="{FF2B5EF4-FFF2-40B4-BE49-F238E27FC236}">
+                <a16:creationId xmlns:a16="http://schemas.microsoft.com/office/drawing/2014/main" id="{D3AF37C0-678D-4A8C-A87C-139E42D6E44A}"/>
+              </a:ext>
+            </a:extLst>
+          </p:cNvPr>
+          <p:cNvPicPr>
+            <a:picLocks noChangeAspect="1" noChangeArrowheads="1"/>
+          </p:cNvPicPr>
+          <p:nvPr/>
+        </p:nvPicPr>
+        <p:blipFill>
+          <a:blip r:embed="rId4">
+            <a:extLst>
+              <a:ext uri="{28A0092B-C50C-407E-A947-70E740481C1C}">
+                <a14:useLocalDpi xmlns:a14="http://schemas.microsoft.com/office/drawing/2010/main" val="0"/>
+              </a:ext>
+            </a:extLst>
+          </a:blip>
+          <a:srcRect/>
+          <a:stretch>
+            <a:fillRect/>
+          </a:stretch>
+        </p:blipFill>
+        <p:spPr bwMode="auto">
+          <a:xfrm>
+            <a:off x="8255001" y="2359032"/>
+            <a:ext cx="3853353" cy="1349369"/>
+          </a:xfrm>
+          <a:prstGeom prst="rect">
+            <a:avLst/>
+          </a:prstGeom>
+          <a:noFill/>
+          <a:extLst>
+            <a:ext uri="{909E8E84-426E-40DD-AFC4-6F175D3DCCD1}">
+              <a14:hiddenFill xmlns:a14="http://schemas.microsoft.com/office/drawing/2010/main">
+                <a:solidFill>
+                  <a:srgbClr val="FFFFFF"/>
+                </a:solidFill>
+              </a14:hiddenFill>
+            </a:ext>
+          </a:extLst>
+        </p:spPr>
+      </p:pic>
+      <p:sp>
+        <p:nvSpPr>
+          <p:cNvPr id="3" name="TextBox 2">
+            <a:extLst>
+              <a:ext uri="{FF2B5EF4-FFF2-40B4-BE49-F238E27FC236}">
+                <a16:creationId xmlns:a16="http://schemas.microsoft.com/office/drawing/2014/main" id="{89ADE847-BEB2-40BE-B977-B78944A9F256}"/>
+              </a:ext>
+            </a:extLst>
+          </p:cNvPr>
+          <p:cNvSpPr txBox="1"/>
+          <p:nvPr/>
+        </p:nvSpPr>
+        <p:spPr>
+          <a:xfrm>
+            <a:off x="1504950" y="5663625"/>
+            <a:ext cx="6260047" cy="584775"/>
+          </a:xfrm>
+          <a:prstGeom prst="rect">
+            <a:avLst/>
+          </a:prstGeom>
+          <a:noFill/>
+        </p:spPr>
+        <p:txBody>
+          <a:bodyPr wrap="none" rtlCol="0">
+            <a:spAutoFit/>
+          </a:bodyPr>
+          <a:lstStyle/>
+          <a:p>
+            <a:r>
+              <a:rPr lang="en-US" sz="3200" b="1" dirty="0" err="1">
+                <a:latin typeface="ÁnhMinh 1.1" panose="020B7200000000000000" pitchFamily="34" charset="0"/>
+              </a:rPr>
+              <a:t>ObjectBox</a:t>
+            </a:r>
+            <a:r>
+              <a:rPr lang="en-US" sz="3200" b="1" dirty="0">
+                <a:latin typeface="ÁnhMinh 1.1" panose="020B7200000000000000" pitchFamily="34" charset="0"/>
+              </a:rPr>
+              <a:t> crushes all competition</a:t>
+            </a:r>
+          </a:p>
+        </p:txBody>
+      </p:sp>
+    </p:spTree>
+    <p:extLst>
+      <p:ext uri="{BB962C8B-B14F-4D97-AF65-F5344CB8AC3E}">
+        <p14:creationId xmlns:p14="http://schemas.microsoft.com/office/powerpoint/2010/main" val="3587517496"/>
+      </p:ext>
+    </p:extLst>
+  </p:cSld>
+  <p:clrMapOvr>
+    <a:masterClrMapping/>
+  </p:clrMapOvr>
+  <mc:AlternateContent xmlns:mc="http://schemas.openxmlformats.org/markup-compatibility/2006" xmlns:p14="http://schemas.microsoft.com/office/powerpoint/2010/main">
+    <mc:Choice Requires="p14">
+      <p:transition spd="slow" p14:dur="1500">
+        <p:split orient="vert"/>
+      </p:transition>
+    </mc:Choice>
+    <mc:Fallback xmlns="">
+      <p:transition spd="slow">
+        <p:split orient="vert"/>
+      </p:transition>
+    </mc:Fallback>
+  </mc:AlternateContent>
+  <p:timing>
+    <p:tnLst>
+      <p:par>
+        <p:cTn id="1" dur="indefinite" restart="never" nodeType="tmRoot">
+          <p:childTnLst>
+            <p:seq concurrent="1" nextAc="seek">
+              <p:cTn id="2" dur="indefinite" nodeType="mainSeq">
+                <p:childTnLst>
+                  <p:par>
+                    <p:cTn id="3" fill="hold">
+                      <p:stCondLst>
+                        <p:cond delay="indefinite"/>
+                      </p:stCondLst>
+                      <p:childTnLst>
+                        <p:par>
+                          <p:cTn id="4" fill="hold">
+                            <p:stCondLst>
+                              <p:cond delay="0"/>
+                            </p:stCondLst>
+                            <p:childTnLst>
+                              <p:par>
+                                <p:cTn id="5" presetID="16" presetClass="emph" presetSubtype="0" fill="hold" grpId="0" nodeType="clickEffect">
+                                  <p:stCondLst>
+                                    <p:cond delay="0"/>
+                                  </p:stCondLst>
+                                  <p:iterate type="lt">
+                                    <p:tmPct val="4000"/>
+                                  </p:iterate>
+                                  <p:childTnLst>
+                                    <p:set>
+                                      <p:cBhvr override="childStyle">
+                                        <p:cTn id="6" dur="500" fill="hold"/>
+                                        <p:tgtEl>
+                                          <p:spTgt spid="3"/>
+                                        </p:tgtEl>
+                                        <p:attrNameLst>
+                                          <p:attrName>style.color</p:attrName>
+                                        </p:attrNameLst>
+                                      </p:cBhvr>
+                                      <p:to>
+                                        <p:clrVal>
+                                          <a:schemeClr val="accent2"/>
+                                        </p:clrVal>
+                                      </p:to>
+                                    </p:set>
+                                    <p:set>
+                                      <p:cBhvr>
+                                        <p:cTn id="7" dur="500" fill="hold"/>
+                                        <p:tgtEl>
+                                          <p:spTgt spid="3"/>
+                                        </p:tgtEl>
+                                        <p:attrNameLst>
+                                          <p:attrName>fillcolor</p:attrName>
+                                        </p:attrNameLst>
+                                      </p:cBhvr>
+                                      <p:to>
+                                        <p:clrVal>
+                                          <a:schemeClr val="accent2"/>
+                                        </p:clrVal>
+                                      </p:to>
+                                    </p:set>
+                                    <p:set>
+                                      <p:cBhvr>
+                                        <p:cTn id="8" dur="500" fill="hold"/>
+                                        <p:tgtEl>
+                                          <p:spTgt spid="3"/>
+                                        </p:tgtEl>
+                                        <p:attrNameLst>
+                                          <p:attrName>fill.type</p:attrName>
+                                        </p:attrNameLst>
+                                      </p:cBhvr>
+                                      <p:to>
+                                        <p:strVal val="solid"/>
+                                      </p:to>
+                                    </p:set>
+                                  </p:childTnLst>
+                                </p:cTn>
+                              </p:par>
+                            </p:childTnLst>
+                          </p:cTn>
+                        </p:par>
+                      </p:childTnLst>
+                    </p:cTn>
+                  </p:par>
+                </p:childTnLst>
+              </p:cTn>
+              <p:prevCondLst>
+                <p:cond evt="onPrev" delay="0">
+                  <p:tgtEl>
+                    <p:sldTgt/>
+                  </p:tgtEl>
+                </p:cond>
+              </p:prevCondLst>
+              <p:nextCondLst>
+                <p:cond evt="onNext" delay="0">
+                  <p:tgtEl>
+                    <p:sldTgt/>
+                  </p:tgtEl>
+                </p:cond>
+              </p:nextCondLst>
+            </p:seq>
+          </p:childTnLst>
+        </p:cTn>
+      </p:par>
+    </p:tnLst>
+    <p:bldLst>
+      <p:bldP spid="3" grpId="0"/>
+    </p:bldLst>
+  </p:timing>
+</p:sld>
+</file>
+
+<file path=ppt/slides/slide5.xml><?xml version="1.0" encoding="utf-8"?>
+<p:sld xmlns:a="http://schemas.openxmlformats.org/drawingml/2006/main" xmlns:r="http://schemas.openxmlformats.org/officeDocument/2006/relationships" xmlns:p="http://schemas.openxmlformats.org/presentationml/2006/main">
+  <p:cSld>
+    <p:spTree>
+      <p:nvGrpSpPr>
+        <p:cNvPr id="1" name=""/>
+        <p:cNvGrpSpPr/>
+        <p:nvPr/>
+      </p:nvGrpSpPr>
+      <p:grpSpPr>
+        <a:xfrm>
+          <a:off x="0" y="0"/>
+          <a:ext cx="0" cy="0"/>
+          <a:chOff x="0" y="0"/>
+          <a:chExt cx="0" cy="0"/>
+        </a:xfrm>
+      </p:grpSpPr>
+      <p:sp>
+        <p:nvSpPr>
+          <p:cNvPr id="2" name="Title 1">
+            <a:extLst>
+              <a:ext uri="{FF2B5EF4-FFF2-40B4-BE49-F238E27FC236}">
+                <a16:creationId xmlns:a16="http://schemas.microsoft.com/office/drawing/2014/main" id="{0CB07401-117E-4BAC-A826-192FE530DF8D}"/>
+              </a:ext>
+            </a:extLst>
+          </p:cNvPr>
+          <p:cNvSpPr>
+            <a:spLocks noGrp="1"/>
+          </p:cNvSpPr>
+          <p:nvPr>
+            <p:ph type="title"/>
+          </p:nvPr>
+        </p:nvSpPr>
+        <p:spPr/>
+        <p:txBody>
+          <a:bodyPr/>
+          <a:lstStyle/>
+          <a:p>
+            <a:r>
+              <a:rPr lang="en-US" dirty="0"/>
+              <a:t>What should we choice</a:t>
+            </a:r>
+          </a:p>
+        </p:txBody>
+      </p:sp>
+      <p:graphicFrame>
+        <p:nvGraphicFramePr>
+          <p:cNvPr id="3" name="Diagram 2">
+            <a:extLst>
+              <a:ext uri="{FF2B5EF4-FFF2-40B4-BE49-F238E27FC236}">
+                <a16:creationId xmlns:a16="http://schemas.microsoft.com/office/drawing/2014/main" id="{AF341E1C-D6C2-4463-AE71-2412D71D3E72}"/>
+              </a:ext>
+            </a:extLst>
+          </p:cNvPr>
+          <p:cNvGraphicFramePr/>
+          <p:nvPr>
+            <p:extLst>
+              <p:ext uri="{D42A27DB-BD31-4B8C-83A1-F6EECF244321}">
+                <p14:modId xmlns:p14="http://schemas.microsoft.com/office/powerpoint/2010/main" val="14610943"/>
+              </p:ext>
+            </p:extLst>
+          </p:nvPr>
+        </p:nvGraphicFramePr>
+        <p:xfrm>
+          <a:off x="800100" y="1363133"/>
+          <a:ext cx="8128000" cy="5418667"/>
+        </p:xfrm>
+        <a:graphic>
+          <a:graphicData uri="http://schemas.openxmlformats.org/drawingml/2006/diagram">
+            <dgm:relIds xmlns:dgm="http://schemas.openxmlformats.org/drawingml/2006/diagram" xmlns:r="http://schemas.openxmlformats.org/officeDocument/2006/relationships" r:dm="rId2" r:lo="rId3" r:qs="rId4" r:cs="rId5"/>
+          </a:graphicData>
+        </a:graphic>
+      </p:graphicFrame>
+    </p:spTree>
+    <p:extLst>
+      <p:ext uri="{BB962C8B-B14F-4D97-AF65-F5344CB8AC3E}">
+        <p14:creationId xmlns:p14="http://schemas.microsoft.com/office/powerpoint/2010/main" val="3567849373"/>
+      </p:ext>
+    </p:extLst>
+  </p:cSld>
+  <p:clrMapOvr>
+    <a:masterClrMapping/>
+  </p:clrMapOvr>
+  <mc:AlternateContent xmlns:mc="http://schemas.openxmlformats.org/markup-compatibility/2006" xmlns:p14="http://schemas.microsoft.com/office/powerpoint/2010/main">
+    <mc:Choice Requires="p14">
+      <p:transition spd="slow" p14:dur="800">
+        <p:circle/>
+      </p:transition>
+    </mc:Choice>
+    <mc:Fallback xmlns="">
+      <p:transition spd="slow">
+        <p:circle/>
+      </p:transition>
+    </mc:Fallback>
+  </mc:AlternateContent>
+</p:sld>
+</file>
+
+<file path=ppt/slides/slide6.xml><?xml version="1.0" encoding="utf-8"?>
+<p:sld xmlns:a="http://schemas.openxmlformats.org/drawingml/2006/main" xmlns:r="http://schemas.openxmlformats.org/officeDocument/2006/relationships" xmlns:p="http://schemas.openxmlformats.org/presentationml/2006/main">
+  <p:cSld>
+    <p:spTree>
+      <p:nvGrpSpPr>
+        <p:cNvPr id="1" name=""/>
+        <p:cNvGrpSpPr/>
+        <p:nvPr/>
+      </p:nvGrpSpPr>
+      <p:grpSpPr>
+        <a:xfrm>
+          <a:off x="0" y="0"/>
+          <a:ext cx="0" cy="0"/>
+          <a:chOff x="0" y="0"/>
+          <a:chExt cx="0" cy="0"/>
+        </a:xfrm>
+      </p:grpSpPr>
+      <p:sp>
+        <p:nvSpPr>
+          <p:cNvPr id="2" name="Title 1">
+            <a:extLst>
+              <a:ext uri="{FF2B5EF4-FFF2-40B4-BE49-F238E27FC236}">
+                <a16:creationId xmlns:a16="http://schemas.microsoft.com/office/drawing/2014/main" id="{18921F15-073F-4A6E-AEB6-B5D4B4CBB870}"/>
+              </a:ext>
+            </a:extLst>
+          </p:cNvPr>
+          <p:cNvSpPr>
+            <a:spLocks noGrp="1"/>
+          </p:cNvSpPr>
+          <p:nvPr>
+            <p:ph type="title"/>
+          </p:nvPr>
+        </p:nvSpPr>
+        <p:spPr/>
+        <p:txBody>
+          <a:bodyPr/>
+          <a:lstStyle/>
+          <a:p>
+            <a:r>
+              <a:rPr lang="en-US" dirty="0"/>
+              <a:t>Show me the code</a:t>
+            </a:r>
+          </a:p>
+        </p:txBody>
+      </p:sp>
+      <p:pic>
+        <p:nvPicPr>
+          <p:cNvPr id="2052" name="Picture 4" descr="Futurama Fry - show me the code and stop talking!">
+            <a:extLst>
+              <a:ext uri="{FF2B5EF4-FFF2-40B4-BE49-F238E27FC236}">
+                <a16:creationId xmlns:a16="http://schemas.microsoft.com/office/drawing/2014/main" id="{6F7DF224-84D1-4435-B74C-C1737EBBCBF8}"/>
+              </a:ext>
+            </a:extLst>
+          </p:cNvPr>
+          <p:cNvPicPr>
+            <a:picLocks noChangeAspect="1" noChangeArrowheads="1"/>
+          </p:cNvPicPr>
+          <p:nvPr/>
+        </p:nvPicPr>
+        <p:blipFill>
+          <a:blip r:embed="rId2">
+            <a:extLst>
+              <a:ext uri="{28A0092B-C50C-407E-A947-70E740481C1C}">
+                <a14:useLocalDpi xmlns:a14="http://schemas.microsoft.com/office/drawing/2010/main" val="0"/>
+              </a:ext>
+            </a:extLst>
+          </a:blip>
+          <a:srcRect/>
+          <a:stretch>
+            <a:fillRect/>
+          </a:stretch>
+        </p:blipFill>
+        <p:spPr bwMode="auto">
+          <a:xfrm>
+            <a:off x="2070100" y="1447800"/>
+            <a:ext cx="6096000" cy="4572000"/>
+          </a:xfrm>
+          <a:prstGeom prst="rect">
+            <a:avLst/>
+          </a:prstGeom>
+          <a:noFill/>
+          <a:extLst>
+            <a:ext uri="{909E8E84-426E-40DD-AFC4-6F175D3DCCD1}">
+              <a14:hiddenFill xmlns:a14="http://schemas.microsoft.com/office/drawing/2010/main">
+                <a:solidFill>
+                  <a:srgbClr val="FFFFFF"/>
+                </a:solidFill>
+              </a14:hiddenFill>
+            </a:ext>
+          </a:extLst>
+        </p:spPr>
+      </p:pic>
+    </p:spTree>
+    <p:extLst>
+      <p:ext uri="{BB962C8B-B14F-4D97-AF65-F5344CB8AC3E}">
+        <p14:creationId xmlns:p14="http://schemas.microsoft.com/office/powerpoint/2010/main" val="3447941977"/>
       </p:ext>
     </p:extLst>
   </p:cSld>
